--- a/Initial Presentation.pptx
+++ b/Initial Presentation.pptx
@@ -7,8 +7,8 @@
   <p:sldIdLst>
     <p:sldId id="263" r:id="rId2"/>
     <p:sldId id="264" r:id="rId3"/>
-    <p:sldId id="256" r:id="rId4"/>
-    <p:sldId id="265" r:id="rId5"/>
+    <p:sldId id="265" r:id="rId4"/>
+    <p:sldId id="256" r:id="rId5"/>
     <p:sldId id="257" r:id="rId6"/>
     <p:sldId id="258" r:id="rId7"/>
     <p:sldId id="259" r:id="rId8"/>
@@ -3365,7 +3365,7 @@
         </p:nvSpPr>
         <p:spPr>
           <a:xfrm>
-            <a:off x="1376039" y="1074198"/>
+            <a:off x="2539014" y="4412202"/>
             <a:ext cx="5477522" cy="1477328"/>
           </a:xfrm>
           <a:prstGeom prst="rect">
@@ -3400,6 +3400,84 @@
             <a:r>
               <a:rPr lang="en-AU" dirty="0"/>
               <a:t>How does this relate to the industry we selected</a:t>
+            </a:r>
+          </a:p>
+          <a:p>
+            <a:endParaRPr lang="en-AU" dirty="0"/>
+          </a:p>
+        </p:txBody>
+      </p:sp>
+      <p:sp>
+        <p:nvSpPr>
+          <p:cNvPr id="5" name="TextBox 4">
+            <a:extLst>
+              <a:ext uri="{FF2B5EF4-FFF2-40B4-BE49-F238E27FC236}">
+                <a16:creationId xmlns:a16="http://schemas.microsoft.com/office/drawing/2014/main" id="{65D587D5-CE0B-B5EC-FCED-5CA23A4839ED}"/>
+              </a:ext>
+            </a:extLst>
+          </p:cNvPr>
+          <p:cNvSpPr txBox="1"/>
+          <p:nvPr/>
+        </p:nvSpPr>
+        <p:spPr>
+          <a:xfrm>
+            <a:off x="1864311" y="1056442"/>
+            <a:ext cx="8096435" cy="3139321"/>
+          </a:xfrm>
+          <a:prstGeom prst="rect">
+            <a:avLst/>
+          </a:prstGeom>
+          <a:noFill/>
+        </p:spPr>
+        <p:txBody>
+          <a:bodyPr wrap="square" rtlCol="0">
+            <a:spAutoFit/>
+          </a:bodyPr>
+          <a:lstStyle/>
+          <a:p>
+            <a:pPr algn="l"/>
+            <a:r>
+              <a:rPr lang="en-AU" b="0" i="0" dirty="0">
+                <a:solidFill>
+                  <a:srgbClr val="1F2328"/>
+                </a:solidFill>
+                <a:effectLst/>
+                <a:latin typeface="-apple-system"/>
+              </a:rPr>
+              <a:t>Tech workers experience precarious employment, unpredictable working hours, sedentary, and often socially isolating working conditions. Research on psychosocial working conditions suggests that these factors are likely to have significant impacts on workers' mental and physical health. Increasingly, research is </a:t>
+            </a:r>
+            <a:r>
+              <a:rPr lang="en-AU" b="0" i="0" dirty="0" err="1">
+                <a:solidFill>
+                  <a:srgbClr val="1F2328"/>
+                </a:solidFill>
+                <a:effectLst/>
+                <a:latin typeface="-apple-system"/>
+              </a:rPr>
+              <a:t>suggseting</a:t>
+            </a:r>
+            <a:r>
+              <a:rPr lang="en-AU" b="0" i="0" dirty="0">
+                <a:solidFill>
+                  <a:srgbClr val="1F2328"/>
+                </a:solidFill>
+                <a:effectLst/>
+                <a:latin typeface="-apple-system"/>
+              </a:rPr>
+              <a:t> that workplace cultures that encourage workers to disclose their mental health issues to colleagues and supervisors may improve the likelihood that workers will disclose mental health conditions, leading to better long-term outcomes for tech workers.</a:t>
+            </a:r>
+          </a:p>
+          <a:p>
+            <a:pPr algn="l"/>
+            <a:r>
+              <a:rPr lang="en-AU" b="0" i="0" dirty="0">
+                <a:solidFill>
+                  <a:srgbClr val="1F2328"/>
+                </a:solidFill>
+                <a:effectLst/>
+                <a:latin typeface="-apple-system"/>
+              </a:rPr>
+              <a:t>The aims of this project are therefore to explore the factors that impact on tech workers mental health over two observation periods, before the COVID-19 pandemic (2014) compared with during the COVID-19 pandemic (2020-2022).</a:t>
             </a:r>
           </a:p>
           <a:p>
@@ -3678,47 +3756,12 @@
           <a:chExt cx="0" cy="0"/>
         </a:xfrm>
       </p:grpSpPr>
-      <p:sp>
-        <p:nvSpPr>
-          <p:cNvPr id="8" name="TextBox 7">
-            <a:extLst>
-              <a:ext uri="{FF2B5EF4-FFF2-40B4-BE49-F238E27FC236}">
-                <a16:creationId xmlns:a16="http://schemas.microsoft.com/office/drawing/2014/main" id="{CCD62ED0-CEA1-59E4-2ECA-0465DAF7A9CB}"/>
-              </a:ext>
-            </a:extLst>
-          </p:cNvPr>
-          <p:cNvSpPr txBox="1"/>
-          <p:nvPr/>
-        </p:nvSpPr>
-        <p:spPr>
-          <a:xfrm>
-            <a:off x="976544" y="5956917"/>
-            <a:ext cx="4731798" cy="369332"/>
-          </a:xfrm>
-          <a:prstGeom prst="rect">
-            <a:avLst/>
-          </a:prstGeom>
-          <a:noFill/>
-        </p:spPr>
-        <p:txBody>
-          <a:bodyPr wrap="square" rtlCol="0">
-            <a:spAutoFit/>
-          </a:bodyPr>
-          <a:lstStyle/>
-          <a:p>
-            <a:r>
-              <a:rPr lang="en-AU" dirty="0"/>
-              <a:t>Limitations: majority of participants from US</a:t>
-            </a:r>
-          </a:p>
-        </p:txBody>
-      </p:sp>
       <p:pic>
         <p:nvPicPr>
-          <p:cNvPr id="10" name="Picture 9" descr="A graph of a number of blue and black text&#10;&#10;Description automatically generated with medium confidence">
-            <a:extLst>
-              <a:ext uri="{FF2B5EF4-FFF2-40B4-BE49-F238E27FC236}">
-                <a16:creationId xmlns:a16="http://schemas.microsoft.com/office/drawing/2014/main" id="{27E17D9E-BF7F-E536-6403-D9C5258508B1}"/>
+          <p:cNvPr id="5" name="Picture 4" descr="A green and red circle&#10;&#10;Description automatically generated">
+            <a:extLst>
+              <a:ext uri="{FF2B5EF4-FFF2-40B4-BE49-F238E27FC236}">
+                <a16:creationId xmlns:a16="http://schemas.microsoft.com/office/drawing/2014/main" id="{DE84755A-61AA-2308-2689-06B65A456EB2}"/>
               </a:ext>
             </a:extLst>
           </p:cNvPr>
@@ -3741,8 +3784,8 @@
         </p:blipFill>
         <p:spPr>
           <a:xfrm>
-            <a:off x="-461639" y="941033"/>
-            <a:ext cx="7084381" cy="4048218"/>
+            <a:off x="316897" y="1282044"/>
+            <a:ext cx="6460189" cy="4614421"/>
           </a:xfrm>
           <a:prstGeom prst="rect">
             <a:avLst/>
@@ -3751,10 +3794,10 @@
       </p:pic>
       <p:pic>
         <p:nvPicPr>
-          <p:cNvPr id="12" name="Picture 11" descr="A graph of a number of blue bars&#10;&#10;Description automatically generated with medium confidence">
-            <a:extLst>
-              <a:ext uri="{FF2B5EF4-FFF2-40B4-BE49-F238E27FC236}">
-                <a16:creationId xmlns:a16="http://schemas.microsoft.com/office/drawing/2014/main" id="{A2FB541F-8FB3-AE5D-514F-87E8E69524CD}"/>
+          <p:cNvPr id="7" name="Picture 6" descr="A green and red circle&#10;&#10;Description automatically generated">
+            <a:extLst>
+              <a:ext uri="{FF2B5EF4-FFF2-40B4-BE49-F238E27FC236}">
+                <a16:creationId xmlns:a16="http://schemas.microsoft.com/office/drawing/2014/main" id="{F6D94B39-B882-83FB-96EA-ADE09FAC33AF}"/>
               </a:ext>
             </a:extLst>
           </p:cNvPr>
@@ -3777,8 +3820,8 @@
         </p:blipFill>
         <p:spPr>
           <a:xfrm>
-            <a:off x="6081206" y="1080644"/>
-            <a:ext cx="6770146" cy="3868655"/>
+            <a:off x="5705416" y="1404594"/>
+            <a:ext cx="6486584" cy="4633274"/>
           </a:xfrm>
           <a:prstGeom prst="rect">
             <a:avLst/>
@@ -3788,7 +3831,7 @@
     </p:spTree>
     <p:extLst>
       <p:ext uri="{BB962C8B-B14F-4D97-AF65-F5344CB8AC3E}">
-        <p14:creationId xmlns:p14="http://schemas.microsoft.com/office/powerpoint/2010/main" val="3259633799"/>
+        <p14:creationId xmlns:p14="http://schemas.microsoft.com/office/powerpoint/2010/main" val="2525409316"/>
       </p:ext>
     </p:extLst>
   </p:cSld>
@@ -3815,12 +3858,47 @@
           <a:chExt cx="0" cy="0"/>
         </a:xfrm>
       </p:grpSpPr>
+      <p:sp>
+        <p:nvSpPr>
+          <p:cNvPr id="8" name="TextBox 7">
+            <a:extLst>
+              <a:ext uri="{FF2B5EF4-FFF2-40B4-BE49-F238E27FC236}">
+                <a16:creationId xmlns:a16="http://schemas.microsoft.com/office/drawing/2014/main" id="{CCD62ED0-CEA1-59E4-2ECA-0465DAF7A9CB}"/>
+              </a:ext>
+            </a:extLst>
+          </p:cNvPr>
+          <p:cNvSpPr txBox="1"/>
+          <p:nvPr/>
+        </p:nvSpPr>
+        <p:spPr>
+          <a:xfrm>
+            <a:off x="976544" y="5956917"/>
+            <a:ext cx="4731798" cy="369332"/>
+          </a:xfrm>
+          <a:prstGeom prst="rect">
+            <a:avLst/>
+          </a:prstGeom>
+          <a:noFill/>
+        </p:spPr>
+        <p:txBody>
+          <a:bodyPr wrap="square" rtlCol="0">
+            <a:spAutoFit/>
+          </a:bodyPr>
+          <a:lstStyle/>
+          <a:p>
+            <a:r>
+              <a:rPr lang="en-AU" dirty="0"/>
+              <a:t>Limitations: majority of participants from US</a:t>
+            </a:r>
+          </a:p>
+        </p:txBody>
+      </p:sp>
       <p:pic>
         <p:nvPicPr>
-          <p:cNvPr id="5" name="Picture 4" descr="A green and red circle&#10;&#10;Description automatically generated">
-            <a:extLst>
-              <a:ext uri="{FF2B5EF4-FFF2-40B4-BE49-F238E27FC236}">
-                <a16:creationId xmlns:a16="http://schemas.microsoft.com/office/drawing/2014/main" id="{DE84755A-61AA-2308-2689-06B65A456EB2}"/>
+          <p:cNvPr id="10" name="Picture 9" descr="A graph of a number of blue and black text&#10;&#10;Description automatically generated with medium confidence">
+            <a:extLst>
+              <a:ext uri="{FF2B5EF4-FFF2-40B4-BE49-F238E27FC236}">
+                <a16:creationId xmlns:a16="http://schemas.microsoft.com/office/drawing/2014/main" id="{27E17D9E-BF7F-E536-6403-D9C5258508B1}"/>
               </a:ext>
             </a:extLst>
           </p:cNvPr>
@@ -3843,8 +3921,8 @@
         </p:blipFill>
         <p:spPr>
           <a:xfrm>
-            <a:off x="316897" y="1282044"/>
-            <a:ext cx="6460189" cy="4614421"/>
+            <a:off x="-461639" y="941033"/>
+            <a:ext cx="7084381" cy="4048218"/>
           </a:xfrm>
           <a:prstGeom prst="rect">
             <a:avLst/>
@@ -3853,10 +3931,10 @@
       </p:pic>
       <p:pic>
         <p:nvPicPr>
-          <p:cNvPr id="7" name="Picture 6" descr="A green and red circle&#10;&#10;Description automatically generated">
-            <a:extLst>
-              <a:ext uri="{FF2B5EF4-FFF2-40B4-BE49-F238E27FC236}">
-                <a16:creationId xmlns:a16="http://schemas.microsoft.com/office/drawing/2014/main" id="{F6D94B39-B882-83FB-96EA-ADE09FAC33AF}"/>
+          <p:cNvPr id="12" name="Picture 11" descr="A graph of a number of blue bars&#10;&#10;Description automatically generated with medium confidence">
+            <a:extLst>
+              <a:ext uri="{FF2B5EF4-FFF2-40B4-BE49-F238E27FC236}">
+                <a16:creationId xmlns:a16="http://schemas.microsoft.com/office/drawing/2014/main" id="{A2FB541F-8FB3-AE5D-514F-87E8E69524CD}"/>
               </a:ext>
             </a:extLst>
           </p:cNvPr>
@@ -3879,8 +3957,8 @@
         </p:blipFill>
         <p:spPr>
           <a:xfrm>
-            <a:off x="5705416" y="1404594"/>
-            <a:ext cx="6486584" cy="4633274"/>
+            <a:off x="6081206" y="1080644"/>
+            <a:ext cx="6770146" cy="3868655"/>
           </a:xfrm>
           <a:prstGeom prst="rect">
             <a:avLst/>
@@ -3890,7 +3968,7 @@
     </p:spTree>
     <p:extLst>
       <p:ext uri="{BB962C8B-B14F-4D97-AF65-F5344CB8AC3E}">
-        <p14:creationId xmlns:p14="http://schemas.microsoft.com/office/powerpoint/2010/main" val="2525409316"/>
+        <p14:creationId xmlns:p14="http://schemas.microsoft.com/office/powerpoint/2010/main" val="3259633799"/>
       </p:ext>
     </p:extLst>
   </p:cSld>

--- a/Initial Presentation.pptx
+++ b/Initial Presentation.pptx
@@ -5,27 +5,31 @@
     <p:sldMasterId id="2147483648" r:id="rId1"/>
   </p:sldMasterIdLst>
   <p:notesMasterIdLst>
-    <p:notesMasterId r:id="rId20"/>
+    <p:notesMasterId r:id="rId24"/>
   </p:notesMasterIdLst>
   <p:sldIdLst>
-    <p:sldId id="263" r:id="rId2"/>
-    <p:sldId id="264" r:id="rId3"/>
-    <p:sldId id="266" r:id="rId4"/>
-    <p:sldId id="265" r:id="rId5"/>
-    <p:sldId id="267" r:id="rId6"/>
-    <p:sldId id="256" r:id="rId7"/>
-    <p:sldId id="268" r:id="rId8"/>
-    <p:sldId id="269" r:id="rId9"/>
-    <p:sldId id="270" r:id="rId10"/>
-    <p:sldId id="271" r:id="rId11"/>
-    <p:sldId id="272" r:id="rId12"/>
-    <p:sldId id="273" r:id="rId13"/>
-    <p:sldId id="274" r:id="rId14"/>
-    <p:sldId id="275" r:id="rId15"/>
-    <p:sldId id="276" r:id="rId16"/>
-    <p:sldId id="277" r:id="rId17"/>
-    <p:sldId id="278" r:id="rId18"/>
-    <p:sldId id="262" r:id="rId19"/>
+    <p:sldId id="279" r:id="rId2"/>
+    <p:sldId id="280" r:id="rId3"/>
+    <p:sldId id="264" r:id="rId4"/>
+    <p:sldId id="266" r:id="rId5"/>
+    <p:sldId id="265" r:id="rId6"/>
+    <p:sldId id="267" r:id="rId7"/>
+    <p:sldId id="256" r:id="rId8"/>
+    <p:sldId id="268" r:id="rId9"/>
+    <p:sldId id="269" r:id="rId10"/>
+    <p:sldId id="270" r:id="rId11"/>
+    <p:sldId id="271" r:id="rId12"/>
+    <p:sldId id="272" r:id="rId13"/>
+    <p:sldId id="273" r:id="rId14"/>
+    <p:sldId id="274" r:id="rId15"/>
+    <p:sldId id="275" r:id="rId16"/>
+    <p:sldId id="276" r:id="rId17"/>
+    <p:sldId id="277" r:id="rId18"/>
+    <p:sldId id="278" r:id="rId19"/>
+    <p:sldId id="281" r:id="rId20"/>
+    <p:sldId id="262" r:id="rId21"/>
+    <p:sldId id="282" r:id="rId22"/>
+    <p:sldId id="283" r:id="rId23"/>
   </p:sldIdLst>
   <p:sldSz cx="12192000" cy="6858000"/>
   <p:notesSz cx="6858000" cy="9144000"/>
@@ -526,6 +530,126 @@
           <a:bodyPr/>
           <a:lstStyle/>
           <a:p>
+            <a:pPr algn="l"/>
+            <a:r>
+              <a:rPr lang="en-AU" b="1" i="0" dirty="0">
+                <a:solidFill>
+                  <a:srgbClr val="1F2328"/>
+                </a:solidFill>
+                <a:effectLst/>
+                <a:latin typeface="-apple-system"/>
+              </a:rPr>
+              <a:t>Erin :</a:t>
+            </a:r>
+            <a:r>
+              <a:rPr lang="en-AU" b="0" i="0" dirty="0">
+                <a:solidFill>
+                  <a:srgbClr val="1F2328"/>
+                </a:solidFill>
+                <a:effectLst/>
+                <a:latin typeface="-apple-system"/>
+              </a:rPr>
+              <a:t> Tech workers experience precarious employment, unpredictable working hours, sedentary, and often socially isolating working conditions. Research on psychosocial working conditions suggests that these factors are likely to have significant impacts on workers' mental and physical health. Increasingly, research is suggesting that workplace cultures that encourage workers to disclose their mental health issues to colleagues and supervisors may improve the likelihood that workers will disclose mental health conditions, leading to better long-term outcomes for tech workers.</a:t>
+            </a:r>
+          </a:p>
+          <a:p>
+            <a:pPr algn="l"/>
+            <a:r>
+              <a:rPr lang="en-AU" b="0" i="0" dirty="0">
+                <a:solidFill>
+                  <a:srgbClr val="1F2328"/>
+                </a:solidFill>
+                <a:effectLst/>
+                <a:latin typeface="-apple-system"/>
+              </a:rPr>
+              <a:t>The aims of this project are therefore to explore the factors that impact on tech workers mental health over two observation periods, before the COVID-19 pandemic (2014) compared with during the COVID-19 pandemic (2020-2022).</a:t>
+            </a:r>
+          </a:p>
+          <a:p>
+            <a:endParaRPr lang="en-AU" dirty="0"/>
+          </a:p>
+        </p:txBody>
+      </p:sp>
+      <p:sp>
+        <p:nvSpPr>
+          <p:cNvPr id="4" name="Slide Number Placeholder 3"/>
+          <p:cNvSpPr>
+            <a:spLocks noGrp="1"/>
+          </p:cNvSpPr>
+          <p:nvPr>
+            <p:ph type="sldNum" sz="quarter" idx="5"/>
+          </p:nvPr>
+        </p:nvSpPr>
+        <p:spPr/>
+        <p:txBody>
+          <a:bodyPr/>
+          <a:lstStyle/>
+          <a:p>
+            <a:fld id="{650A4150-C3AC-4031-8BA0-2A154E986986}" type="slidenum">
+              <a:rPr lang="en-AU" smtClean="0"/>
+              <a:t>1</a:t>
+            </a:fld>
+            <a:endParaRPr lang="en-AU"/>
+          </a:p>
+        </p:txBody>
+      </p:sp>
+    </p:spTree>
+    <p:extLst>
+      <p:ext uri="{BB962C8B-B14F-4D97-AF65-F5344CB8AC3E}">
+        <p14:creationId xmlns:p14="http://schemas.microsoft.com/office/powerpoint/2010/main" val="2325534550"/>
+      </p:ext>
+    </p:extLst>
+  </p:cSld>
+  <p:clrMapOvr>
+    <a:masterClrMapping/>
+  </p:clrMapOvr>
+</p:notes>
+</file>
+
+<file path=ppt/notesSlides/notesSlide10.xml><?xml version="1.0" encoding="utf-8"?>
+<p:notes xmlns:a="http://schemas.openxmlformats.org/drawingml/2006/main" xmlns:r="http://schemas.openxmlformats.org/officeDocument/2006/relationships" xmlns:p="http://schemas.openxmlformats.org/presentationml/2006/main">
+  <p:cSld>
+    <p:spTree>
+      <p:nvGrpSpPr>
+        <p:cNvPr id="1" name=""/>
+        <p:cNvGrpSpPr/>
+        <p:nvPr/>
+      </p:nvGrpSpPr>
+      <p:grpSpPr>
+        <a:xfrm>
+          <a:off x="0" y="0"/>
+          <a:ext cx="0" cy="0"/>
+          <a:chOff x="0" y="0"/>
+          <a:chExt cx="0" cy="0"/>
+        </a:xfrm>
+      </p:grpSpPr>
+      <p:sp>
+        <p:nvSpPr>
+          <p:cNvPr id="2" name="Slide Image Placeholder 1"/>
+          <p:cNvSpPr>
+            <a:spLocks noGrp="1" noRot="1" noChangeAspect="1"/>
+          </p:cNvSpPr>
+          <p:nvPr>
+            <p:ph type="sldImg"/>
+          </p:nvPr>
+        </p:nvSpPr>
+        <p:spPr/>
+      </p:sp>
+      <p:sp>
+        <p:nvSpPr>
+          <p:cNvPr id="3" name="Notes Placeholder 2"/>
+          <p:cNvSpPr>
+            <a:spLocks noGrp="1"/>
+          </p:cNvSpPr>
+          <p:nvPr>
+            <p:ph type="body" idx="1"/>
+          </p:nvPr>
+        </p:nvSpPr>
+        <p:spPr/>
+        <p:txBody>
+          <a:bodyPr/>
+          <a:lstStyle/>
+          <a:p>
             <a:pPr marL="0" marR="0" lvl="0" indent="0" algn="l" defTabSz="914400" rtl="0" eaLnBrk="1" fontAlgn="auto" latinLnBrk="0" hangingPunct="1">
               <a:lnSpc>
                 <a:spcPct val="100000"/>
@@ -545,8 +669,11 @@
             </a:pPr>
             <a:r>
               <a:rPr lang="en-AU" dirty="0"/>
-              <a:t>Significant increase in tech companies that provide mental health wellness programs, a positive result from the pandemic and or a better recognition or understanding of mental health issues. Change %numbers, larger titles etc</a:t>
-            </a:r>
+              <a:t>Mental health issues more prevalent in office-based workers pre-covid, this result is unexpected.</a:t>
+            </a:r>
+          </a:p>
+          <a:p>
+            <a:endParaRPr lang="en-AU" dirty="0"/>
           </a:p>
           <a:p>
             <a:endParaRPr lang="en-AU" dirty="0"/>
@@ -570,7 +697,7 @@
           <a:p>
             <a:fld id="{650A4150-C3AC-4031-8BA0-2A154E986986}" type="slidenum">
               <a:rPr lang="en-AU" smtClean="0"/>
-              <a:t>9</a:t>
+              <a:t>12</a:t>
             </a:fld>
             <a:endParaRPr lang="en-AU"/>
           </a:p>
@@ -579,7 +706,512 @@
     </p:spTree>
     <p:extLst>
       <p:ext uri="{BB962C8B-B14F-4D97-AF65-F5344CB8AC3E}">
-        <p14:creationId xmlns:p14="http://schemas.microsoft.com/office/powerpoint/2010/main" val="3498279717"/>
+        <p14:creationId xmlns:p14="http://schemas.microsoft.com/office/powerpoint/2010/main" val="2949109513"/>
+      </p:ext>
+    </p:extLst>
+  </p:cSld>
+  <p:clrMapOvr>
+    <a:masterClrMapping/>
+  </p:clrMapOvr>
+</p:notes>
+</file>
+
+<file path=ppt/notesSlides/notesSlide11.xml><?xml version="1.0" encoding="utf-8"?>
+<p:notes xmlns:a="http://schemas.openxmlformats.org/drawingml/2006/main" xmlns:r="http://schemas.openxmlformats.org/officeDocument/2006/relationships" xmlns:p="http://schemas.openxmlformats.org/presentationml/2006/main">
+  <p:cSld>
+    <p:spTree>
+      <p:nvGrpSpPr>
+        <p:cNvPr id="1" name=""/>
+        <p:cNvGrpSpPr/>
+        <p:nvPr/>
+      </p:nvGrpSpPr>
+      <p:grpSpPr>
+        <a:xfrm>
+          <a:off x="0" y="0"/>
+          <a:ext cx="0" cy="0"/>
+          <a:chOff x="0" y="0"/>
+          <a:chExt cx="0" cy="0"/>
+        </a:xfrm>
+      </p:grpSpPr>
+      <p:sp>
+        <p:nvSpPr>
+          <p:cNvPr id="2" name="Slide Image Placeholder 1"/>
+          <p:cNvSpPr>
+            <a:spLocks noGrp="1" noRot="1" noChangeAspect="1"/>
+          </p:cNvSpPr>
+          <p:nvPr>
+            <p:ph type="sldImg"/>
+          </p:nvPr>
+        </p:nvSpPr>
+        <p:spPr/>
+      </p:sp>
+      <p:sp>
+        <p:nvSpPr>
+          <p:cNvPr id="3" name="Notes Placeholder 2"/>
+          <p:cNvSpPr>
+            <a:spLocks noGrp="1"/>
+          </p:cNvSpPr>
+          <p:nvPr>
+            <p:ph type="body" idx="1"/>
+          </p:nvPr>
+        </p:nvSpPr>
+        <p:spPr/>
+        <p:txBody>
+          <a:bodyPr/>
+          <a:lstStyle/>
+          <a:p>
+            <a:pPr marL="0" marR="0" lvl="0" indent="0" algn="l" defTabSz="914400" rtl="0" eaLnBrk="1" fontAlgn="auto" latinLnBrk="0" hangingPunct="1">
+              <a:lnSpc>
+                <a:spcPct val="100000"/>
+              </a:lnSpc>
+              <a:spcBef>
+                <a:spcPts val="0"/>
+              </a:spcBef>
+              <a:spcAft>
+                <a:spcPts val="0"/>
+              </a:spcAft>
+              <a:buClrTx/>
+              <a:buSzTx/>
+              <a:buFontTx/>
+              <a:buNone/>
+              <a:tabLst/>
+              <a:defRPr/>
+            </a:pPr>
+            <a:r>
+              <a:rPr lang="en-AU" dirty="0"/>
+              <a:t>Results show that the pandemic didn’t really impact the percentage of tech workers with mental health issues where there was a family history of mental health issues. Also unexpected.</a:t>
+            </a:r>
+          </a:p>
+          <a:p>
+            <a:endParaRPr lang="en-AU" dirty="0"/>
+          </a:p>
+        </p:txBody>
+      </p:sp>
+      <p:sp>
+        <p:nvSpPr>
+          <p:cNvPr id="4" name="Slide Number Placeholder 3"/>
+          <p:cNvSpPr>
+            <a:spLocks noGrp="1"/>
+          </p:cNvSpPr>
+          <p:nvPr>
+            <p:ph type="sldNum" sz="quarter" idx="5"/>
+          </p:nvPr>
+        </p:nvSpPr>
+        <p:spPr/>
+        <p:txBody>
+          <a:bodyPr/>
+          <a:lstStyle/>
+          <a:p>
+            <a:fld id="{650A4150-C3AC-4031-8BA0-2A154E986986}" type="slidenum">
+              <a:rPr lang="en-AU" smtClean="0"/>
+              <a:t>14</a:t>
+            </a:fld>
+            <a:endParaRPr lang="en-AU"/>
+          </a:p>
+        </p:txBody>
+      </p:sp>
+    </p:spTree>
+    <p:extLst>
+      <p:ext uri="{BB962C8B-B14F-4D97-AF65-F5344CB8AC3E}">
+        <p14:creationId xmlns:p14="http://schemas.microsoft.com/office/powerpoint/2010/main" val="3959910362"/>
+      </p:ext>
+    </p:extLst>
+  </p:cSld>
+  <p:clrMapOvr>
+    <a:masterClrMapping/>
+  </p:clrMapOvr>
+</p:notes>
+</file>
+
+<file path=ppt/notesSlides/notesSlide12.xml><?xml version="1.0" encoding="utf-8"?>
+<p:notes xmlns:a="http://schemas.openxmlformats.org/drawingml/2006/main" xmlns:r="http://schemas.openxmlformats.org/officeDocument/2006/relationships" xmlns:p="http://schemas.openxmlformats.org/presentationml/2006/main">
+  <p:cSld>
+    <p:spTree>
+      <p:nvGrpSpPr>
+        <p:cNvPr id="1" name=""/>
+        <p:cNvGrpSpPr/>
+        <p:nvPr/>
+      </p:nvGrpSpPr>
+      <p:grpSpPr>
+        <a:xfrm>
+          <a:off x="0" y="0"/>
+          <a:ext cx="0" cy="0"/>
+          <a:chOff x="0" y="0"/>
+          <a:chExt cx="0" cy="0"/>
+        </a:xfrm>
+      </p:grpSpPr>
+      <p:sp>
+        <p:nvSpPr>
+          <p:cNvPr id="2" name="Slide Image Placeholder 1"/>
+          <p:cNvSpPr>
+            <a:spLocks noGrp="1" noRot="1" noChangeAspect="1"/>
+          </p:cNvSpPr>
+          <p:nvPr>
+            <p:ph type="sldImg"/>
+          </p:nvPr>
+        </p:nvSpPr>
+        <p:spPr/>
+      </p:sp>
+      <p:sp>
+        <p:nvSpPr>
+          <p:cNvPr id="3" name="Notes Placeholder 2"/>
+          <p:cNvSpPr>
+            <a:spLocks noGrp="1"/>
+          </p:cNvSpPr>
+          <p:nvPr>
+            <p:ph type="body" idx="1"/>
+          </p:nvPr>
+        </p:nvSpPr>
+        <p:spPr/>
+        <p:txBody>
+          <a:bodyPr/>
+          <a:lstStyle/>
+          <a:p>
+            <a:pPr marL="0" marR="0" lvl="0" indent="0" algn="l" defTabSz="914400" rtl="0" eaLnBrk="1" fontAlgn="auto" latinLnBrk="0" hangingPunct="1">
+              <a:lnSpc>
+                <a:spcPct val="100000"/>
+              </a:lnSpc>
+              <a:spcBef>
+                <a:spcPts val="0"/>
+              </a:spcBef>
+              <a:spcAft>
+                <a:spcPts val="0"/>
+              </a:spcAft>
+              <a:buClrTx/>
+              <a:buSzTx/>
+              <a:buFontTx/>
+              <a:buNone/>
+              <a:tabLst/>
+              <a:defRPr/>
+            </a:pPr>
+            <a:r>
+              <a:rPr lang="en-AU" dirty="0"/>
+              <a:t>No change, despite the counts in the </a:t>
+            </a:r>
+            <a:r>
+              <a:rPr lang="en-AU" dirty="0" err="1"/>
+              <a:t>dataframes</a:t>
+            </a:r>
+            <a:r>
+              <a:rPr lang="en-AU" dirty="0"/>
+              <a:t> being completely different. (we didn’t just replicate the same graph ;). How to show value counts in pie chart – </a:t>
+            </a:r>
+            <a:r>
+              <a:rPr lang="en-AU" dirty="0" err="1"/>
+              <a:t>Siyuan</a:t>
+            </a:r>
+            <a:r>
+              <a:rPr lang="en-AU" dirty="0"/>
+              <a:t> or Chris</a:t>
+            </a:r>
+          </a:p>
+          <a:p>
+            <a:endParaRPr lang="en-AU" dirty="0"/>
+          </a:p>
+        </p:txBody>
+      </p:sp>
+      <p:sp>
+        <p:nvSpPr>
+          <p:cNvPr id="4" name="Slide Number Placeholder 3"/>
+          <p:cNvSpPr>
+            <a:spLocks noGrp="1"/>
+          </p:cNvSpPr>
+          <p:nvPr>
+            <p:ph type="sldNum" sz="quarter" idx="5"/>
+          </p:nvPr>
+        </p:nvSpPr>
+        <p:spPr/>
+        <p:txBody>
+          <a:bodyPr/>
+          <a:lstStyle/>
+          <a:p>
+            <a:fld id="{650A4150-C3AC-4031-8BA0-2A154E986986}" type="slidenum">
+              <a:rPr lang="en-AU" smtClean="0"/>
+              <a:t>16</a:t>
+            </a:fld>
+            <a:endParaRPr lang="en-AU"/>
+          </a:p>
+        </p:txBody>
+      </p:sp>
+    </p:spTree>
+    <p:extLst>
+      <p:ext uri="{BB962C8B-B14F-4D97-AF65-F5344CB8AC3E}">
+        <p14:creationId xmlns:p14="http://schemas.microsoft.com/office/powerpoint/2010/main" val="4143049814"/>
+      </p:ext>
+    </p:extLst>
+  </p:cSld>
+  <p:clrMapOvr>
+    <a:masterClrMapping/>
+  </p:clrMapOvr>
+</p:notes>
+</file>
+
+<file path=ppt/notesSlides/notesSlide13.xml><?xml version="1.0" encoding="utf-8"?>
+<p:notes xmlns:a="http://schemas.openxmlformats.org/drawingml/2006/main" xmlns:r="http://schemas.openxmlformats.org/officeDocument/2006/relationships" xmlns:p="http://schemas.openxmlformats.org/presentationml/2006/main">
+  <p:cSld>
+    <p:spTree>
+      <p:nvGrpSpPr>
+        <p:cNvPr id="1" name=""/>
+        <p:cNvGrpSpPr/>
+        <p:nvPr/>
+      </p:nvGrpSpPr>
+      <p:grpSpPr>
+        <a:xfrm>
+          <a:off x="0" y="0"/>
+          <a:ext cx="0" cy="0"/>
+          <a:chOff x="0" y="0"/>
+          <a:chExt cx="0" cy="0"/>
+        </a:xfrm>
+      </p:grpSpPr>
+      <p:sp>
+        <p:nvSpPr>
+          <p:cNvPr id="2" name="Slide Image Placeholder 1"/>
+          <p:cNvSpPr>
+            <a:spLocks noGrp="1" noRot="1" noChangeAspect="1"/>
+          </p:cNvSpPr>
+          <p:nvPr>
+            <p:ph type="sldImg"/>
+          </p:nvPr>
+        </p:nvSpPr>
+        <p:spPr/>
+      </p:sp>
+      <p:sp>
+        <p:nvSpPr>
+          <p:cNvPr id="3" name="Notes Placeholder 2"/>
+          <p:cNvSpPr>
+            <a:spLocks noGrp="1"/>
+          </p:cNvSpPr>
+          <p:nvPr>
+            <p:ph type="body" idx="1"/>
+          </p:nvPr>
+        </p:nvSpPr>
+        <p:spPr/>
+        <p:txBody>
+          <a:bodyPr/>
+          <a:lstStyle/>
+          <a:p>
+            <a:pPr marL="0" marR="0" lvl="0" indent="0" algn="l" defTabSz="914400" rtl="0" eaLnBrk="1" fontAlgn="auto" latinLnBrk="0" hangingPunct="1">
+              <a:lnSpc>
+                <a:spcPct val="100000"/>
+              </a:lnSpc>
+              <a:spcBef>
+                <a:spcPts val="0"/>
+              </a:spcBef>
+              <a:spcAft>
+                <a:spcPts val="0"/>
+              </a:spcAft>
+              <a:buClrTx/>
+              <a:buSzTx/>
+              <a:buFontTx/>
+              <a:buNone/>
+              <a:tabLst/>
+              <a:defRPr/>
+            </a:pPr>
+            <a:r>
+              <a:rPr lang="en-AU" dirty="0"/>
+              <a:t>Increase in percentage of employees willing to talk to co-workers, however from previous slide, no change in willingness to disclose to supervisors. </a:t>
+            </a:r>
+          </a:p>
+          <a:p>
+            <a:endParaRPr lang="en-AU" dirty="0"/>
+          </a:p>
+        </p:txBody>
+      </p:sp>
+      <p:sp>
+        <p:nvSpPr>
+          <p:cNvPr id="4" name="Slide Number Placeholder 3"/>
+          <p:cNvSpPr>
+            <a:spLocks noGrp="1"/>
+          </p:cNvSpPr>
+          <p:nvPr>
+            <p:ph type="sldNum" sz="quarter" idx="5"/>
+          </p:nvPr>
+        </p:nvSpPr>
+        <p:spPr/>
+        <p:txBody>
+          <a:bodyPr/>
+          <a:lstStyle/>
+          <a:p>
+            <a:fld id="{650A4150-C3AC-4031-8BA0-2A154E986986}" type="slidenum">
+              <a:rPr lang="en-AU" smtClean="0"/>
+              <a:t>18</a:t>
+            </a:fld>
+            <a:endParaRPr lang="en-AU"/>
+          </a:p>
+        </p:txBody>
+      </p:sp>
+    </p:spTree>
+    <p:extLst>
+      <p:ext uri="{BB962C8B-B14F-4D97-AF65-F5344CB8AC3E}">
+        <p14:creationId xmlns:p14="http://schemas.microsoft.com/office/powerpoint/2010/main" val="917568245"/>
+      </p:ext>
+    </p:extLst>
+  </p:cSld>
+  <p:clrMapOvr>
+    <a:masterClrMapping/>
+  </p:clrMapOvr>
+</p:notes>
+</file>
+
+<file path=ppt/notesSlides/notesSlide14.xml><?xml version="1.0" encoding="utf-8"?>
+<p:notes xmlns:a="http://schemas.openxmlformats.org/drawingml/2006/main" xmlns:r="http://schemas.openxmlformats.org/officeDocument/2006/relationships" xmlns:p="http://schemas.openxmlformats.org/presentationml/2006/main">
+  <p:cSld>
+    <p:spTree>
+      <p:nvGrpSpPr>
+        <p:cNvPr id="1" name=""/>
+        <p:cNvGrpSpPr/>
+        <p:nvPr/>
+      </p:nvGrpSpPr>
+      <p:grpSpPr>
+        <a:xfrm>
+          <a:off x="0" y="0"/>
+          <a:ext cx="0" cy="0"/>
+          <a:chOff x="0" y="0"/>
+          <a:chExt cx="0" cy="0"/>
+        </a:xfrm>
+      </p:grpSpPr>
+      <p:sp>
+        <p:nvSpPr>
+          <p:cNvPr id="2" name="Slide Image Placeholder 1"/>
+          <p:cNvSpPr>
+            <a:spLocks noGrp="1" noRot="1" noChangeAspect="1"/>
+          </p:cNvSpPr>
+          <p:nvPr>
+            <p:ph type="sldImg"/>
+          </p:nvPr>
+        </p:nvSpPr>
+        <p:spPr/>
+      </p:sp>
+      <p:sp>
+        <p:nvSpPr>
+          <p:cNvPr id="3" name="Notes Placeholder 2"/>
+          <p:cNvSpPr>
+            <a:spLocks noGrp="1"/>
+          </p:cNvSpPr>
+          <p:nvPr>
+            <p:ph type="body" idx="1"/>
+          </p:nvPr>
+        </p:nvSpPr>
+        <p:spPr/>
+        <p:txBody>
+          <a:bodyPr/>
+          <a:lstStyle/>
+          <a:p>
+            <a:endParaRPr lang="en-AU" dirty="0"/>
+          </a:p>
+        </p:txBody>
+      </p:sp>
+      <p:sp>
+        <p:nvSpPr>
+          <p:cNvPr id="4" name="Slide Number Placeholder 3"/>
+          <p:cNvSpPr>
+            <a:spLocks noGrp="1"/>
+          </p:cNvSpPr>
+          <p:nvPr>
+            <p:ph type="sldNum" sz="quarter" idx="5"/>
+          </p:nvPr>
+        </p:nvSpPr>
+        <p:spPr/>
+        <p:txBody>
+          <a:bodyPr/>
+          <a:lstStyle/>
+          <a:p>
+            <a:fld id="{650A4150-C3AC-4031-8BA0-2A154E986986}" type="slidenum">
+              <a:rPr lang="en-AU" smtClean="0"/>
+              <a:t>19</a:t>
+            </a:fld>
+            <a:endParaRPr lang="en-AU"/>
+          </a:p>
+        </p:txBody>
+      </p:sp>
+    </p:spTree>
+    <p:extLst>
+      <p:ext uri="{BB962C8B-B14F-4D97-AF65-F5344CB8AC3E}">
+        <p14:creationId xmlns:p14="http://schemas.microsoft.com/office/powerpoint/2010/main" val="3263907648"/>
+      </p:ext>
+    </p:extLst>
+  </p:cSld>
+  <p:clrMapOvr>
+    <a:masterClrMapping/>
+  </p:clrMapOvr>
+</p:notes>
+</file>
+
+<file path=ppt/notesSlides/notesSlide15.xml><?xml version="1.0" encoding="utf-8"?>
+<p:notes xmlns:a="http://schemas.openxmlformats.org/drawingml/2006/main" xmlns:r="http://schemas.openxmlformats.org/officeDocument/2006/relationships" xmlns:p="http://schemas.openxmlformats.org/presentationml/2006/main">
+  <p:cSld>
+    <p:spTree>
+      <p:nvGrpSpPr>
+        <p:cNvPr id="1" name=""/>
+        <p:cNvGrpSpPr/>
+        <p:nvPr/>
+      </p:nvGrpSpPr>
+      <p:grpSpPr>
+        <a:xfrm>
+          <a:off x="0" y="0"/>
+          <a:ext cx="0" cy="0"/>
+          <a:chOff x="0" y="0"/>
+          <a:chExt cx="0" cy="0"/>
+        </a:xfrm>
+      </p:grpSpPr>
+      <p:sp>
+        <p:nvSpPr>
+          <p:cNvPr id="2" name="Slide Image Placeholder 1"/>
+          <p:cNvSpPr>
+            <a:spLocks noGrp="1" noRot="1" noChangeAspect="1"/>
+          </p:cNvSpPr>
+          <p:nvPr>
+            <p:ph type="sldImg"/>
+          </p:nvPr>
+        </p:nvSpPr>
+        <p:spPr/>
+      </p:sp>
+      <p:sp>
+        <p:nvSpPr>
+          <p:cNvPr id="3" name="Notes Placeholder 2"/>
+          <p:cNvSpPr>
+            <a:spLocks noGrp="1"/>
+          </p:cNvSpPr>
+          <p:nvPr>
+            <p:ph type="body" idx="1"/>
+          </p:nvPr>
+        </p:nvSpPr>
+        <p:spPr/>
+        <p:txBody>
+          <a:bodyPr/>
+          <a:lstStyle/>
+          <a:p>
+            <a:endParaRPr lang="en-AU" dirty="0"/>
+          </a:p>
+        </p:txBody>
+      </p:sp>
+      <p:sp>
+        <p:nvSpPr>
+          <p:cNvPr id="4" name="Slide Number Placeholder 3"/>
+          <p:cNvSpPr>
+            <a:spLocks noGrp="1"/>
+          </p:cNvSpPr>
+          <p:nvPr>
+            <p:ph type="sldNum" sz="quarter" idx="5"/>
+          </p:nvPr>
+        </p:nvSpPr>
+        <p:spPr/>
+        <p:txBody>
+          <a:bodyPr/>
+          <a:lstStyle/>
+          <a:p>
+            <a:fld id="{650A4150-C3AC-4031-8BA0-2A154E986986}" type="slidenum">
+              <a:rPr lang="en-AU" smtClean="0"/>
+              <a:t>21</a:t>
+            </a:fld>
+            <a:endParaRPr lang="en-AU"/>
+          </a:p>
+        </p:txBody>
+      </p:sp>
+    </p:spTree>
+    <p:extLst>
+      <p:ext uri="{BB962C8B-B14F-4D97-AF65-F5344CB8AC3E}">
+        <p14:creationId xmlns:p14="http://schemas.microsoft.com/office/powerpoint/2010/main" val="642504923"/>
       </p:ext>
     </p:extLst>
   </p:cSld>
@@ -633,33 +1265,14 @@
           <a:bodyPr/>
           <a:lstStyle/>
           <a:p>
-            <a:pPr marL="0" marR="0" lvl="0" indent="0" algn="l" defTabSz="914400" rtl="0" eaLnBrk="1" fontAlgn="auto" latinLnBrk="0" hangingPunct="1">
-              <a:lnSpc>
-                <a:spcPct val="100000"/>
-              </a:lnSpc>
-              <a:spcBef>
-                <a:spcPts val="0"/>
-              </a:spcBef>
-              <a:spcAft>
-                <a:spcPts val="0"/>
-              </a:spcAft>
-              <a:buClrTx/>
-              <a:buSzTx/>
-              <a:buFontTx/>
-              <a:buNone/>
-              <a:tabLst/>
-              <a:defRPr/>
-            </a:pPr>
+            <a:r>
+              <a:rPr lang="en-AU" b="1" dirty="0"/>
+              <a:t>Joyce: </a:t>
+            </a:r>
             <a:r>
               <a:rPr lang="en-AU" dirty="0"/>
-              <a:t>Mental health issues more prevalent in office-based workers pre-covid, this result is unexpected.</a:t>
-            </a:r>
-          </a:p>
-          <a:p>
-            <a:endParaRPr lang="en-AU" dirty="0"/>
-          </a:p>
-          <a:p>
-            <a:endParaRPr lang="en-AU" dirty="0"/>
+              <a:t>Our data was sourced from the example health data provided, whereby Tech Workers were interviewed and provided insights into their mental health status and the level of support they get from their current and previous employer, and how comfortable they feel discussing issues with peers and supervisors. Four data streams were used, 2014, 2020, 2021 &amp; 2022. This gave us the ability to compare surveys pre and post covid.</a:t>
+            </a:r>
           </a:p>
         </p:txBody>
       </p:sp>
@@ -680,7 +1293,7 @@
           <a:p>
             <a:fld id="{650A4150-C3AC-4031-8BA0-2A154E986986}" type="slidenum">
               <a:rPr lang="en-AU" smtClean="0"/>
-              <a:t>11</a:t>
+              <a:t>2</a:t>
             </a:fld>
             <a:endParaRPr lang="en-AU"/>
           </a:p>
@@ -689,7 +1302,7 @@
     </p:spTree>
     <p:extLst>
       <p:ext uri="{BB962C8B-B14F-4D97-AF65-F5344CB8AC3E}">
-        <p14:creationId xmlns:p14="http://schemas.microsoft.com/office/powerpoint/2010/main" val="2949109513"/>
+        <p14:creationId xmlns:p14="http://schemas.microsoft.com/office/powerpoint/2010/main" val="1751054960"/>
       </p:ext>
     </p:extLst>
   </p:cSld>
@@ -743,26 +1356,57 @@
           <a:bodyPr/>
           <a:lstStyle/>
           <a:p>
-            <a:pPr marL="0" marR="0" lvl="0" indent="0" algn="l" defTabSz="914400" rtl="0" eaLnBrk="1" fontAlgn="auto" latinLnBrk="0" hangingPunct="1">
-              <a:lnSpc>
-                <a:spcPct val="100000"/>
-              </a:lnSpc>
-              <a:spcBef>
-                <a:spcPts val="0"/>
-              </a:spcBef>
-              <a:spcAft>
-                <a:spcPts val="0"/>
-              </a:spcAft>
-              <a:buClrTx/>
-              <a:buSzTx/>
+            <a:r>
+              <a:rPr lang="en-AU" b="1" dirty="0"/>
+              <a:t>Joyce : </a:t>
+            </a:r>
+            <a:r>
+              <a:rPr lang="en-AU" dirty="0" err="1"/>
+              <a:t>Datasource</a:t>
+            </a:r>
+            <a:r>
+              <a:rPr lang="en-AU" dirty="0"/>
+              <a:t>: </a:t>
+            </a:r>
+          </a:p>
+          <a:p>
+            <a:pPr marL="285750" indent="-285750">
               <a:buFontTx/>
-              <a:buNone/>
-              <a:tabLst/>
-              <a:defRPr/>
+              <a:buChar char="-"/>
             </a:pPr>
             <a:r>
               <a:rPr lang="en-AU" dirty="0"/>
-              <a:t>Results show that the pandemic didn’t really impact the percentage of tech workers with mental health issues where there was a family history of mental health issues. Also unexpected.</a:t>
+              <a:t>Describe the data source</a:t>
+            </a:r>
+          </a:p>
+          <a:p>
+            <a:pPr marL="285750" indent="-285750">
+              <a:buFontTx/>
+              <a:buChar char="-"/>
+            </a:pPr>
+            <a:r>
+              <a:rPr lang="en-AU" dirty="0"/>
+              <a:t>Why we chose it </a:t>
+            </a:r>
+          </a:p>
+          <a:p>
+            <a:pPr marL="285750" indent="-285750">
+              <a:buFontTx/>
+              <a:buChar char="-"/>
+            </a:pPr>
+            <a:r>
+              <a:rPr lang="en-AU" dirty="0"/>
+              <a:t>Describe the collection, exploration and cleanup process.</a:t>
+            </a:r>
+          </a:p>
+          <a:p>
+            <a:pPr marL="285750" indent="-285750">
+              <a:buFontTx/>
+              <a:buChar char="-"/>
+            </a:pPr>
+            <a:r>
+              <a:rPr lang="en-AU" dirty="0"/>
+              <a:t>Approach we took to achieve our goals</a:t>
             </a:r>
           </a:p>
           <a:p>
@@ -787,7 +1431,7 @@
           <a:p>
             <a:fld id="{650A4150-C3AC-4031-8BA0-2A154E986986}" type="slidenum">
               <a:rPr lang="en-AU" smtClean="0"/>
-              <a:t>13</a:t>
+              <a:t>3</a:t>
             </a:fld>
             <a:endParaRPr lang="en-AU"/>
           </a:p>
@@ -796,7 +1440,7 @@
     </p:spTree>
     <p:extLst>
       <p:ext uri="{BB962C8B-B14F-4D97-AF65-F5344CB8AC3E}">
-        <p14:creationId xmlns:p14="http://schemas.microsoft.com/office/powerpoint/2010/main" val="3959910362"/>
+        <p14:creationId xmlns:p14="http://schemas.microsoft.com/office/powerpoint/2010/main" val="1179028060"/>
       </p:ext>
     </p:extLst>
   </p:cSld>
@@ -850,46 +1494,10 @@
           <a:bodyPr/>
           <a:lstStyle/>
           <a:p>
-            <a:pPr marL="0" marR="0" lvl="0" indent="0" algn="l" defTabSz="914400" rtl="0" eaLnBrk="1" fontAlgn="auto" latinLnBrk="0" hangingPunct="1">
-              <a:lnSpc>
-                <a:spcPct val="100000"/>
-              </a:lnSpc>
-              <a:spcBef>
-                <a:spcPts val="0"/>
-              </a:spcBef>
-              <a:spcAft>
-                <a:spcPts val="0"/>
-              </a:spcAft>
-              <a:buClrTx/>
-              <a:buSzTx/>
-              <a:buFontTx/>
-              <a:buNone/>
-              <a:tabLst/>
-              <a:defRPr/>
-            </a:pPr>
             <a:r>
               <a:rPr lang="en-AU" dirty="0"/>
-              <a:t>No change, despite the counts in the </a:t>
-            </a:r>
-            <a:r>
-              <a:rPr lang="en-AU" dirty="0" err="1"/>
-              <a:t>dataframes</a:t>
-            </a:r>
-            <a:r>
-              <a:rPr lang="en-AU" dirty="0"/>
-              <a:t> being completely different. (we didn’t just replicate the same graph ;). How to show value counts in pie chart – </a:t>
-            </a:r>
-            <a:r>
-              <a:rPr lang="en-AU" dirty="0" err="1"/>
-              <a:t>Siyuan</a:t>
-            </a:r>
-            <a:r>
-              <a:rPr lang="en-AU" dirty="0"/>
-              <a:t> or Chris</a:t>
-            </a:r>
-          </a:p>
-          <a:p>
-            <a:endParaRPr lang="en-AU" dirty="0"/>
+              <a:t>James</a:t>
+            </a:r>
           </a:p>
         </p:txBody>
       </p:sp>
@@ -910,7 +1518,7 @@
           <a:p>
             <a:fld id="{650A4150-C3AC-4031-8BA0-2A154E986986}" type="slidenum">
               <a:rPr lang="en-AU" smtClean="0"/>
-              <a:t>15</a:t>
+              <a:t>4</a:t>
             </a:fld>
             <a:endParaRPr lang="en-AU"/>
           </a:p>
@@ -919,7 +1527,7 @@
     </p:spTree>
     <p:extLst>
       <p:ext uri="{BB962C8B-B14F-4D97-AF65-F5344CB8AC3E}">
-        <p14:creationId xmlns:p14="http://schemas.microsoft.com/office/powerpoint/2010/main" val="4143049814"/>
+        <p14:creationId xmlns:p14="http://schemas.microsoft.com/office/powerpoint/2010/main" val="3869585801"/>
       </p:ext>
     </p:extLst>
   </p:cSld>
@@ -973,6 +1581,354 @@
           <a:bodyPr/>
           <a:lstStyle/>
           <a:p>
+            <a:r>
+              <a:rPr lang="en-AU" dirty="0"/>
+              <a:t>James</a:t>
+            </a:r>
+          </a:p>
+        </p:txBody>
+      </p:sp>
+      <p:sp>
+        <p:nvSpPr>
+          <p:cNvPr id="4" name="Slide Number Placeholder 3"/>
+          <p:cNvSpPr>
+            <a:spLocks noGrp="1"/>
+          </p:cNvSpPr>
+          <p:nvPr>
+            <p:ph type="sldNum" sz="quarter" idx="5"/>
+          </p:nvPr>
+        </p:nvSpPr>
+        <p:spPr/>
+        <p:txBody>
+          <a:bodyPr/>
+          <a:lstStyle/>
+          <a:p>
+            <a:fld id="{650A4150-C3AC-4031-8BA0-2A154E986986}" type="slidenum">
+              <a:rPr lang="en-AU" smtClean="0"/>
+              <a:t>5</a:t>
+            </a:fld>
+            <a:endParaRPr lang="en-AU"/>
+          </a:p>
+        </p:txBody>
+      </p:sp>
+    </p:spTree>
+    <p:extLst>
+      <p:ext uri="{BB962C8B-B14F-4D97-AF65-F5344CB8AC3E}">
+        <p14:creationId xmlns:p14="http://schemas.microsoft.com/office/powerpoint/2010/main" val="2793727533"/>
+      </p:ext>
+    </p:extLst>
+  </p:cSld>
+  <p:clrMapOvr>
+    <a:masterClrMapping/>
+  </p:clrMapOvr>
+</p:notes>
+</file>
+
+<file path=ppt/notesSlides/notesSlide6.xml><?xml version="1.0" encoding="utf-8"?>
+<p:notes xmlns:a="http://schemas.openxmlformats.org/drawingml/2006/main" xmlns:r="http://schemas.openxmlformats.org/officeDocument/2006/relationships" xmlns:p="http://schemas.openxmlformats.org/presentationml/2006/main">
+  <p:cSld>
+    <p:spTree>
+      <p:nvGrpSpPr>
+        <p:cNvPr id="1" name=""/>
+        <p:cNvGrpSpPr/>
+        <p:nvPr/>
+      </p:nvGrpSpPr>
+      <p:grpSpPr>
+        <a:xfrm>
+          <a:off x="0" y="0"/>
+          <a:ext cx="0" cy="0"/>
+          <a:chOff x="0" y="0"/>
+          <a:chExt cx="0" cy="0"/>
+        </a:xfrm>
+      </p:grpSpPr>
+      <p:sp>
+        <p:nvSpPr>
+          <p:cNvPr id="2" name="Slide Image Placeholder 1"/>
+          <p:cNvSpPr>
+            <a:spLocks noGrp="1" noRot="1" noChangeAspect="1"/>
+          </p:cNvSpPr>
+          <p:nvPr>
+            <p:ph type="sldImg"/>
+          </p:nvPr>
+        </p:nvSpPr>
+        <p:spPr/>
+      </p:sp>
+      <p:sp>
+        <p:nvSpPr>
+          <p:cNvPr id="3" name="Notes Placeholder 2"/>
+          <p:cNvSpPr>
+            <a:spLocks noGrp="1"/>
+          </p:cNvSpPr>
+          <p:nvPr>
+            <p:ph type="body" idx="1"/>
+          </p:nvPr>
+        </p:nvSpPr>
+        <p:spPr/>
+        <p:txBody>
+          <a:bodyPr/>
+          <a:lstStyle/>
+          <a:p>
+            <a:r>
+              <a:rPr lang="en-AU" dirty="0"/>
+              <a:t>James</a:t>
+            </a:r>
+          </a:p>
+        </p:txBody>
+      </p:sp>
+      <p:sp>
+        <p:nvSpPr>
+          <p:cNvPr id="4" name="Slide Number Placeholder 3"/>
+          <p:cNvSpPr>
+            <a:spLocks noGrp="1"/>
+          </p:cNvSpPr>
+          <p:nvPr>
+            <p:ph type="sldNum" sz="quarter" idx="5"/>
+          </p:nvPr>
+        </p:nvSpPr>
+        <p:spPr/>
+        <p:txBody>
+          <a:bodyPr/>
+          <a:lstStyle/>
+          <a:p>
+            <a:fld id="{650A4150-C3AC-4031-8BA0-2A154E986986}" type="slidenum">
+              <a:rPr lang="en-AU" smtClean="0"/>
+              <a:t>6</a:t>
+            </a:fld>
+            <a:endParaRPr lang="en-AU"/>
+          </a:p>
+        </p:txBody>
+      </p:sp>
+    </p:spTree>
+    <p:extLst>
+      <p:ext uri="{BB962C8B-B14F-4D97-AF65-F5344CB8AC3E}">
+        <p14:creationId xmlns:p14="http://schemas.microsoft.com/office/powerpoint/2010/main" val="881177030"/>
+      </p:ext>
+    </p:extLst>
+  </p:cSld>
+  <p:clrMapOvr>
+    <a:masterClrMapping/>
+  </p:clrMapOvr>
+</p:notes>
+</file>
+
+<file path=ppt/notesSlides/notesSlide7.xml><?xml version="1.0" encoding="utf-8"?>
+<p:notes xmlns:a="http://schemas.openxmlformats.org/drawingml/2006/main" xmlns:r="http://schemas.openxmlformats.org/officeDocument/2006/relationships" xmlns:p="http://schemas.openxmlformats.org/presentationml/2006/main">
+  <p:cSld>
+    <p:spTree>
+      <p:nvGrpSpPr>
+        <p:cNvPr id="1" name=""/>
+        <p:cNvGrpSpPr/>
+        <p:nvPr/>
+      </p:nvGrpSpPr>
+      <p:grpSpPr>
+        <a:xfrm>
+          <a:off x="0" y="0"/>
+          <a:ext cx="0" cy="0"/>
+          <a:chOff x="0" y="0"/>
+          <a:chExt cx="0" cy="0"/>
+        </a:xfrm>
+      </p:grpSpPr>
+      <p:sp>
+        <p:nvSpPr>
+          <p:cNvPr id="2" name="Slide Image Placeholder 1"/>
+          <p:cNvSpPr>
+            <a:spLocks noGrp="1" noRot="1" noChangeAspect="1"/>
+          </p:cNvSpPr>
+          <p:nvPr>
+            <p:ph type="sldImg"/>
+          </p:nvPr>
+        </p:nvSpPr>
+        <p:spPr/>
+      </p:sp>
+      <p:sp>
+        <p:nvSpPr>
+          <p:cNvPr id="3" name="Notes Placeholder 2"/>
+          <p:cNvSpPr>
+            <a:spLocks noGrp="1"/>
+          </p:cNvSpPr>
+          <p:nvPr>
+            <p:ph type="body" idx="1"/>
+          </p:nvPr>
+        </p:nvSpPr>
+        <p:spPr/>
+        <p:txBody>
+          <a:bodyPr/>
+          <a:lstStyle/>
+          <a:p>
+            <a:r>
+              <a:rPr lang="en-AU" dirty="0"/>
+              <a:t>James</a:t>
+            </a:r>
+          </a:p>
+        </p:txBody>
+      </p:sp>
+      <p:sp>
+        <p:nvSpPr>
+          <p:cNvPr id="4" name="Slide Number Placeholder 3"/>
+          <p:cNvSpPr>
+            <a:spLocks noGrp="1"/>
+          </p:cNvSpPr>
+          <p:nvPr>
+            <p:ph type="sldNum" sz="quarter" idx="5"/>
+          </p:nvPr>
+        </p:nvSpPr>
+        <p:spPr/>
+        <p:txBody>
+          <a:bodyPr/>
+          <a:lstStyle/>
+          <a:p>
+            <a:fld id="{650A4150-C3AC-4031-8BA0-2A154E986986}" type="slidenum">
+              <a:rPr lang="en-AU" smtClean="0"/>
+              <a:t>7</a:t>
+            </a:fld>
+            <a:endParaRPr lang="en-AU"/>
+          </a:p>
+        </p:txBody>
+      </p:sp>
+    </p:spTree>
+    <p:extLst>
+      <p:ext uri="{BB962C8B-B14F-4D97-AF65-F5344CB8AC3E}">
+        <p14:creationId xmlns:p14="http://schemas.microsoft.com/office/powerpoint/2010/main" val="3399320611"/>
+      </p:ext>
+    </p:extLst>
+  </p:cSld>
+  <p:clrMapOvr>
+    <a:masterClrMapping/>
+  </p:clrMapOvr>
+</p:notes>
+</file>
+
+<file path=ppt/notesSlides/notesSlide8.xml><?xml version="1.0" encoding="utf-8"?>
+<p:notes xmlns:a="http://schemas.openxmlformats.org/drawingml/2006/main" xmlns:r="http://schemas.openxmlformats.org/officeDocument/2006/relationships" xmlns:p="http://schemas.openxmlformats.org/presentationml/2006/main">
+  <p:cSld>
+    <p:spTree>
+      <p:nvGrpSpPr>
+        <p:cNvPr id="1" name=""/>
+        <p:cNvGrpSpPr/>
+        <p:nvPr/>
+      </p:nvGrpSpPr>
+      <p:grpSpPr>
+        <a:xfrm>
+          <a:off x="0" y="0"/>
+          <a:ext cx="0" cy="0"/>
+          <a:chOff x="0" y="0"/>
+          <a:chExt cx="0" cy="0"/>
+        </a:xfrm>
+      </p:grpSpPr>
+      <p:sp>
+        <p:nvSpPr>
+          <p:cNvPr id="2" name="Slide Image Placeholder 1"/>
+          <p:cNvSpPr>
+            <a:spLocks noGrp="1" noRot="1" noChangeAspect="1"/>
+          </p:cNvSpPr>
+          <p:nvPr>
+            <p:ph type="sldImg"/>
+          </p:nvPr>
+        </p:nvSpPr>
+        <p:spPr/>
+      </p:sp>
+      <p:sp>
+        <p:nvSpPr>
+          <p:cNvPr id="3" name="Notes Placeholder 2"/>
+          <p:cNvSpPr>
+            <a:spLocks noGrp="1"/>
+          </p:cNvSpPr>
+          <p:nvPr>
+            <p:ph type="body" idx="1"/>
+          </p:nvPr>
+        </p:nvSpPr>
+        <p:spPr/>
+        <p:txBody>
+          <a:bodyPr/>
+          <a:lstStyle/>
+          <a:p>
+            <a:r>
+              <a:rPr lang="en-AU" dirty="0"/>
+              <a:t>James</a:t>
+            </a:r>
+          </a:p>
+        </p:txBody>
+      </p:sp>
+      <p:sp>
+        <p:nvSpPr>
+          <p:cNvPr id="4" name="Slide Number Placeholder 3"/>
+          <p:cNvSpPr>
+            <a:spLocks noGrp="1"/>
+          </p:cNvSpPr>
+          <p:nvPr>
+            <p:ph type="sldNum" sz="quarter" idx="5"/>
+          </p:nvPr>
+        </p:nvSpPr>
+        <p:spPr/>
+        <p:txBody>
+          <a:bodyPr/>
+          <a:lstStyle/>
+          <a:p>
+            <a:fld id="{650A4150-C3AC-4031-8BA0-2A154E986986}" type="slidenum">
+              <a:rPr lang="en-AU" smtClean="0"/>
+              <a:t>8</a:t>
+            </a:fld>
+            <a:endParaRPr lang="en-AU"/>
+          </a:p>
+        </p:txBody>
+      </p:sp>
+    </p:spTree>
+    <p:extLst>
+      <p:ext uri="{BB962C8B-B14F-4D97-AF65-F5344CB8AC3E}">
+        <p14:creationId xmlns:p14="http://schemas.microsoft.com/office/powerpoint/2010/main" val="259169602"/>
+      </p:ext>
+    </p:extLst>
+  </p:cSld>
+  <p:clrMapOvr>
+    <a:masterClrMapping/>
+  </p:clrMapOvr>
+</p:notes>
+</file>
+
+<file path=ppt/notesSlides/notesSlide9.xml><?xml version="1.0" encoding="utf-8"?>
+<p:notes xmlns:a="http://schemas.openxmlformats.org/drawingml/2006/main" xmlns:r="http://schemas.openxmlformats.org/officeDocument/2006/relationships" xmlns:p="http://schemas.openxmlformats.org/presentationml/2006/main">
+  <p:cSld>
+    <p:spTree>
+      <p:nvGrpSpPr>
+        <p:cNvPr id="1" name=""/>
+        <p:cNvGrpSpPr/>
+        <p:nvPr/>
+      </p:nvGrpSpPr>
+      <p:grpSpPr>
+        <a:xfrm>
+          <a:off x="0" y="0"/>
+          <a:ext cx="0" cy="0"/>
+          <a:chOff x="0" y="0"/>
+          <a:chExt cx="0" cy="0"/>
+        </a:xfrm>
+      </p:grpSpPr>
+      <p:sp>
+        <p:nvSpPr>
+          <p:cNvPr id="2" name="Slide Image Placeholder 1"/>
+          <p:cNvSpPr>
+            <a:spLocks noGrp="1" noRot="1" noChangeAspect="1"/>
+          </p:cNvSpPr>
+          <p:nvPr>
+            <p:ph type="sldImg"/>
+          </p:nvPr>
+        </p:nvSpPr>
+        <p:spPr/>
+      </p:sp>
+      <p:sp>
+        <p:nvSpPr>
+          <p:cNvPr id="3" name="Notes Placeholder 2"/>
+          <p:cNvSpPr>
+            <a:spLocks noGrp="1"/>
+          </p:cNvSpPr>
+          <p:nvPr>
+            <p:ph type="body" idx="1"/>
+          </p:nvPr>
+        </p:nvSpPr>
+        <p:spPr/>
+        <p:txBody>
+          <a:bodyPr/>
+          <a:lstStyle/>
+          <a:p>
             <a:pPr marL="0" marR="0" lvl="0" indent="0" algn="l" defTabSz="914400" rtl="0" eaLnBrk="1" fontAlgn="auto" latinLnBrk="0" hangingPunct="1">
               <a:lnSpc>
                 <a:spcPct val="100000"/>
@@ -992,7 +1948,7 @@
             </a:pPr>
             <a:r>
               <a:rPr lang="en-AU" dirty="0"/>
-              <a:t>Increase in percentage of employees willing to talk to co-workers, however from previous slide, no change in willingness to disclose to supervisors. </a:t>
+              <a:t>Significant increase in tech companies that provide mental health wellness programs, a positive result from the pandemic and or a better recognition or understanding of mental health issues. Change %numbers, larger titles etc</a:t>
             </a:r>
           </a:p>
           <a:p>
@@ -1017,7 +1973,7 @@
           <a:p>
             <a:fld id="{650A4150-C3AC-4031-8BA0-2A154E986986}" type="slidenum">
               <a:rPr lang="en-AU" smtClean="0"/>
-              <a:t>17</a:t>
+              <a:t>10</a:t>
             </a:fld>
             <a:endParaRPr lang="en-AU"/>
           </a:p>
@@ -1026,7 +1982,7 @@
     </p:spTree>
     <p:extLst>
       <p:ext uri="{BB962C8B-B14F-4D97-AF65-F5344CB8AC3E}">
-        <p14:creationId xmlns:p14="http://schemas.microsoft.com/office/powerpoint/2010/main" val="917568245"/>
+        <p14:creationId xmlns:p14="http://schemas.microsoft.com/office/powerpoint/2010/main" val="3498279717"/>
       </p:ext>
     </p:extLst>
   </p:cSld>
@@ -4257,170 +5213,6 @@
 <file path=ppt/slides/slide1.xml><?xml version="1.0" encoding="utf-8"?>
 <p:sld xmlns:a="http://schemas.openxmlformats.org/drawingml/2006/main" xmlns:r="http://schemas.openxmlformats.org/officeDocument/2006/relationships" xmlns:p="http://schemas.openxmlformats.org/presentationml/2006/main">
   <p:cSld>
-    <p:spTree>
-      <p:nvGrpSpPr>
-        <p:cNvPr id="1" name=""/>
-        <p:cNvGrpSpPr/>
-        <p:nvPr/>
-      </p:nvGrpSpPr>
-      <p:grpSpPr>
-        <a:xfrm>
-          <a:off x="0" y="0"/>
-          <a:ext cx="0" cy="0"/>
-          <a:chOff x="0" y="0"/>
-          <a:chExt cx="0" cy="0"/>
-        </a:xfrm>
-      </p:grpSpPr>
-      <p:sp>
-        <p:nvSpPr>
-          <p:cNvPr id="4" name="TextBox 3">
-            <a:extLst>
-              <a:ext uri="{FF2B5EF4-FFF2-40B4-BE49-F238E27FC236}">
-                <a16:creationId xmlns:a16="http://schemas.microsoft.com/office/drawing/2014/main" id="{6CC08F45-2671-E5C3-F65A-97A19A56C378}"/>
-              </a:ext>
-            </a:extLst>
-          </p:cNvPr>
-          <p:cNvSpPr txBox="1"/>
-          <p:nvPr/>
-        </p:nvSpPr>
-        <p:spPr>
-          <a:xfrm>
-            <a:off x="2539014" y="4412202"/>
-            <a:ext cx="5477522" cy="1477328"/>
-          </a:xfrm>
-          <a:prstGeom prst="rect">
-            <a:avLst/>
-          </a:prstGeom>
-          <a:noFill/>
-        </p:spPr>
-        <p:txBody>
-          <a:bodyPr wrap="square" rtlCol="0">
-            <a:spAutoFit/>
-          </a:bodyPr>
-          <a:lstStyle/>
-          <a:p>
-            <a:r>
-              <a:rPr lang="en-AU" dirty="0"/>
-              <a:t>Executive summary:</a:t>
-            </a:r>
-          </a:p>
-          <a:p>
-            <a:r>
-              <a:rPr lang="en-AU" dirty="0"/>
-              <a:t>Overview</a:t>
-            </a:r>
-          </a:p>
-          <a:p>
-            <a:r>
-              <a:rPr lang="en-AU" dirty="0"/>
-              <a:t>Project goals</a:t>
-            </a:r>
-          </a:p>
-          <a:p>
-            <a:r>
-              <a:rPr lang="en-AU" dirty="0"/>
-              <a:t>How does this relate to the industry we selected</a:t>
-            </a:r>
-          </a:p>
-          <a:p>
-            <a:endParaRPr lang="en-AU" dirty="0"/>
-          </a:p>
-        </p:txBody>
-      </p:sp>
-      <p:sp>
-        <p:nvSpPr>
-          <p:cNvPr id="5" name="TextBox 4">
-            <a:extLst>
-              <a:ext uri="{FF2B5EF4-FFF2-40B4-BE49-F238E27FC236}">
-                <a16:creationId xmlns:a16="http://schemas.microsoft.com/office/drawing/2014/main" id="{65D587D5-CE0B-B5EC-FCED-5CA23A4839ED}"/>
-              </a:ext>
-            </a:extLst>
-          </p:cNvPr>
-          <p:cNvSpPr txBox="1"/>
-          <p:nvPr/>
-        </p:nvSpPr>
-        <p:spPr>
-          <a:xfrm>
-            <a:off x="1864311" y="1056442"/>
-            <a:ext cx="8096435" cy="3139321"/>
-          </a:xfrm>
-          <a:prstGeom prst="rect">
-            <a:avLst/>
-          </a:prstGeom>
-          <a:noFill/>
-        </p:spPr>
-        <p:txBody>
-          <a:bodyPr wrap="square" rtlCol="0">
-            <a:spAutoFit/>
-          </a:bodyPr>
-          <a:lstStyle/>
-          <a:p>
-            <a:pPr algn="l"/>
-            <a:r>
-              <a:rPr lang="en-AU" b="0" i="0" dirty="0">
-                <a:solidFill>
-                  <a:srgbClr val="1F2328"/>
-                </a:solidFill>
-                <a:effectLst/>
-                <a:latin typeface="-apple-system"/>
-              </a:rPr>
-              <a:t>Tech workers experience precarious employment, unpredictable working hours, sedentary, and often socially isolating working conditions. Research on psychosocial working conditions suggests that these factors are likely to have significant impacts on workers' mental and physical health. Increasingly, research is </a:t>
-            </a:r>
-            <a:r>
-              <a:rPr lang="en-AU" b="0" i="0" dirty="0" err="1">
-                <a:solidFill>
-                  <a:srgbClr val="1F2328"/>
-                </a:solidFill>
-                <a:effectLst/>
-                <a:latin typeface="-apple-system"/>
-              </a:rPr>
-              <a:t>suggseting</a:t>
-            </a:r>
-            <a:r>
-              <a:rPr lang="en-AU" b="0" i="0" dirty="0">
-                <a:solidFill>
-                  <a:srgbClr val="1F2328"/>
-                </a:solidFill>
-                <a:effectLst/>
-                <a:latin typeface="-apple-system"/>
-              </a:rPr>
-              <a:t> that workplace cultures that encourage workers to disclose their mental health issues to colleagues and supervisors may improve the likelihood that workers will disclose mental health conditions, leading to better long-term outcomes for tech workers.</a:t>
-            </a:r>
-          </a:p>
-          <a:p>
-            <a:pPr algn="l"/>
-            <a:r>
-              <a:rPr lang="en-AU" b="0" i="0" dirty="0">
-                <a:solidFill>
-                  <a:srgbClr val="1F2328"/>
-                </a:solidFill>
-                <a:effectLst/>
-                <a:latin typeface="-apple-system"/>
-              </a:rPr>
-              <a:t>The aims of this project are therefore to explore the factors that impact on tech workers mental health over two observation periods, before the COVID-19 pandemic (2014) compared with during the COVID-19 pandemic (2020-2022).</a:t>
-            </a:r>
-          </a:p>
-          <a:p>
-            <a:endParaRPr lang="en-AU" dirty="0"/>
-          </a:p>
-        </p:txBody>
-      </p:sp>
-    </p:spTree>
-    <p:extLst>
-      <p:ext uri="{BB962C8B-B14F-4D97-AF65-F5344CB8AC3E}">
-        <p14:creationId xmlns:p14="http://schemas.microsoft.com/office/powerpoint/2010/main" val="3091366929"/>
-      </p:ext>
-    </p:extLst>
-  </p:cSld>
-  <p:clrMapOvr>
-    <a:masterClrMapping/>
-  </p:clrMapOvr>
-</p:sld>
-</file>
-
-<file path=ppt/slides/slide10.xml><?xml version="1.0" encoding="utf-8"?>
-<p:sld xmlns:a="http://schemas.openxmlformats.org/drawingml/2006/main" xmlns:r="http://schemas.openxmlformats.org/officeDocument/2006/relationships" xmlns:p="http://schemas.openxmlformats.org/presentationml/2006/main">
-  <p:cSld>
     <p:bg>
       <p:bgPr>
         <a:solidFill>
@@ -4445,7 +5237,7 @@
       </p:grpSpPr>
       <p:sp useBgFill="1">
         <p:nvSpPr>
-          <p:cNvPr id="15" name="Rectangle 14">
+          <p:cNvPr id="23" name="Rectangle 22">
             <a:extLst>
               <a:ext uri="{FF2B5EF4-FFF2-40B4-BE49-F238E27FC236}">
                 <a16:creationId xmlns:a16="http://schemas.microsoft.com/office/drawing/2014/main" id="{0671A8AE-40A1-4631-A6B8-581AFF065482}"/>
@@ -4518,7 +5310,7 @@
           <p:nvPr/>
         </p:nvPicPr>
         <p:blipFill rotWithShape="1">
-          <a:blip r:embed="rId2"/>
+          <a:blip r:embed="rId3"/>
           <a:srcRect t="28079" r="9089" b="-2"/>
           <a:stretch/>
         </p:blipFill>
@@ -4534,7 +5326,7 @@
       </p:pic>
       <p:sp>
         <p:nvSpPr>
-          <p:cNvPr id="17" name="Rectangle 16">
+          <p:cNvPr id="25" name="Rectangle 24">
             <a:extLst>
               <a:ext uri="{FF2B5EF4-FFF2-40B4-BE49-F238E27FC236}">
                 <a16:creationId xmlns:a16="http://schemas.microsoft.com/office/drawing/2014/main" id="{AB58EF07-17C2-48CF-ABB0-EEF1F17CB8F0}"/>
@@ -4637,7 +5429,7 @@
         </p:spPr>
         <p:txBody>
           <a:bodyPr vert="horz" lIns="91440" tIns="45720" rIns="91440" bIns="45720" rtlCol="0" anchor="b">
-            <a:normAutofit fontScale="90000"/>
+            <a:normAutofit/>
           </a:bodyPr>
           <a:lstStyle/>
           <a:p>
@@ -4647,14 +5439,14 @@
                   <a:schemeClr val="bg1"/>
                 </a:solidFill>
               </a:rPr>
-              <a:t>Proportion of tech employees reporting mental health problems by remote work status</a:t>
-            </a:r>
-          </a:p>
-        </p:txBody>
-      </p:sp>
-      <p:sp>
-        <p:nvSpPr>
-          <p:cNvPr id="19" name="Rectangle 18">
+              <a:t>Executive Summary </a:t>
+            </a:r>
+          </a:p>
+        </p:txBody>
+      </p:sp>
+      <p:sp>
+        <p:nvSpPr>
+          <p:cNvPr id="27" name="Rectangle 26">
             <a:extLst>
               <a:ext uri="{FF2B5EF4-FFF2-40B4-BE49-F238E27FC236}">
                 <a16:creationId xmlns:a16="http://schemas.microsoft.com/office/drawing/2014/main" id="{AF2F604E-43BE-4DC3-B983-E071523364F8}"/>
@@ -4722,7 +5514,7 @@
       </p:sp>
       <p:sp>
         <p:nvSpPr>
-          <p:cNvPr id="21" name="Rectangle 20">
+          <p:cNvPr id="29" name="Rectangle 28">
             <a:extLst>
               <a:ext uri="{FF2B5EF4-FFF2-40B4-BE49-F238E27FC236}">
                 <a16:creationId xmlns:a16="http://schemas.microsoft.com/office/drawing/2014/main" id="{08C9B587-E65E-4B52-B37C-ABEBB6E87928}"/>
@@ -4816,7 +5608,7 @@
     </p:spTree>
     <p:extLst>
       <p:ext uri="{BB962C8B-B14F-4D97-AF65-F5344CB8AC3E}">
-        <p14:creationId xmlns:p14="http://schemas.microsoft.com/office/powerpoint/2010/main" val="3840588573"/>
+        <p14:creationId xmlns:p14="http://schemas.microsoft.com/office/powerpoint/2010/main" val="4264761169"/>
       </p:ext>
     </p:extLst>
   </p:cSld>
@@ -4826,7 +5618,7 @@
 </p:sld>
 </file>
 
-<file path=ppt/slides/slide11.xml><?xml version="1.0" encoding="utf-8"?>
+<file path=ppt/slides/slide10.xml><?xml version="1.0" encoding="utf-8"?>
 <p:sld xmlns:a="http://schemas.openxmlformats.org/drawingml/2006/main" xmlns:r="http://schemas.openxmlformats.org/officeDocument/2006/relationships" xmlns:p="http://schemas.openxmlformats.org/presentationml/2006/main">
   <p:cSld>
     <p:spTree>
@@ -4843,47 +5635,12 @@
           <a:chExt cx="0" cy="0"/>
         </a:xfrm>
       </p:grpSpPr>
-      <p:sp>
-        <p:nvSpPr>
-          <p:cNvPr id="3" name="Text Placeholder 2">
-            <a:extLst>
-              <a:ext uri="{FF2B5EF4-FFF2-40B4-BE49-F238E27FC236}">
-                <a16:creationId xmlns:a16="http://schemas.microsoft.com/office/drawing/2014/main" id="{244C3115-AEE6-1F21-2DFF-E29C0CF38048}"/>
-              </a:ext>
-            </a:extLst>
-          </p:cNvPr>
-          <p:cNvSpPr>
-            <a:spLocks noGrp="1"/>
-          </p:cNvSpPr>
-          <p:nvPr>
-            <p:ph type="body" idx="1"/>
-          </p:nvPr>
-        </p:nvSpPr>
-        <p:spPr>
-          <a:xfrm>
-            <a:off x="836612" y="559374"/>
-            <a:ext cx="5157787" cy="414337"/>
-          </a:xfrm>
-        </p:spPr>
-        <p:txBody>
-          <a:bodyPr>
-            <a:normAutofit lnSpcReduction="10000"/>
-          </a:bodyPr>
-          <a:lstStyle/>
-          <a:p>
-            <a:r>
-              <a:rPr lang="en-AU" dirty="0"/>
-              <a:t>Pre-Pandemic, 2014:</a:t>
-            </a:r>
-          </a:p>
-        </p:txBody>
-      </p:sp>
       <p:pic>
         <p:nvPicPr>
-          <p:cNvPr id="5124" name="Picture 4">
-            <a:extLst>
-              <a:ext uri="{FF2B5EF4-FFF2-40B4-BE49-F238E27FC236}">
-                <a16:creationId xmlns:a16="http://schemas.microsoft.com/office/drawing/2014/main" id="{0CFD80F6-1628-2780-324A-4C4DC7F2C683}"/>
+          <p:cNvPr id="4104" name="Picture 8">
+            <a:extLst>
+              <a:ext uri="{FF2B5EF4-FFF2-40B4-BE49-F238E27FC236}">
+                <a16:creationId xmlns:a16="http://schemas.microsoft.com/office/drawing/2014/main" id="{BB235E3E-AF1A-94DC-2ECF-452373BE3D27}"/>
               </a:ext>
             </a:extLst>
           </p:cNvPr>
@@ -4900,13 +5657,13 @@
               </a:ext>
             </a:extLst>
           </a:blip>
-          <a:srcRect t="8009"/>
+          <a:srcRect l="25804" t="8156" r="14087"/>
           <a:stretch/>
         </p:blipFill>
         <p:spPr bwMode="auto">
           <a:xfrm>
-            <a:off x="0" y="1160332"/>
-            <a:ext cx="12192000" cy="4537336"/>
+            <a:off x="6270513" y="1098031"/>
+            <a:ext cx="5921487" cy="5294863"/>
           </a:xfrm>
           <a:prstGeom prst="rect">
             <a:avLst/>
@@ -4925,7 +5682,77 @@
       </p:pic>
       <p:sp>
         <p:nvSpPr>
-          <p:cNvPr id="5" name="TextBox 4">
+          <p:cNvPr id="3" name="Text Placeholder 2">
+            <a:extLst>
+              <a:ext uri="{FF2B5EF4-FFF2-40B4-BE49-F238E27FC236}">
+                <a16:creationId xmlns:a16="http://schemas.microsoft.com/office/drawing/2014/main" id="{244C3115-AEE6-1F21-2DFF-E29C0CF38048}"/>
+              </a:ext>
+            </a:extLst>
+          </p:cNvPr>
+          <p:cNvSpPr>
+            <a:spLocks noGrp="1"/>
+          </p:cNvSpPr>
+          <p:nvPr>
+            <p:ph type="body" idx="1"/>
+          </p:nvPr>
+        </p:nvSpPr>
+        <p:spPr>
+          <a:xfrm>
+            <a:off x="836612" y="559374"/>
+            <a:ext cx="5157787" cy="414337"/>
+          </a:xfrm>
+        </p:spPr>
+        <p:txBody>
+          <a:bodyPr>
+            <a:normAutofit lnSpcReduction="10000"/>
+          </a:bodyPr>
+          <a:lstStyle/>
+          <a:p>
+            <a:r>
+              <a:rPr lang="en-AU" dirty="0"/>
+              <a:t>Pre-Pandemic, 2014:</a:t>
+            </a:r>
+          </a:p>
+        </p:txBody>
+      </p:sp>
+      <p:sp>
+        <p:nvSpPr>
+          <p:cNvPr id="6" name="Text Placeholder 5">
+            <a:extLst>
+              <a:ext uri="{FF2B5EF4-FFF2-40B4-BE49-F238E27FC236}">
+                <a16:creationId xmlns:a16="http://schemas.microsoft.com/office/drawing/2014/main" id="{0FC6038A-C89F-D1DF-BB6B-44040D7C6A5E}"/>
+              </a:ext>
+            </a:extLst>
+          </p:cNvPr>
+          <p:cNvSpPr>
+            <a:spLocks noGrp="1"/>
+          </p:cNvSpPr>
+          <p:nvPr>
+            <p:ph type="body" sz="quarter" idx="3"/>
+          </p:nvPr>
+        </p:nvSpPr>
+        <p:spPr>
+          <a:xfrm>
+            <a:off x="6718955" y="559373"/>
+            <a:ext cx="5183188" cy="414337"/>
+          </a:xfrm>
+        </p:spPr>
+        <p:txBody>
+          <a:bodyPr>
+            <a:normAutofit lnSpcReduction="10000"/>
+          </a:bodyPr>
+          <a:lstStyle/>
+          <a:p>
+            <a:r>
+              <a:rPr lang="en-AU" dirty="0"/>
+              <a:t>Post-Pandemic, 2020-2022:</a:t>
+            </a:r>
+          </a:p>
+        </p:txBody>
+      </p:sp>
+      <p:sp>
+        <p:nvSpPr>
+          <p:cNvPr id="11" name="TextBox 10">
             <a:extLst>
               <a:ext uri="{FF2B5EF4-FFF2-40B4-BE49-F238E27FC236}">
                 <a16:creationId xmlns:a16="http://schemas.microsoft.com/office/drawing/2014/main" id="{BE267002-32FE-9C35-9E4F-48A439861A83}"/>
@@ -4937,8 +5764,8 @@
         </p:nvSpPr>
         <p:spPr>
           <a:xfrm>
-            <a:off x="836612" y="6127860"/>
-            <a:ext cx="10734065" cy="646331"/>
+            <a:off x="8931458" y="6069729"/>
+            <a:ext cx="3094117" cy="646331"/>
           </a:xfrm>
           <a:prstGeom prst="rect">
             <a:avLst/>
@@ -4946,29 +5773,81 @@
           <a:noFill/>
         </p:spPr>
         <p:txBody>
-          <a:bodyPr wrap="square" rtlCol="0">
+          <a:bodyPr wrap="none" rtlCol="0">
             <a:spAutoFit/>
           </a:bodyPr>
           <a:lstStyle/>
           <a:p>
             <a:r>
-              <a:rPr lang="en-AU" b="1" dirty="0"/>
-              <a:t>NOTE: </a:t>
-            </a:r>
-            <a:br>
-              <a:rPr lang="en-AU" b="1" dirty="0"/>
-            </a:br>
-            <a:r>
-              <a:rPr lang="en-AU" b="1" dirty="0"/>
-              <a:t>Analyses for the post-pandemic period were not possible as this was not assessed in 2020 to 2022</a:t>
-            </a:r>
-          </a:p>
-        </p:txBody>
-      </p:sp>
+              <a:rPr lang="en-AU" dirty="0"/>
+              <a:t>Significant difference:</a:t>
+            </a:r>
+          </a:p>
+          <a:p>
+            <a:r>
+              <a:rPr lang="en-AU" dirty="0"/>
+              <a:t>Chi2 = 72.29, </a:t>
+            </a:r>
+            <a:r>
+              <a:rPr lang="en-AU" dirty="0" err="1"/>
+              <a:t>df</a:t>
+            </a:r>
+            <a:r>
+              <a:rPr lang="en-AU" dirty="0"/>
+              <a:t> = 2, p &lt; 0.001</a:t>
+            </a:r>
+          </a:p>
+        </p:txBody>
+      </p:sp>
+      <p:pic>
+        <p:nvPicPr>
+          <p:cNvPr id="4102" name="Picture 6">
+            <a:extLst>
+              <a:ext uri="{FF2B5EF4-FFF2-40B4-BE49-F238E27FC236}">
+                <a16:creationId xmlns:a16="http://schemas.microsoft.com/office/drawing/2014/main" id="{7457EE00-834D-E74E-4623-E22E2A8A8850}"/>
+              </a:ext>
+            </a:extLst>
+          </p:cNvPr>
+          <p:cNvPicPr>
+            <a:picLocks noChangeAspect="1" noChangeArrowheads="1"/>
+          </p:cNvPicPr>
+          <p:nvPr/>
+        </p:nvPicPr>
+        <p:blipFill rotWithShape="1">
+          <a:blip r:embed="rId4">
+            <a:extLst>
+              <a:ext uri="{28A0092B-C50C-407E-A947-70E740481C1C}">
+                <a14:useLocalDpi xmlns:a14="http://schemas.microsoft.com/office/drawing/2010/main" val="0"/>
+              </a:ext>
+            </a:extLst>
+          </a:blip>
+          <a:srcRect l="24128" t="11965" r="12531" b="3932"/>
+          <a:stretch/>
+        </p:blipFill>
+        <p:spPr bwMode="auto">
+          <a:xfrm>
+            <a:off x="526638" y="1238557"/>
+            <a:ext cx="5577450" cy="4831172"/>
+          </a:xfrm>
+          <a:prstGeom prst="rect">
+            <a:avLst/>
+          </a:prstGeom>
+          <a:noFill/>
+          <a:extLst>
+            <a:ext uri="{909E8E84-426E-40DD-AFC4-6F175D3DCCD1}">
+              <a14:hiddenFill xmlns:a14="http://schemas.microsoft.com/office/drawing/2010/main">
+                <a:solidFill>
+                  <a:srgbClr val="FFFFFF"/>
+                </a:solidFill>
+              </a14:hiddenFill>
+            </a:ext>
+          </a:extLst>
+        </p:spPr>
+      </p:pic>
     </p:spTree>
     <p:extLst>
       <p:ext uri="{BB962C8B-B14F-4D97-AF65-F5344CB8AC3E}">
-        <p14:creationId xmlns:p14="http://schemas.microsoft.com/office/powerpoint/2010/main" val="930543042"/>
+        <p14:creationId xmlns:p14="http://schemas.microsoft.com/office/powerpoint/2010/main" val="1626630908"/>
       </p:ext>
     </p:extLst>
   </p:cSld>
@@ -4978,7 +5857,7 @@
 </p:sld>
 </file>
 
-<file path=ppt/slides/slide12.xml><?xml version="1.0" encoding="utf-8"?>
+<file path=ppt/slides/slide11.xml><?xml version="1.0" encoding="utf-8"?>
 <p:sld xmlns:a="http://schemas.openxmlformats.org/drawingml/2006/main" xmlns:r="http://schemas.openxmlformats.org/officeDocument/2006/relationships" xmlns:p="http://schemas.openxmlformats.org/presentationml/2006/main">
   <p:cSld>
     <p:bg>
@@ -5191,24 +6070,40 @@
         </p:nvSpPr>
         <p:spPr>
           <a:xfrm>
-            <a:off x="477981" y="1122363"/>
+            <a:off x="415838" y="2445136"/>
             <a:ext cx="4023360" cy="3204134"/>
           </a:xfrm>
         </p:spPr>
         <p:txBody>
           <a:bodyPr vert="horz" lIns="91440" tIns="45720" rIns="91440" bIns="45720" rtlCol="0" anchor="b">
-            <a:normAutofit/>
+            <a:normAutofit fontScale="90000"/>
           </a:bodyPr>
           <a:lstStyle/>
           <a:p>
             <a:r>
-              <a:rPr lang="en-US" sz="3700" dirty="0">
+              <a:rPr lang="en-AU" sz="4400" b="0" i="0" dirty="0">
                 <a:solidFill>
                   <a:schemeClr val="bg1"/>
                 </a:solidFill>
+                <a:effectLst/>
+                <a:latin typeface="-apple-system"/>
               </a:rPr>
-              <a:t>Proportion of tech employees reporting mental health problems by family history of mental illness</a:t>
-            </a:r>
+              <a:t>4. Does the prevalence of self-reported mental health conditions vary between remote vs. office-based workers?</a:t>
+            </a:r>
+            <a:br>
+              <a:rPr lang="en-AU" sz="1200" b="0" i="0" dirty="0">
+                <a:solidFill>
+                  <a:srgbClr val="1F2328"/>
+                </a:solidFill>
+                <a:effectLst/>
+                <a:latin typeface="-apple-system"/>
+              </a:rPr>
+            </a:br>
+            <a:endParaRPr lang="en-US" sz="4400" dirty="0">
+              <a:solidFill>
+                <a:schemeClr val="bg1"/>
+              </a:solidFill>
+            </a:endParaRPr>
           </a:p>
         </p:txBody>
       </p:sp>
@@ -5376,7 +6271,7 @@
     </p:spTree>
     <p:extLst>
       <p:ext uri="{BB962C8B-B14F-4D97-AF65-F5344CB8AC3E}">
-        <p14:creationId xmlns:p14="http://schemas.microsoft.com/office/powerpoint/2010/main" val="3513094706"/>
+        <p14:creationId xmlns:p14="http://schemas.microsoft.com/office/powerpoint/2010/main" val="3840588573"/>
       </p:ext>
     </p:extLst>
   </p:cSld>
@@ -5386,7 +6281,7 @@
 </p:sld>
 </file>
 
-<file path=ppt/slides/slide13.xml><?xml version="1.0" encoding="utf-8"?>
+<file path=ppt/slides/slide12.xml><?xml version="1.0" encoding="utf-8"?>
 <p:sld xmlns:a="http://schemas.openxmlformats.org/drawingml/2006/main" xmlns:r="http://schemas.openxmlformats.org/officeDocument/2006/relationships" xmlns:p="http://schemas.openxmlformats.org/presentationml/2006/main">
   <p:cSld>
     <p:spTree>
@@ -5403,12 +6298,47 @@
           <a:chExt cx="0" cy="0"/>
         </a:xfrm>
       </p:grpSpPr>
+      <p:sp>
+        <p:nvSpPr>
+          <p:cNvPr id="3" name="Text Placeholder 2">
+            <a:extLst>
+              <a:ext uri="{FF2B5EF4-FFF2-40B4-BE49-F238E27FC236}">
+                <a16:creationId xmlns:a16="http://schemas.microsoft.com/office/drawing/2014/main" id="{244C3115-AEE6-1F21-2DFF-E29C0CF38048}"/>
+              </a:ext>
+            </a:extLst>
+          </p:cNvPr>
+          <p:cNvSpPr>
+            <a:spLocks noGrp="1"/>
+          </p:cNvSpPr>
+          <p:nvPr>
+            <p:ph type="body" idx="1"/>
+          </p:nvPr>
+        </p:nvSpPr>
+        <p:spPr>
+          <a:xfrm>
+            <a:off x="836612" y="559374"/>
+            <a:ext cx="5157787" cy="414337"/>
+          </a:xfrm>
+        </p:spPr>
+        <p:txBody>
+          <a:bodyPr>
+            <a:normAutofit lnSpcReduction="10000"/>
+          </a:bodyPr>
+          <a:lstStyle/>
+          <a:p>
+            <a:r>
+              <a:rPr lang="en-AU" dirty="0"/>
+              <a:t>Pre-Pandemic, 2014:</a:t>
+            </a:r>
+          </a:p>
+        </p:txBody>
+      </p:sp>
       <p:pic>
         <p:nvPicPr>
-          <p:cNvPr id="6148" name="Picture 4">
-            <a:extLst>
-              <a:ext uri="{FF2B5EF4-FFF2-40B4-BE49-F238E27FC236}">
-                <a16:creationId xmlns:a16="http://schemas.microsoft.com/office/drawing/2014/main" id="{9B274518-0EC6-1B61-8492-C1E26C6B456E}"/>
+          <p:cNvPr id="5124" name="Picture 4">
+            <a:extLst>
+              <a:ext uri="{FF2B5EF4-FFF2-40B4-BE49-F238E27FC236}">
+                <a16:creationId xmlns:a16="http://schemas.microsoft.com/office/drawing/2014/main" id="{0CFD80F6-1628-2780-324A-4C4DC7F2C683}"/>
               </a:ext>
             </a:extLst>
           </p:cNvPr>
@@ -5425,13 +6355,13 @@
               </a:ext>
             </a:extLst>
           </a:blip>
-          <a:srcRect l="26743" t="5712" r="20192"/>
+          <a:srcRect t="8009"/>
           <a:stretch/>
         </p:blipFill>
         <p:spPr bwMode="auto">
           <a:xfrm>
-            <a:off x="6096000" y="973710"/>
-            <a:ext cx="6096000" cy="5297388"/>
+            <a:off x="0" y="1160332"/>
+            <a:ext cx="12192000" cy="4537336"/>
           </a:xfrm>
           <a:prstGeom prst="rect">
             <a:avLst/>
@@ -5450,90 +6380,20 @@
       </p:pic>
       <p:sp>
         <p:nvSpPr>
-          <p:cNvPr id="3" name="Text Placeholder 2">
-            <a:extLst>
-              <a:ext uri="{FF2B5EF4-FFF2-40B4-BE49-F238E27FC236}">
-                <a16:creationId xmlns:a16="http://schemas.microsoft.com/office/drawing/2014/main" id="{244C3115-AEE6-1F21-2DFF-E29C0CF38048}"/>
-              </a:ext>
-            </a:extLst>
-          </p:cNvPr>
-          <p:cNvSpPr>
-            <a:spLocks noGrp="1"/>
-          </p:cNvSpPr>
-          <p:nvPr>
-            <p:ph type="body" idx="1"/>
-          </p:nvPr>
+          <p:cNvPr id="5" name="TextBox 4">
+            <a:extLst>
+              <a:ext uri="{FF2B5EF4-FFF2-40B4-BE49-F238E27FC236}">
+                <a16:creationId xmlns:a16="http://schemas.microsoft.com/office/drawing/2014/main" id="{BE267002-32FE-9C35-9E4F-48A439861A83}"/>
+              </a:ext>
+            </a:extLst>
+          </p:cNvPr>
+          <p:cNvSpPr txBox="1"/>
+          <p:nvPr/>
         </p:nvSpPr>
         <p:spPr>
           <a:xfrm>
-            <a:off x="836612" y="559374"/>
-            <a:ext cx="5157787" cy="414337"/>
-          </a:xfrm>
-        </p:spPr>
-        <p:txBody>
-          <a:bodyPr>
-            <a:normAutofit lnSpcReduction="10000"/>
-          </a:bodyPr>
-          <a:lstStyle/>
-          <a:p>
-            <a:r>
-              <a:rPr lang="en-AU" dirty="0"/>
-              <a:t>Pre-Pandemic, 2014:</a:t>
-            </a:r>
-          </a:p>
-        </p:txBody>
-      </p:sp>
-      <p:sp>
-        <p:nvSpPr>
-          <p:cNvPr id="6" name="Text Placeholder 5">
-            <a:extLst>
-              <a:ext uri="{FF2B5EF4-FFF2-40B4-BE49-F238E27FC236}">
-                <a16:creationId xmlns:a16="http://schemas.microsoft.com/office/drawing/2014/main" id="{0FC6038A-C89F-D1DF-BB6B-44040D7C6A5E}"/>
-              </a:ext>
-            </a:extLst>
-          </p:cNvPr>
-          <p:cNvSpPr>
-            <a:spLocks noGrp="1"/>
-          </p:cNvSpPr>
-          <p:nvPr>
-            <p:ph type="body" sz="quarter" idx="3"/>
-          </p:nvPr>
-        </p:nvSpPr>
-        <p:spPr>
-          <a:xfrm>
-            <a:off x="6718955" y="559373"/>
-            <a:ext cx="5183188" cy="414337"/>
-          </a:xfrm>
-        </p:spPr>
-        <p:txBody>
-          <a:bodyPr>
-            <a:normAutofit lnSpcReduction="10000"/>
-          </a:bodyPr>
-          <a:lstStyle/>
-          <a:p>
-            <a:r>
-              <a:rPr lang="en-AU" dirty="0"/>
-              <a:t>Post-Pandemic, 2020-2022:</a:t>
-            </a:r>
-          </a:p>
-        </p:txBody>
-      </p:sp>
-      <p:sp>
-        <p:nvSpPr>
-          <p:cNvPr id="11" name="TextBox 10">
-            <a:extLst>
-              <a:ext uri="{FF2B5EF4-FFF2-40B4-BE49-F238E27FC236}">
-                <a16:creationId xmlns:a16="http://schemas.microsoft.com/office/drawing/2014/main" id="{BE267002-32FE-9C35-9E4F-48A439861A83}"/>
-              </a:ext>
-            </a:extLst>
-          </p:cNvPr>
-          <p:cNvSpPr txBox="1"/>
-          <p:nvPr/>
-        </p:nvSpPr>
-        <p:spPr>
-          <a:xfrm>
-            <a:off x="8931458" y="6069729"/>
-            <a:ext cx="2970685" cy="646331"/>
+            <a:off x="836612" y="6127860"/>
+            <a:ext cx="10734065" cy="646331"/>
           </a:xfrm>
           <a:prstGeom prst="rect">
             <a:avLst/>
@@ -5541,81 +6401,29 @@
           <a:noFill/>
         </p:spPr>
         <p:txBody>
-          <a:bodyPr wrap="none" rtlCol="0">
+          <a:bodyPr wrap="square" rtlCol="0">
             <a:spAutoFit/>
           </a:bodyPr>
           <a:lstStyle/>
           <a:p>
             <a:r>
-              <a:rPr lang="en-AU" dirty="0"/>
-              <a:t>No significant difference:</a:t>
-            </a:r>
-          </a:p>
-          <a:p>
-            <a:r>
-              <a:rPr lang="en-AU" dirty="0"/>
-              <a:t>Chi2 = 3.73, </a:t>
-            </a:r>
-            <a:r>
-              <a:rPr lang="en-AU" dirty="0" err="1"/>
-              <a:t>df</a:t>
-            </a:r>
-            <a:r>
-              <a:rPr lang="en-AU" dirty="0"/>
-              <a:t> = 1, p = 0.053</a:t>
-            </a:r>
-          </a:p>
-        </p:txBody>
-      </p:sp>
-      <p:pic>
-        <p:nvPicPr>
-          <p:cNvPr id="6150" name="Picture 6">
-            <a:extLst>
-              <a:ext uri="{FF2B5EF4-FFF2-40B4-BE49-F238E27FC236}">
-                <a16:creationId xmlns:a16="http://schemas.microsoft.com/office/drawing/2014/main" id="{953336C0-0AC7-8AC8-AACF-A9FD8462B452}"/>
-              </a:ext>
-            </a:extLst>
-          </p:cNvPr>
-          <p:cNvPicPr>
-            <a:picLocks noChangeAspect="1" noChangeArrowheads="1"/>
-          </p:cNvPicPr>
-          <p:nvPr/>
-        </p:nvPicPr>
-        <p:blipFill rotWithShape="1">
-          <a:blip r:embed="rId4">
-            <a:extLst>
-              <a:ext uri="{28A0092B-C50C-407E-A947-70E740481C1C}">
-                <a14:useLocalDpi xmlns:a14="http://schemas.microsoft.com/office/drawing/2010/main" val="0"/>
-              </a:ext>
-            </a:extLst>
-          </a:blip>
-          <a:srcRect l="25096" t="8191" r="25673"/>
-          <a:stretch/>
-        </p:blipFill>
-        <p:spPr bwMode="auto">
-          <a:xfrm>
-            <a:off x="372175" y="1134455"/>
-            <a:ext cx="5328460" cy="5334639"/>
-          </a:xfrm>
-          <a:prstGeom prst="rect">
-            <a:avLst/>
-          </a:prstGeom>
-          <a:noFill/>
-          <a:extLst>
-            <a:ext uri="{909E8E84-426E-40DD-AFC4-6F175D3DCCD1}">
-              <a14:hiddenFill xmlns:a14="http://schemas.microsoft.com/office/drawing/2010/main">
-                <a:solidFill>
-                  <a:srgbClr val="FFFFFF"/>
-                </a:solidFill>
-              </a14:hiddenFill>
-            </a:ext>
-          </a:extLst>
-        </p:spPr>
-      </p:pic>
+              <a:rPr lang="en-AU" b="1" dirty="0"/>
+              <a:t>NOTE: </a:t>
+            </a:r>
+            <a:br>
+              <a:rPr lang="en-AU" b="1" dirty="0"/>
+            </a:br>
+            <a:r>
+              <a:rPr lang="en-AU" b="1" dirty="0"/>
+              <a:t>Analyses for the post-pandemic period were not possible as this was not assessed in 2020 to 2022</a:t>
+            </a:r>
+          </a:p>
+        </p:txBody>
+      </p:sp>
     </p:spTree>
     <p:extLst>
       <p:ext uri="{BB962C8B-B14F-4D97-AF65-F5344CB8AC3E}">
-        <p14:creationId xmlns:p14="http://schemas.microsoft.com/office/powerpoint/2010/main" val="3866202897"/>
+        <p14:creationId xmlns:p14="http://schemas.microsoft.com/office/powerpoint/2010/main" val="930543042"/>
       </p:ext>
     </p:extLst>
   </p:cSld>
@@ -5625,7 +6433,7 @@
 </p:sld>
 </file>
 
-<file path=ppt/slides/slide14.xml><?xml version="1.0" encoding="utf-8"?>
+<file path=ppt/slides/slide13.xml><?xml version="1.0" encoding="utf-8"?>
 <p:sld xmlns:a="http://schemas.openxmlformats.org/drawingml/2006/main" xmlns:r="http://schemas.openxmlformats.org/officeDocument/2006/relationships" xmlns:p="http://schemas.openxmlformats.org/presentationml/2006/main">
   <p:cSld>
     <p:bg>
@@ -5838,24 +6646,40 @@
         </p:nvSpPr>
         <p:spPr>
           <a:xfrm>
-            <a:off x="477981" y="1122363"/>
+            <a:off x="442470" y="2924530"/>
             <a:ext cx="4023360" cy="3204134"/>
           </a:xfrm>
         </p:spPr>
         <p:txBody>
           <a:bodyPr vert="horz" lIns="91440" tIns="45720" rIns="91440" bIns="45720" rtlCol="0" anchor="b">
-            <a:normAutofit/>
+            <a:normAutofit fontScale="90000"/>
           </a:bodyPr>
           <a:lstStyle/>
           <a:p>
             <a:r>
-              <a:rPr lang="en-US" sz="3700" dirty="0">
+              <a:rPr lang="en-AU" sz="4400" b="0" i="0" dirty="0">
                 <a:solidFill>
                   <a:schemeClr val="bg1"/>
                 </a:solidFill>
+                <a:effectLst/>
+                <a:latin typeface="-apple-system"/>
               </a:rPr>
-              <a:t>Proportion of tech employees reporting mental health problems willing to disclose to their supervisors</a:t>
-            </a:r>
+              <a:t>5. Does the prevalence of self-reported mental health conditions vary between a given family history of mental illness?</a:t>
+            </a:r>
+            <a:br>
+              <a:rPr lang="en-AU" sz="1100" b="0" i="0" dirty="0">
+                <a:solidFill>
+                  <a:srgbClr val="1F2328"/>
+                </a:solidFill>
+                <a:effectLst/>
+                <a:latin typeface="-apple-system"/>
+              </a:rPr>
+            </a:br>
+            <a:endParaRPr lang="en-US" sz="3700" dirty="0">
+              <a:solidFill>
+                <a:schemeClr val="bg1"/>
+              </a:solidFill>
+            </a:endParaRPr>
           </a:p>
         </p:txBody>
       </p:sp>
@@ -6023,7 +6847,7 @@
     </p:spTree>
     <p:extLst>
       <p:ext uri="{BB962C8B-B14F-4D97-AF65-F5344CB8AC3E}">
-        <p14:creationId xmlns:p14="http://schemas.microsoft.com/office/powerpoint/2010/main" val="1955889664"/>
+        <p14:creationId xmlns:p14="http://schemas.microsoft.com/office/powerpoint/2010/main" val="3513094706"/>
       </p:ext>
     </p:extLst>
   </p:cSld>
@@ -6033,7 +6857,7 @@
 </p:sld>
 </file>
 
-<file path=ppt/slides/slide15.xml><?xml version="1.0" encoding="utf-8"?>
+<file path=ppt/slides/slide14.xml><?xml version="1.0" encoding="utf-8"?>
 <p:sld xmlns:a="http://schemas.openxmlformats.org/drawingml/2006/main" xmlns:r="http://schemas.openxmlformats.org/officeDocument/2006/relationships" xmlns:p="http://schemas.openxmlformats.org/presentationml/2006/main">
   <p:cSld>
     <p:spTree>
@@ -6052,10 +6876,10 @@
       </p:grpSpPr>
       <p:pic>
         <p:nvPicPr>
-          <p:cNvPr id="7172" name="Picture 4">
-            <a:extLst>
-              <a:ext uri="{FF2B5EF4-FFF2-40B4-BE49-F238E27FC236}">
-                <a16:creationId xmlns:a16="http://schemas.microsoft.com/office/drawing/2014/main" id="{B38ED8E1-3948-3ED0-18FB-41AD3171C7FF}"/>
+          <p:cNvPr id="6148" name="Picture 4">
+            <a:extLst>
+              <a:ext uri="{FF2B5EF4-FFF2-40B4-BE49-F238E27FC236}">
+                <a16:creationId xmlns:a16="http://schemas.microsoft.com/office/drawing/2014/main" id="{9B274518-0EC6-1B61-8492-C1E26C6B456E}"/>
               </a:ext>
             </a:extLst>
           </p:cNvPr>
@@ -6072,13 +6896,13 @@
               </a:ext>
             </a:extLst>
           </a:blip>
-          <a:srcRect l="27788" t="7650" r="24650"/>
+          <a:srcRect l="26743" t="5712" r="20192"/>
           <a:stretch/>
         </p:blipFill>
         <p:spPr bwMode="auto">
           <a:xfrm>
-            <a:off x="6393311" y="973710"/>
-            <a:ext cx="5798689" cy="5354065"/>
+            <a:off x="6096000" y="973710"/>
+            <a:ext cx="6096000" cy="5297388"/>
           </a:xfrm>
           <a:prstGeom prst="rect">
             <a:avLst/>
@@ -6165,67 +6989,12 @@
           </a:p>
         </p:txBody>
       </p:sp>
-      <p:sp>
-        <p:nvSpPr>
-          <p:cNvPr id="11" name="TextBox 10">
-            <a:extLst>
-              <a:ext uri="{FF2B5EF4-FFF2-40B4-BE49-F238E27FC236}">
-                <a16:creationId xmlns:a16="http://schemas.microsoft.com/office/drawing/2014/main" id="{BE267002-32FE-9C35-9E4F-48A439861A83}"/>
-              </a:ext>
-            </a:extLst>
-          </p:cNvPr>
-          <p:cNvSpPr txBox="1"/>
-          <p:nvPr/>
-        </p:nvSpPr>
-        <p:spPr>
-          <a:xfrm>
-            <a:off x="8714636" y="5541783"/>
-            <a:ext cx="3187507" cy="1200329"/>
-          </a:xfrm>
-          <a:prstGeom prst="rect">
-            <a:avLst/>
-          </a:prstGeom>
-          <a:noFill/>
-        </p:spPr>
-        <p:txBody>
-          <a:bodyPr wrap="square" rtlCol="0">
-            <a:spAutoFit/>
-          </a:bodyPr>
-          <a:lstStyle/>
-          <a:p>
-            <a:endParaRPr lang="en-AU" dirty="0"/>
-          </a:p>
-          <a:p>
-            <a:endParaRPr lang="en-AU" dirty="0"/>
-          </a:p>
-          <a:p>
-            <a:r>
-              <a:rPr lang="en-AU" dirty="0"/>
-              <a:t>No significant difference:</a:t>
-            </a:r>
-          </a:p>
-          <a:p>
-            <a:r>
-              <a:rPr lang="en-AU" dirty="0"/>
-              <a:t>Chi2 = 0.31, </a:t>
-            </a:r>
-            <a:r>
-              <a:rPr lang="en-AU" dirty="0" err="1"/>
-              <a:t>df</a:t>
-            </a:r>
-            <a:r>
-              <a:rPr lang="en-AU" dirty="0"/>
-              <a:t> = 2, p = 0.896</a:t>
-            </a:r>
-          </a:p>
-        </p:txBody>
-      </p:sp>
       <p:pic>
         <p:nvPicPr>
-          <p:cNvPr id="7170" name="Picture 2">
-            <a:extLst>
-              <a:ext uri="{FF2B5EF4-FFF2-40B4-BE49-F238E27FC236}">
-                <a16:creationId xmlns:a16="http://schemas.microsoft.com/office/drawing/2014/main" id="{563D3D54-D901-F7BE-2FF5-027FC8302F46}"/>
+          <p:cNvPr id="6150" name="Picture 6">
+            <a:extLst>
+              <a:ext uri="{FF2B5EF4-FFF2-40B4-BE49-F238E27FC236}">
+                <a16:creationId xmlns:a16="http://schemas.microsoft.com/office/drawing/2014/main" id="{953336C0-0AC7-8AC8-AACF-A9FD8462B452}"/>
               </a:ext>
             </a:extLst>
           </p:cNvPr>
@@ -6242,13 +7011,13 @@
               </a:ext>
             </a:extLst>
           </a:blip>
-          <a:srcRect l="25770" t="7683" r="21827"/>
+          <a:srcRect l="25096" t="8191" r="25673"/>
           <a:stretch/>
         </p:blipFill>
         <p:spPr bwMode="auto">
           <a:xfrm>
-            <a:off x="373567" y="977283"/>
-            <a:ext cx="5798688" cy="5280552"/>
+            <a:off x="372175" y="1134455"/>
+            <a:ext cx="5328460" cy="5334639"/>
           </a:xfrm>
           <a:prstGeom prst="rect">
             <a:avLst/>
@@ -6267,10 +7036,10 @@
       </p:pic>
       <p:sp>
         <p:nvSpPr>
-          <p:cNvPr id="4" name="TextBox 3">
-            <a:extLst>
-              <a:ext uri="{FF2B5EF4-FFF2-40B4-BE49-F238E27FC236}">
-                <a16:creationId xmlns:a16="http://schemas.microsoft.com/office/drawing/2014/main" id="{26898B29-F374-0D88-0056-C19A4B7E792B}"/>
+          <p:cNvPr id="11" name="TextBox 10">
+            <a:extLst>
+              <a:ext uri="{FF2B5EF4-FFF2-40B4-BE49-F238E27FC236}">
+                <a16:creationId xmlns:a16="http://schemas.microsoft.com/office/drawing/2014/main" id="{BE267002-32FE-9C35-9E4F-48A439861A83}"/>
               </a:ext>
             </a:extLst>
           </p:cNvPr>
@@ -6279,8 +7048,8 @@
         </p:nvSpPr>
         <p:spPr>
           <a:xfrm>
-            <a:off x="845231" y="6095781"/>
-            <a:ext cx="6096000" cy="923330"/>
+            <a:off x="4389790" y="6211669"/>
+            <a:ext cx="7226210" cy="646331"/>
           </a:xfrm>
           <a:prstGeom prst="rect">
             <a:avLst/>
@@ -6288,28 +7057,29 @@
           <a:noFill/>
         </p:spPr>
         <p:txBody>
-          <a:bodyPr wrap="square">
+          <a:bodyPr wrap="square" rtlCol="0">
             <a:spAutoFit/>
           </a:bodyPr>
           <a:lstStyle/>
           <a:p>
-            <a:endParaRPr lang="en-AU" b="1" dirty="0"/>
-          </a:p>
-          <a:p>
-            <a:r>
-              <a:rPr lang="en-AU" b="1" dirty="0"/>
-              <a:t>NOTE: Proportions are the same by chance!</a:t>
-            </a:r>
-          </a:p>
-          <a:p>
-            <a:endParaRPr lang="en-AU" b="1" dirty="0"/>
+            <a:r>
+              <a:rPr lang="en-AU" dirty="0"/>
+              <a:t>Given the differences in data, we chose not to complete the Chi2</a:t>
+            </a:r>
+            <a:br>
+              <a:rPr lang="en-AU" dirty="0"/>
+            </a:br>
+            <a:r>
+              <a:rPr lang="en-AU" dirty="0"/>
+              <a:t>analysis as this would misrepresent the data. </a:t>
+            </a:r>
           </a:p>
         </p:txBody>
       </p:sp>
     </p:spTree>
     <p:extLst>
       <p:ext uri="{BB962C8B-B14F-4D97-AF65-F5344CB8AC3E}">
-        <p14:creationId xmlns:p14="http://schemas.microsoft.com/office/powerpoint/2010/main" val="3700089610"/>
+        <p14:creationId xmlns:p14="http://schemas.microsoft.com/office/powerpoint/2010/main" val="3866202897"/>
       </p:ext>
     </p:extLst>
   </p:cSld>
@@ -6319,7 +7089,7 @@
 </p:sld>
 </file>
 
-<file path=ppt/slides/slide16.xml><?xml version="1.0" encoding="utf-8"?>
+<file path=ppt/slides/slide15.xml><?xml version="1.0" encoding="utf-8"?>
 <p:sld xmlns:a="http://schemas.openxmlformats.org/drawingml/2006/main" xmlns:r="http://schemas.openxmlformats.org/officeDocument/2006/relationships" xmlns:p="http://schemas.openxmlformats.org/presentationml/2006/main">
   <p:cSld>
     <p:bg>
@@ -6532,24 +7302,40 @@
         </p:nvSpPr>
         <p:spPr>
           <a:xfrm>
-            <a:off x="477981" y="1122363"/>
+            <a:off x="424716" y="2835753"/>
             <a:ext cx="4023360" cy="3204134"/>
           </a:xfrm>
         </p:spPr>
         <p:txBody>
           <a:bodyPr vert="horz" lIns="91440" tIns="45720" rIns="91440" bIns="45720" rtlCol="0" anchor="b">
-            <a:normAutofit/>
+            <a:normAutofit fontScale="90000"/>
           </a:bodyPr>
           <a:lstStyle/>
           <a:p>
             <a:r>
-              <a:rPr lang="en-US" sz="3700" dirty="0">
+              <a:rPr lang="en-AU" sz="4400" b="0" i="0" dirty="0">
                 <a:solidFill>
                   <a:schemeClr val="bg1"/>
                 </a:solidFill>
+                <a:effectLst/>
+                <a:latin typeface="-apple-system"/>
               </a:rPr>
-              <a:t>Proportion of tech employees reporting mental health problems willing to disclose to their co-workers</a:t>
-            </a:r>
+              <a:t>6. How likely are those with self-reported mental health conditions likely to disclose to supervisors verses co-workers?</a:t>
+            </a:r>
+            <a:br>
+              <a:rPr lang="en-AU" sz="1100" b="0" i="0" dirty="0">
+                <a:solidFill>
+                  <a:srgbClr val="1F2328"/>
+                </a:solidFill>
+                <a:effectLst/>
+                <a:latin typeface="-apple-system"/>
+              </a:rPr>
+            </a:br>
+            <a:endParaRPr lang="en-US" sz="3700" dirty="0">
+              <a:solidFill>
+                <a:schemeClr val="bg1"/>
+              </a:solidFill>
+            </a:endParaRPr>
           </a:p>
         </p:txBody>
       </p:sp>
@@ -6717,7 +7503,7 @@
     </p:spTree>
     <p:extLst>
       <p:ext uri="{BB962C8B-B14F-4D97-AF65-F5344CB8AC3E}">
-        <p14:creationId xmlns:p14="http://schemas.microsoft.com/office/powerpoint/2010/main" val="2204232431"/>
+        <p14:creationId xmlns:p14="http://schemas.microsoft.com/office/powerpoint/2010/main" val="1955889664"/>
       </p:ext>
     </p:extLst>
   </p:cSld>
@@ -6727,7 +7513,7 @@
 </p:sld>
 </file>
 
-<file path=ppt/slides/slide17.xml><?xml version="1.0" encoding="utf-8"?>
+<file path=ppt/slides/slide16.xml><?xml version="1.0" encoding="utf-8"?>
 <p:sld xmlns:a="http://schemas.openxmlformats.org/drawingml/2006/main" xmlns:r="http://schemas.openxmlformats.org/officeDocument/2006/relationships" xmlns:p="http://schemas.openxmlformats.org/presentationml/2006/main">
   <p:cSld>
     <p:spTree>
@@ -6746,10 +7532,10 @@
       </p:grpSpPr>
       <p:pic>
         <p:nvPicPr>
-          <p:cNvPr id="8196" name="Picture 4">
-            <a:extLst>
-              <a:ext uri="{FF2B5EF4-FFF2-40B4-BE49-F238E27FC236}">
-                <a16:creationId xmlns:a16="http://schemas.microsoft.com/office/drawing/2014/main" id="{664D8AB4-21F9-9BF8-F1C7-74BE0F7A9391}"/>
+          <p:cNvPr id="7172" name="Picture 4">
+            <a:extLst>
+              <a:ext uri="{FF2B5EF4-FFF2-40B4-BE49-F238E27FC236}">
+                <a16:creationId xmlns:a16="http://schemas.microsoft.com/office/drawing/2014/main" id="{B38ED8E1-3948-3ED0-18FB-41AD3171C7FF}"/>
               </a:ext>
             </a:extLst>
           </p:cNvPr>
@@ -6766,13 +7552,13 @@
               </a:ext>
             </a:extLst>
           </a:blip>
-          <a:srcRect l="27644" t="6720" r="27645"/>
+          <a:srcRect l="27788" t="7650" r="24650"/>
           <a:stretch/>
         </p:blipFill>
         <p:spPr bwMode="auto">
           <a:xfrm>
-            <a:off x="6197603" y="1055962"/>
-            <a:ext cx="5451120" cy="5470159"/>
+            <a:off x="6393311" y="973710"/>
+            <a:ext cx="5798689" cy="5354065"/>
           </a:xfrm>
           <a:prstGeom prst="rect">
             <a:avLst/>
@@ -6873,8 +7659,8 @@
         </p:nvSpPr>
         <p:spPr>
           <a:xfrm>
-            <a:off x="8808026" y="6072813"/>
-            <a:ext cx="3094117" cy="646331"/>
+            <a:off x="8714636" y="5541783"/>
+            <a:ext cx="3187507" cy="1200329"/>
           </a:xfrm>
           <a:prstGeom prst="rect">
             <a:avLst/>
@@ -6882,20 +7668,26 @@
           <a:noFill/>
         </p:spPr>
         <p:txBody>
-          <a:bodyPr wrap="none" rtlCol="0">
+          <a:bodyPr wrap="square" rtlCol="0">
             <a:spAutoFit/>
           </a:bodyPr>
           <a:lstStyle/>
           <a:p>
+            <a:endParaRPr lang="en-AU" dirty="0"/>
+          </a:p>
+          <a:p>
+            <a:endParaRPr lang="en-AU" dirty="0"/>
+          </a:p>
+          <a:p>
             <a:r>
               <a:rPr lang="en-AU" dirty="0"/>
-              <a:t>Significant difference:</a:t>
+              <a:t>No significant difference:</a:t>
             </a:r>
           </a:p>
           <a:p>
             <a:r>
               <a:rPr lang="en-AU" dirty="0"/>
-              <a:t>Chi2 = 19.34, </a:t>
+              <a:t>Chi2 = 0.31, </a:t>
             </a:r>
             <a:r>
               <a:rPr lang="en-AU" dirty="0" err="1"/>
@@ -6903,17 +7695,17 @@
             </a:r>
             <a:r>
               <a:rPr lang="en-AU" dirty="0"/>
-              <a:t> = 2, p &lt; 0.001</a:t>
+              <a:t> = 2, p = 0.896</a:t>
             </a:r>
           </a:p>
         </p:txBody>
       </p:sp>
       <p:pic>
         <p:nvPicPr>
-          <p:cNvPr id="8194" name="Picture 2">
-            <a:extLst>
-              <a:ext uri="{FF2B5EF4-FFF2-40B4-BE49-F238E27FC236}">
-                <a16:creationId xmlns:a16="http://schemas.microsoft.com/office/drawing/2014/main" id="{A3440E2F-3C7F-7335-AD56-CEF0E9F538C5}"/>
+          <p:cNvPr id="7170" name="Picture 2">
+            <a:extLst>
+              <a:ext uri="{FF2B5EF4-FFF2-40B4-BE49-F238E27FC236}">
+                <a16:creationId xmlns:a16="http://schemas.microsoft.com/office/drawing/2014/main" id="{563D3D54-D901-F7BE-2FF5-027FC8302F46}"/>
               </a:ext>
             </a:extLst>
           </p:cNvPr>
@@ -6930,13 +7722,13 @@
               </a:ext>
             </a:extLst>
           </a:blip>
-          <a:srcRect l="25673" t="9905" r="26539"/>
+          <a:srcRect l="25770" t="7683" r="21827"/>
           <a:stretch/>
         </p:blipFill>
         <p:spPr bwMode="auto">
           <a:xfrm>
-            <a:off x="543277" y="1215413"/>
-            <a:ext cx="5275440" cy="5209873"/>
+            <a:off x="373567" y="977283"/>
+            <a:ext cx="5798688" cy="5280552"/>
           </a:xfrm>
           <a:prstGeom prst="rect">
             <a:avLst/>
@@ -6953,10 +7745,51 @@
           </a:extLst>
         </p:spPr>
       </p:pic>
+      <p:sp>
+        <p:nvSpPr>
+          <p:cNvPr id="4" name="TextBox 3">
+            <a:extLst>
+              <a:ext uri="{FF2B5EF4-FFF2-40B4-BE49-F238E27FC236}">
+                <a16:creationId xmlns:a16="http://schemas.microsoft.com/office/drawing/2014/main" id="{26898B29-F374-0D88-0056-C19A4B7E792B}"/>
+              </a:ext>
+            </a:extLst>
+          </p:cNvPr>
+          <p:cNvSpPr txBox="1"/>
+          <p:nvPr/>
+        </p:nvSpPr>
+        <p:spPr>
+          <a:xfrm>
+            <a:off x="845231" y="6095781"/>
+            <a:ext cx="6096000" cy="923330"/>
+          </a:xfrm>
+          <a:prstGeom prst="rect">
+            <a:avLst/>
+          </a:prstGeom>
+          <a:noFill/>
+        </p:spPr>
+        <p:txBody>
+          <a:bodyPr wrap="square">
+            <a:spAutoFit/>
+          </a:bodyPr>
+          <a:lstStyle/>
+          <a:p>
+            <a:endParaRPr lang="en-AU" b="1" dirty="0"/>
+          </a:p>
+          <a:p>
+            <a:r>
+              <a:rPr lang="en-AU" b="1" dirty="0"/>
+              <a:t>NOTE: Proportions are the same by chance!</a:t>
+            </a:r>
+          </a:p>
+          <a:p>
+            <a:endParaRPr lang="en-AU" b="1" dirty="0"/>
+          </a:p>
+        </p:txBody>
+      </p:sp>
     </p:spTree>
     <p:extLst>
       <p:ext uri="{BB962C8B-B14F-4D97-AF65-F5344CB8AC3E}">
-        <p14:creationId xmlns:p14="http://schemas.microsoft.com/office/powerpoint/2010/main" val="35618463"/>
+        <p14:creationId xmlns:p14="http://schemas.microsoft.com/office/powerpoint/2010/main" val="3700089610"/>
       </p:ext>
     </p:extLst>
   </p:cSld>
@@ -6966,248 +7799,7 @@
 </p:sld>
 </file>
 
-<file path=ppt/slides/slide18.xml><?xml version="1.0" encoding="utf-8"?>
-<p:sld xmlns:a="http://schemas.openxmlformats.org/drawingml/2006/main" xmlns:r="http://schemas.openxmlformats.org/officeDocument/2006/relationships" xmlns:p="http://schemas.openxmlformats.org/presentationml/2006/main">
-  <p:cSld>
-    <p:spTree>
-      <p:nvGrpSpPr>
-        <p:cNvPr id="1" name=""/>
-        <p:cNvGrpSpPr/>
-        <p:nvPr/>
-      </p:nvGrpSpPr>
-      <p:grpSpPr>
-        <a:xfrm>
-          <a:off x="0" y="0"/>
-          <a:ext cx="0" cy="0"/>
-          <a:chOff x="0" y="0"/>
-          <a:chExt cx="0" cy="0"/>
-        </a:xfrm>
-      </p:grpSpPr>
-      <p:sp>
-        <p:nvSpPr>
-          <p:cNvPr id="4" name="TextBox 3">
-            <a:extLst>
-              <a:ext uri="{FF2B5EF4-FFF2-40B4-BE49-F238E27FC236}">
-                <a16:creationId xmlns:a16="http://schemas.microsoft.com/office/drawing/2014/main" id="{DC56EAB6-F612-3328-7775-864528108772}"/>
-              </a:ext>
-            </a:extLst>
-          </p:cNvPr>
-          <p:cNvSpPr txBox="1"/>
-          <p:nvPr/>
-        </p:nvSpPr>
-        <p:spPr>
-          <a:xfrm>
-            <a:off x="2077375" y="878889"/>
-            <a:ext cx="6232124" cy="3139321"/>
-          </a:xfrm>
-          <a:prstGeom prst="rect">
-            <a:avLst/>
-          </a:prstGeom>
-          <a:noFill/>
-        </p:spPr>
-        <p:txBody>
-          <a:bodyPr wrap="square" rtlCol="0">
-            <a:spAutoFit/>
-          </a:bodyPr>
-          <a:lstStyle/>
-          <a:p>
-            <a:r>
-              <a:rPr lang="en-AU" dirty="0"/>
-              <a:t>Conclusions:</a:t>
-            </a:r>
-          </a:p>
-          <a:p>
-            <a:pPr marL="285750" indent="-285750">
-              <a:buFontTx/>
-              <a:buChar char="-"/>
-            </a:pPr>
-            <a:r>
-              <a:rPr lang="en-AU" dirty="0"/>
-              <a:t>Despite greater uptake of employer wellness programs post covid, employees saw no change in confidence to disclose to their supervisor. </a:t>
-            </a:r>
-          </a:p>
-          <a:p>
-            <a:pPr marL="285750" indent="-285750">
-              <a:buFontTx/>
-              <a:buChar char="-"/>
-            </a:pPr>
-            <a:r>
-              <a:rPr lang="en-AU" dirty="0"/>
-              <a:t>Briefly discuss potential next steps for the project.</a:t>
-            </a:r>
-          </a:p>
-          <a:p>
-            <a:pPr marL="285750" indent="-285750">
-              <a:buFontTx/>
-              <a:buChar char="-"/>
-            </a:pPr>
-            <a:endParaRPr lang="en-AU" dirty="0"/>
-          </a:p>
-          <a:p>
-            <a:pPr marL="285750" indent="-285750">
-              <a:buFontTx/>
-              <a:buChar char="-"/>
-            </a:pPr>
-            <a:endParaRPr lang="en-AU" dirty="0"/>
-          </a:p>
-          <a:p>
-            <a:pPr marL="285750" indent="-285750">
-              <a:buFontTx/>
-              <a:buChar char="-"/>
-            </a:pPr>
-            <a:r>
-              <a:rPr lang="en-AU" dirty="0"/>
-              <a:t>Placeholder</a:t>
-            </a:r>
-          </a:p>
-          <a:p>
-            <a:pPr marL="285750" indent="-285750">
-              <a:buFontTx/>
-              <a:buChar char="-"/>
-            </a:pPr>
-            <a:r>
-              <a:rPr lang="en-AU" dirty="0"/>
-              <a:t>Add in overall prevalence of mental health issues for both datasets.</a:t>
-            </a:r>
-          </a:p>
-          <a:p>
-            <a:pPr marL="285750" indent="-285750">
-              <a:buFontTx/>
-              <a:buChar char="-"/>
-            </a:pPr>
-            <a:endParaRPr lang="en-AU" dirty="0"/>
-          </a:p>
-        </p:txBody>
-      </p:sp>
-    </p:spTree>
-    <p:extLst>
-      <p:ext uri="{BB962C8B-B14F-4D97-AF65-F5344CB8AC3E}">
-        <p14:creationId xmlns:p14="http://schemas.microsoft.com/office/powerpoint/2010/main" val="1411070680"/>
-      </p:ext>
-    </p:extLst>
-  </p:cSld>
-  <p:clrMapOvr>
-    <a:masterClrMapping/>
-  </p:clrMapOvr>
-</p:sld>
-</file>
-
-<file path=ppt/slides/slide2.xml><?xml version="1.0" encoding="utf-8"?>
-<p:sld xmlns:a="http://schemas.openxmlformats.org/drawingml/2006/main" xmlns:r="http://schemas.openxmlformats.org/officeDocument/2006/relationships" xmlns:p="http://schemas.openxmlformats.org/presentationml/2006/main">
-  <p:cSld>
-    <p:spTree>
-      <p:nvGrpSpPr>
-        <p:cNvPr id="1" name=""/>
-        <p:cNvGrpSpPr/>
-        <p:nvPr/>
-      </p:nvGrpSpPr>
-      <p:grpSpPr>
-        <a:xfrm>
-          <a:off x="0" y="0"/>
-          <a:ext cx="0" cy="0"/>
-          <a:chOff x="0" y="0"/>
-          <a:chExt cx="0" cy="0"/>
-        </a:xfrm>
-      </p:grpSpPr>
-      <p:sp>
-        <p:nvSpPr>
-          <p:cNvPr id="4" name="TextBox 3">
-            <a:extLst>
-              <a:ext uri="{FF2B5EF4-FFF2-40B4-BE49-F238E27FC236}">
-                <a16:creationId xmlns:a16="http://schemas.microsoft.com/office/drawing/2014/main" id="{304EB87E-97F4-FB2F-D53F-AD9D46C4F7B7}"/>
-              </a:ext>
-            </a:extLst>
-          </p:cNvPr>
-          <p:cNvSpPr txBox="1"/>
-          <p:nvPr/>
-        </p:nvSpPr>
-        <p:spPr>
-          <a:xfrm>
-            <a:off x="1305017" y="1145219"/>
-            <a:ext cx="6622742" cy="2031325"/>
-          </a:xfrm>
-          <a:prstGeom prst="rect">
-            <a:avLst/>
-          </a:prstGeom>
-          <a:noFill/>
-        </p:spPr>
-        <p:txBody>
-          <a:bodyPr wrap="square" rtlCol="0">
-            <a:spAutoFit/>
-          </a:bodyPr>
-          <a:lstStyle/>
-          <a:p>
-            <a:r>
-              <a:rPr lang="en-AU" dirty="0" err="1"/>
-              <a:t>Datasource</a:t>
-            </a:r>
-            <a:r>
-              <a:rPr lang="en-AU" dirty="0"/>
-              <a:t>: </a:t>
-            </a:r>
-          </a:p>
-          <a:p>
-            <a:pPr marL="285750" indent="-285750">
-              <a:buFontTx/>
-              <a:buChar char="-"/>
-            </a:pPr>
-            <a:r>
-              <a:rPr lang="en-AU" dirty="0"/>
-              <a:t>Describe the data source</a:t>
-            </a:r>
-          </a:p>
-          <a:p>
-            <a:pPr marL="285750" indent="-285750">
-              <a:buFontTx/>
-              <a:buChar char="-"/>
-            </a:pPr>
-            <a:r>
-              <a:rPr lang="en-AU" dirty="0"/>
-              <a:t>Why we chose it </a:t>
-            </a:r>
-          </a:p>
-          <a:p>
-            <a:pPr marL="285750" indent="-285750">
-              <a:buFontTx/>
-              <a:buChar char="-"/>
-            </a:pPr>
-            <a:r>
-              <a:rPr lang="en-AU" dirty="0"/>
-              <a:t>Describe the collection, exploration and cleanup process.</a:t>
-            </a:r>
-          </a:p>
-          <a:p>
-            <a:pPr marL="285750" indent="-285750">
-              <a:buFontTx/>
-              <a:buChar char="-"/>
-            </a:pPr>
-            <a:r>
-              <a:rPr lang="en-AU" dirty="0"/>
-              <a:t>Approach we took to achieve our goals</a:t>
-            </a:r>
-          </a:p>
-          <a:p>
-            <a:endParaRPr lang="en-AU" dirty="0"/>
-          </a:p>
-          <a:p>
-            <a:endParaRPr lang="en-AU" dirty="0"/>
-          </a:p>
-        </p:txBody>
-      </p:sp>
-    </p:spTree>
-    <p:extLst>
-      <p:ext uri="{BB962C8B-B14F-4D97-AF65-F5344CB8AC3E}">
-        <p14:creationId xmlns:p14="http://schemas.microsoft.com/office/powerpoint/2010/main" val="574592012"/>
-      </p:ext>
-    </p:extLst>
-  </p:cSld>
-  <p:clrMapOvr>
-    <a:masterClrMapping/>
-  </p:clrMapOvr>
-</p:sld>
-</file>
-
-<file path=ppt/slides/slide3.xml><?xml version="1.0" encoding="utf-8"?>
+<file path=ppt/slides/slide17.xml><?xml version="1.0" encoding="utf-8"?>
 <p:sld xmlns:a="http://schemas.openxmlformats.org/drawingml/2006/main" xmlns:r="http://schemas.openxmlformats.org/officeDocument/2006/relationships" xmlns:p="http://schemas.openxmlformats.org/presentationml/2006/main">
   <p:cSld>
     <p:bg>
@@ -7234,7 +7826,7 @@
       </p:grpSpPr>
       <p:sp useBgFill="1">
         <p:nvSpPr>
-          <p:cNvPr id="23" name="Rectangle 22">
+          <p:cNvPr id="15" name="Rectangle 14">
             <a:extLst>
               <a:ext uri="{FF2B5EF4-FFF2-40B4-BE49-F238E27FC236}">
                 <a16:creationId xmlns:a16="http://schemas.microsoft.com/office/drawing/2014/main" id="{0671A8AE-40A1-4631-A6B8-581AFF065482}"/>
@@ -7323,7 +7915,7 @@
       </p:pic>
       <p:sp>
         <p:nvSpPr>
-          <p:cNvPr id="25" name="Rectangle 24">
+          <p:cNvPr id="17" name="Rectangle 16">
             <a:extLst>
               <a:ext uri="{FF2B5EF4-FFF2-40B4-BE49-F238E27FC236}">
                 <a16:creationId xmlns:a16="http://schemas.microsoft.com/office/drawing/2014/main" id="{AB58EF07-17C2-48CF-ABB0-EEF1F17CB8F0}"/>
@@ -7420,7 +8012,7 @@
         </p:nvSpPr>
         <p:spPr>
           <a:xfrm>
-            <a:off x="477981" y="1122363"/>
+            <a:off x="469103" y="1308794"/>
             <a:ext cx="4023360" cy="3204134"/>
           </a:xfrm>
         </p:spPr>
@@ -7430,20 +8022,23 @@
           </a:bodyPr>
           <a:lstStyle/>
           <a:p>
-            <a:r>
-              <a:rPr lang="en-US" sz="4400">
+            <a:pPr algn="l"/>
+            <a:r>
+              <a:rPr lang="en-AU" sz="4400" b="0" i="0" dirty="0">
                 <a:solidFill>
                   <a:schemeClr val="bg1"/>
                 </a:solidFill>
+                <a:effectLst/>
+                <a:latin typeface="-apple-system"/>
               </a:rPr>
-              <a:t>Proportion of tech workers self-reporting mental health problems</a:t>
-            </a:r>
-          </a:p>
-        </p:txBody>
-      </p:sp>
-      <p:sp>
-        <p:nvSpPr>
-          <p:cNvPr id="27" name="Rectangle 26">
+              <a:t>7. Has the impact of covid changed any of the above conditions.</a:t>
+            </a:r>
+          </a:p>
+        </p:txBody>
+      </p:sp>
+      <p:sp>
+        <p:nvSpPr>
+          <p:cNvPr id="19" name="Rectangle 18">
             <a:extLst>
               <a:ext uri="{FF2B5EF4-FFF2-40B4-BE49-F238E27FC236}">
                 <a16:creationId xmlns:a16="http://schemas.microsoft.com/office/drawing/2014/main" id="{AF2F604E-43BE-4DC3-B983-E071523364F8}"/>
@@ -7511,7 +8106,7 @@
       </p:sp>
       <p:sp>
         <p:nvSpPr>
-          <p:cNvPr id="29" name="Rectangle 28">
+          <p:cNvPr id="21" name="Rectangle 20">
             <a:extLst>
               <a:ext uri="{FF2B5EF4-FFF2-40B4-BE49-F238E27FC236}">
                 <a16:creationId xmlns:a16="http://schemas.microsoft.com/office/drawing/2014/main" id="{08C9B587-E65E-4B52-B37C-ABEBB6E87928}"/>
@@ -7605,7 +8200,7 @@
     </p:spTree>
     <p:extLst>
       <p:ext uri="{BB962C8B-B14F-4D97-AF65-F5344CB8AC3E}">
-        <p14:creationId xmlns:p14="http://schemas.microsoft.com/office/powerpoint/2010/main" val="387146428"/>
+        <p14:creationId xmlns:p14="http://schemas.microsoft.com/office/powerpoint/2010/main" val="2204232431"/>
       </p:ext>
     </p:extLst>
   </p:cSld>
@@ -7615,7 +8210,7 @@
 </p:sld>
 </file>
 
-<file path=ppt/slides/slide4.xml><?xml version="1.0" encoding="utf-8"?>
+<file path=ppt/slides/slide18.xml><?xml version="1.0" encoding="utf-8"?>
 <p:sld xmlns:a="http://schemas.openxmlformats.org/drawingml/2006/main" xmlns:r="http://schemas.openxmlformats.org/officeDocument/2006/relationships" xmlns:p="http://schemas.openxmlformats.org/presentationml/2006/main">
   <p:cSld>
     <p:spTree>
@@ -7632,131 +8227,12 @@
           <a:chExt cx="0" cy="0"/>
         </a:xfrm>
       </p:grpSpPr>
-      <p:sp>
-        <p:nvSpPr>
-          <p:cNvPr id="3" name="Text Placeholder 2">
-            <a:extLst>
-              <a:ext uri="{FF2B5EF4-FFF2-40B4-BE49-F238E27FC236}">
-                <a16:creationId xmlns:a16="http://schemas.microsoft.com/office/drawing/2014/main" id="{244C3115-AEE6-1F21-2DFF-E29C0CF38048}"/>
-              </a:ext>
-            </a:extLst>
-          </p:cNvPr>
-          <p:cNvSpPr>
-            <a:spLocks noGrp="1"/>
-          </p:cNvSpPr>
-          <p:nvPr>
-            <p:ph type="body" idx="1"/>
-          </p:nvPr>
-        </p:nvSpPr>
-        <p:spPr>
-          <a:xfrm>
-            <a:off x="836612" y="559374"/>
-            <a:ext cx="5157787" cy="414337"/>
-          </a:xfrm>
-        </p:spPr>
-        <p:txBody>
-          <a:bodyPr>
-            <a:normAutofit lnSpcReduction="10000"/>
-          </a:bodyPr>
-          <a:lstStyle/>
-          <a:p>
-            <a:r>
-              <a:rPr lang="en-AU" dirty="0"/>
-              <a:t>Pre-Pandemic, 2014:</a:t>
-            </a:r>
-          </a:p>
-        </p:txBody>
-      </p:sp>
-      <p:sp>
-        <p:nvSpPr>
-          <p:cNvPr id="6" name="Text Placeholder 5">
-            <a:extLst>
-              <a:ext uri="{FF2B5EF4-FFF2-40B4-BE49-F238E27FC236}">
-                <a16:creationId xmlns:a16="http://schemas.microsoft.com/office/drawing/2014/main" id="{0FC6038A-C89F-D1DF-BB6B-44040D7C6A5E}"/>
-              </a:ext>
-            </a:extLst>
-          </p:cNvPr>
-          <p:cNvSpPr>
-            <a:spLocks noGrp="1"/>
-          </p:cNvSpPr>
-          <p:nvPr>
-            <p:ph type="body" sz="quarter" idx="3"/>
-          </p:nvPr>
-        </p:nvSpPr>
-        <p:spPr>
-          <a:xfrm>
-            <a:off x="6718955" y="559373"/>
-            <a:ext cx="5183188" cy="414337"/>
-          </a:xfrm>
-        </p:spPr>
-        <p:txBody>
-          <a:bodyPr>
-            <a:normAutofit lnSpcReduction="10000"/>
-          </a:bodyPr>
-          <a:lstStyle/>
-          <a:p>
-            <a:r>
-              <a:rPr lang="en-AU" dirty="0"/>
-              <a:t>Post-Pandemic, 2020-2022:</a:t>
-            </a:r>
-          </a:p>
-        </p:txBody>
-      </p:sp>
-      <p:sp>
-        <p:nvSpPr>
-          <p:cNvPr id="11" name="TextBox 10">
-            <a:extLst>
-              <a:ext uri="{FF2B5EF4-FFF2-40B4-BE49-F238E27FC236}">
-                <a16:creationId xmlns:a16="http://schemas.microsoft.com/office/drawing/2014/main" id="{BE267002-32FE-9C35-9E4F-48A439861A83}"/>
-              </a:ext>
-            </a:extLst>
-          </p:cNvPr>
-          <p:cNvSpPr txBox="1"/>
-          <p:nvPr/>
-        </p:nvSpPr>
-        <p:spPr>
-          <a:xfrm>
-            <a:off x="8931458" y="6069729"/>
-            <a:ext cx="2970685" cy="646331"/>
-          </a:xfrm>
-          <a:prstGeom prst="rect">
-            <a:avLst/>
-          </a:prstGeom>
-          <a:noFill/>
-        </p:spPr>
-        <p:txBody>
-          <a:bodyPr wrap="none" rtlCol="0">
-            <a:spAutoFit/>
-          </a:bodyPr>
-          <a:lstStyle/>
-          <a:p>
-            <a:r>
-              <a:rPr lang="en-AU" dirty="0"/>
-              <a:t>No significant difference:</a:t>
-            </a:r>
-          </a:p>
-          <a:p>
-            <a:r>
-              <a:rPr lang="en-AU" dirty="0"/>
-              <a:t>Chi2 = 0.15, </a:t>
-            </a:r>
-            <a:r>
-              <a:rPr lang="en-AU" dirty="0" err="1"/>
-              <a:t>df</a:t>
-            </a:r>
-            <a:r>
-              <a:rPr lang="en-AU" dirty="0"/>
-              <a:t> = 1, p = 0.696</a:t>
-            </a:r>
-          </a:p>
-        </p:txBody>
-      </p:sp>
       <p:pic>
         <p:nvPicPr>
-          <p:cNvPr id="1032" name="Picture 8">
-            <a:extLst>
-              <a:ext uri="{FF2B5EF4-FFF2-40B4-BE49-F238E27FC236}">
-                <a16:creationId xmlns:a16="http://schemas.microsoft.com/office/drawing/2014/main" id="{A3AFCE2C-1833-19E0-C150-EDE8C8952FEF}"/>
+          <p:cNvPr id="8196" name="Picture 4">
+            <a:extLst>
+              <a:ext uri="{FF2B5EF4-FFF2-40B4-BE49-F238E27FC236}">
+                <a16:creationId xmlns:a16="http://schemas.microsoft.com/office/drawing/2014/main" id="{664D8AB4-21F9-9BF8-F1C7-74BE0F7A9391}"/>
               </a:ext>
             </a:extLst>
           </p:cNvPr>
@@ -7766,20 +8242,20 @@
           <p:nvPr/>
         </p:nvPicPr>
         <p:blipFill rotWithShape="1">
-          <a:blip r:embed="rId2">
+          <a:blip r:embed="rId3">
             <a:extLst>
               <a:ext uri="{28A0092B-C50C-407E-A947-70E740481C1C}">
                 <a14:useLocalDpi xmlns:a14="http://schemas.microsoft.com/office/drawing/2010/main" val="0"/>
               </a:ext>
             </a:extLst>
           </a:blip>
-          <a:srcRect t="6571"/>
+          <a:srcRect l="27644" t="6720" r="27645"/>
           <a:stretch/>
         </p:blipFill>
         <p:spPr bwMode="auto">
           <a:xfrm>
-            <a:off x="164123" y="1038186"/>
-            <a:ext cx="5591907" cy="4857576"/>
+            <a:off x="6197603" y="1055962"/>
+            <a:ext cx="5451120" cy="5470159"/>
           </a:xfrm>
           <a:prstGeom prst="rect">
             <a:avLst/>
@@ -7796,12 +8272,131 @@
           </a:extLst>
         </p:spPr>
       </p:pic>
+      <p:sp>
+        <p:nvSpPr>
+          <p:cNvPr id="3" name="Text Placeholder 2">
+            <a:extLst>
+              <a:ext uri="{FF2B5EF4-FFF2-40B4-BE49-F238E27FC236}">
+                <a16:creationId xmlns:a16="http://schemas.microsoft.com/office/drawing/2014/main" id="{244C3115-AEE6-1F21-2DFF-E29C0CF38048}"/>
+              </a:ext>
+            </a:extLst>
+          </p:cNvPr>
+          <p:cNvSpPr>
+            <a:spLocks noGrp="1"/>
+          </p:cNvSpPr>
+          <p:nvPr>
+            <p:ph type="body" idx="1"/>
+          </p:nvPr>
+        </p:nvSpPr>
+        <p:spPr>
+          <a:xfrm>
+            <a:off x="836612" y="559374"/>
+            <a:ext cx="5157787" cy="414337"/>
+          </a:xfrm>
+        </p:spPr>
+        <p:txBody>
+          <a:bodyPr>
+            <a:normAutofit lnSpcReduction="10000"/>
+          </a:bodyPr>
+          <a:lstStyle/>
+          <a:p>
+            <a:r>
+              <a:rPr lang="en-AU" dirty="0"/>
+              <a:t>Pre-Pandemic, 2014:</a:t>
+            </a:r>
+          </a:p>
+        </p:txBody>
+      </p:sp>
+      <p:sp>
+        <p:nvSpPr>
+          <p:cNvPr id="6" name="Text Placeholder 5">
+            <a:extLst>
+              <a:ext uri="{FF2B5EF4-FFF2-40B4-BE49-F238E27FC236}">
+                <a16:creationId xmlns:a16="http://schemas.microsoft.com/office/drawing/2014/main" id="{0FC6038A-C89F-D1DF-BB6B-44040D7C6A5E}"/>
+              </a:ext>
+            </a:extLst>
+          </p:cNvPr>
+          <p:cNvSpPr>
+            <a:spLocks noGrp="1"/>
+          </p:cNvSpPr>
+          <p:nvPr>
+            <p:ph type="body" sz="quarter" idx="3"/>
+          </p:nvPr>
+        </p:nvSpPr>
+        <p:spPr>
+          <a:xfrm>
+            <a:off x="6718955" y="559373"/>
+            <a:ext cx="5183188" cy="414337"/>
+          </a:xfrm>
+        </p:spPr>
+        <p:txBody>
+          <a:bodyPr>
+            <a:normAutofit lnSpcReduction="10000"/>
+          </a:bodyPr>
+          <a:lstStyle/>
+          <a:p>
+            <a:r>
+              <a:rPr lang="en-AU" dirty="0"/>
+              <a:t>Post-Pandemic, 2020-2022:</a:t>
+            </a:r>
+          </a:p>
+        </p:txBody>
+      </p:sp>
+      <p:sp>
+        <p:nvSpPr>
+          <p:cNvPr id="11" name="TextBox 10">
+            <a:extLst>
+              <a:ext uri="{FF2B5EF4-FFF2-40B4-BE49-F238E27FC236}">
+                <a16:creationId xmlns:a16="http://schemas.microsoft.com/office/drawing/2014/main" id="{BE267002-32FE-9C35-9E4F-48A439861A83}"/>
+              </a:ext>
+            </a:extLst>
+          </p:cNvPr>
+          <p:cNvSpPr txBox="1"/>
+          <p:nvPr/>
+        </p:nvSpPr>
+        <p:spPr>
+          <a:xfrm>
+            <a:off x="8808026" y="6072813"/>
+            <a:ext cx="3094117" cy="646331"/>
+          </a:xfrm>
+          <a:prstGeom prst="rect">
+            <a:avLst/>
+          </a:prstGeom>
+          <a:noFill/>
+        </p:spPr>
+        <p:txBody>
+          <a:bodyPr wrap="none" rtlCol="0">
+            <a:spAutoFit/>
+          </a:bodyPr>
+          <a:lstStyle/>
+          <a:p>
+            <a:r>
+              <a:rPr lang="en-AU" dirty="0"/>
+              <a:t>Significant difference:</a:t>
+            </a:r>
+          </a:p>
+          <a:p>
+            <a:r>
+              <a:rPr lang="en-AU" dirty="0"/>
+              <a:t>Chi2 = 19.34, </a:t>
+            </a:r>
+            <a:r>
+              <a:rPr lang="en-AU" dirty="0" err="1"/>
+              <a:t>df</a:t>
+            </a:r>
+            <a:r>
+              <a:rPr lang="en-AU" dirty="0"/>
+              <a:t> = 2, p &lt; 0.001</a:t>
+            </a:r>
+          </a:p>
+        </p:txBody>
+      </p:sp>
       <p:pic>
         <p:nvPicPr>
-          <p:cNvPr id="1034" name="Picture 10">
-            <a:extLst>
-              <a:ext uri="{FF2B5EF4-FFF2-40B4-BE49-F238E27FC236}">
-                <a16:creationId xmlns:a16="http://schemas.microsoft.com/office/drawing/2014/main" id="{3C6C163C-FD04-DC76-7B0F-4EAB3E408182}"/>
+          <p:cNvPr id="8194" name="Picture 2">
+            <a:extLst>
+              <a:ext uri="{FF2B5EF4-FFF2-40B4-BE49-F238E27FC236}">
+                <a16:creationId xmlns:a16="http://schemas.microsoft.com/office/drawing/2014/main" id="{A3440E2F-3C7F-7335-AD56-CEF0E9F538C5}"/>
               </a:ext>
             </a:extLst>
           </p:cNvPr>
@@ -7811,20 +8406,20 @@
           <p:nvPr/>
         </p:nvPicPr>
         <p:blipFill rotWithShape="1">
-          <a:blip r:embed="rId3">
+          <a:blip r:embed="rId4">
             <a:extLst>
               <a:ext uri="{28A0092B-C50C-407E-A947-70E740481C1C}">
                 <a14:useLocalDpi xmlns:a14="http://schemas.microsoft.com/office/drawing/2010/main" val="0"/>
               </a:ext>
             </a:extLst>
           </a:blip>
-          <a:srcRect t="7601"/>
+          <a:srcRect l="25673" t="9905" r="26539"/>
           <a:stretch/>
         </p:blipFill>
         <p:spPr bwMode="auto">
           <a:xfrm>
-            <a:off x="5103726" y="1038186"/>
-            <a:ext cx="7253346" cy="4781627"/>
+            <a:off x="543277" y="1215413"/>
+            <a:ext cx="5275440" cy="5209873"/>
           </a:xfrm>
           <a:prstGeom prst="rect">
             <a:avLst/>
@@ -7844,7 +8439,7 @@
     </p:spTree>
     <p:extLst>
       <p:ext uri="{BB962C8B-B14F-4D97-AF65-F5344CB8AC3E}">
-        <p14:creationId xmlns:p14="http://schemas.microsoft.com/office/powerpoint/2010/main" val="2525409316"/>
+        <p14:creationId xmlns:p14="http://schemas.microsoft.com/office/powerpoint/2010/main" val="35618463"/>
       </p:ext>
     </p:extLst>
   </p:cSld>
@@ -7854,7 +8449,7 @@
 </p:sld>
 </file>
 
-<file path=ppt/slides/slide5.xml><?xml version="1.0" encoding="utf-8"?>
+<file path=ppt/slides/slide19.xml><?xml version="1.0" encoding="utf-8"?>
 <p:sld xmlns:a="http://schemas.openxmlformats.org/drawingml/2006/main" xmlns:r="http://schemas.openxmlformats.org/officeDocument/2006/relationships" xmlns:p="http://schemas.openxmlformats.org/presentationml/2006/main">
   <p:cSld>
     <p:bg>
@@ -7954,7 +8549,7 @@
           <p:nvPr/>
         </p:nvPicPr>
         <p:blipFill rotWithShape="1">
-          <a:blip r:embed="rId2"/>
+          <a:blip r:embed="rId3"/>
           <a:srcRect t="28079" r="9089" b="-2"/>
           <a:stretch/>
         </p:blipFill>
@@ -8067,23 +8662,23 @@
         </p:nvSpPr>
         <p:spPr>
           <a:xfrm>
-            <a:off x="477981" y="1122363"/>
-            <a:ext cx="4023360" cy="3204134"/>
+            <a:off x="247160" y="216841"/>
+            <a:ext cx="5052807" cy="3204134"/>
           </a:xfrm>
         </p:spPr>
         <p:txBody>
           <a:bodyPr vert="horz" lIns="91440" tIns="45720" rIns="91440" bIns="45720" rtlCol="0" anchor="b">
-            <a:normAutofit fontScale="90000"/>
+            <a:normAutofit/>
           </a:bodyPr>
           <a:lstStyle/>
           <a:p>
             <a:r>
-              <a:rPr lang="en-US" sz="4400" dirty="0">
+              <a:rPr lang="en-US" sz="3700" dirty="0">
                 <a:solidFill>
                   <a:schemeClr val="bg1"/>
                 </a:solidFill>
               </a:rPr>
-              <a:t>Proportion of tech workers self-reporting mental health problems by country</a:t>
+              <a:t>Conclusions</a:t>
             </a:r>
           </a:p>
         </p:txBody>
@@ -8252,6 +8847,2425 @@
     </p:spTree>
     <p:extLst>
       <p:ext uri="{BB962C8B-B14F-4D97-AF65-F5344CB8AC3E}">
+        <p14:creationId xmlns:p14="http://schemas.microsoft.com/office/powerpoint/2010/main" val="3446903451"/>
+      </p:ext>
+    </p:extLst>
+  </p:cSld>
+  <p:clrMapOvr>
+    <a:masterClrMapping/>
+  </p:clrMapOvr>
+</p:sld>
+</file>
+
+<file path=ppt/slides/slide2.xml><?xml version="1.0" encoding="utf-8"?>
+<p:sld xmlns:a="http://schemas.openxmlformats.org/drawingml/2006/main" xmlns:r="http://schemas.openxmlformats.org/officeDocument/2006/relationships" xmlns:p="http://schemas.openxmlformats.org/presentationml/2006/main">
+  <p:cSld>
+    <p:bg>
+      <p:bgPr>
+        <a:solidFill>
+          <a:schemeClr val="bg1"/>
+        </a:solidFill>
+        <a:effectLst/>
+      </p:bgPr>
+    </p:bg>
+    <p:spTree>
+      <p:nvGrpSpPr>
+        <p:cNvPr id="1" name=""/>
+        <p:cNvGrpSpPr/>
+        <p:nvPr/>
+      </p:nvGrpSpPr>
+      <p:grpSpPr>
+        <a:xfrm>
+          <a:off x="0" y="0"/>
+          <a:ext cx="0" cy="0"/>
+          <a:chOff x="0" y="0"/>
+          <a:chExt cx="0" cy="0"/>
+        </a:xfrm>
+      </p:grpSpPr>
+      <p:sp useBgFill="1">
+        <p:nvSpPr>
+          <p:cNvPr id="23" name="Rectangle 22">
+            <a:extLst>
+              <a:ext uri="{FF2B5EF4-FFF2-40B4-BE49-F238E27FC236}">
+                <a16:creationId xmlns:a16="http://schemas.microsoft.com/office/drawing/2014/main" id="{0671A8AE-40A1-4631-A6B8-581AFF065482}"/>
+              </a:ext>
+              <a:ext uri="{C183D7F6-B498-43B3-948B-1728B52AA6E4}">
+                <adec:decorative xmlns:adec="http://schemas.microsoft.com/office/drawing/2017/decorative" val="1"/>
+              </a:ext>
+            </a:extLst>
+          </p:cNvPr>
+          <p:cNvSpPr>
+            <a:spLocks noGrp="1" noRot="1" noChangeAspect="1" noMove="1" noResize="1" noEditPoints="1" noAdjustHandles="1" noChangeArrowheads="1" noChangeShapeType="1" noTextEdit="1"/>
+          </p:cNvSpPr>
+          <p:nvPr>
+            <p:extLst>
+              <p:ext uri="{386F3935-93C4-4BCD-93E2-E3B085C9AB24}">
+                <p16:designElem xmlns:p16="http://schemas.microsoft.com/office/powerpoint/2015/main" val="1"/>
+              </p:ext>
+            </p:extLst>
+          </p:nvPr>
+        </p:nvSpPr>
+        <p:spPr>
+          <a:xfrm>
+            <a:off x="0" y="0"/>
+            <a:ext cx="12192000" cy="6858000"/>
+          </a:xfrm>
+          <a:prstGeom prst="rect">
+            <a:avLst/>
+          </a:prstGeom>
+          <a:ln>
+            <a:noFill/>
+          </a:ln>
+        </p:spPr>
+        <p:style>
+          <a:lnRef idx="2">
+            <a:schemeClr val="accent1">
+              <a:shade val="50000"/>
+            </a:schemeClr>
+          </a:lnRef>
+          <a:fillRef idx="1">
+            <a:schemeClr val="accent1"/>
+          </a:fillRef>
+          <a:effectRef idx="0">
+            <a:schemeClr val="accent1"/>
+          </a:effectRef>
+          <a:fontRef idx="minor">
+            <a:schemeClr val="lt1"/>
+          </a:fontRef>
+        </p:style>
+        <p:txBody>
+          <a:bodyPr rtlCol="0" anchor="ctr"/>
+          <a:lstStyle/>
+          <a:p>
+            <a:pPr algn="ctr"/>
+            <a:endParaRPr lang="en-US"/>
+          </a:p>
+        </p:txBody>
+      </p:sp>
+      <p:pic>
+        <p:nvPicPr>
+          <p:cNvPr id="10" name="Picture 9" descr="A network of dots and lines&#10;&#10;Description automatically generated">
+            <a:extLst>
+              <a:ext uri="{FF2B5EF4-FFF2-40B4-BE49-F238E27FC236}">
+                <a16:creationId xmlns:a16="http://schemas.microsoft.com/office/drawing/2014/main" id="{E79F1182-75E5-C24E-759D-AC065F80698F}"/>
+              </a:ext>
+            </a:extLst>
+          </p:cNvPr>
+          <p:cNvPicPr>
+            <a:picLocks noChangeAspect="1"/>
+          </p:cNvPicPr>
+          <p:nvPr/>
+        </p:nvPicPr>
+        <p:blipFill rotWithShape="1">
+          <a:blip r:embed="rId3"/>
+          <a:srcRect t="28079" r="9089" b="-2"/>
+          <a:stretch/>
+        </p:blipFill>
+        <p:spPr>
+          <a:xfrm>
+            <a:off x="3523488" y="10"/>
+            <a:ext cx="8668512" cy="6857990"/>
+          </a:xfrm>
+          <a:prstGeom prst="rect">
+            <a:avLst/>
+          </a:prstGeom>
+        </p:spPr>
+      </p:pic>
+      <p:sp>
+        <p:nvSpPr>
+          <p:cNvPr id="25" name="Rectangle 24">
+            <a:extLst>
+              <a:ext uri="{FF2B5EF4-FFF2-40B4-BE49-F238E27FC236}">
+                <a16:creationId xmlns:a16="http://schemas.microsoft.com/office/drawing/2014/main" id="{AB58EF07-17C2-48CF-ABB0-EEF1F17CB8F0}"/>
+              </a:ext>
+              <a:ext uri="{C183D7F6-B498-43B3-948B-1728B52AA6E4}">
+                <adec:decorative xmlns:adec="http://schemas.microsoft.com/office/drawing/2017/decorative" val="1"/>
+              </a:ext>
+            </a:extLst>
+          </p:cNvPr>
+          <p:cNvSpPr>
+            <a:spLocks noGrp="1" noRot="1" noChangeAspect="1" noMove="1" noResize="1" noEditPoints="1" noAdjustHandles="1" noChangeArrowheads="1" noChangeShapeType="1" noTextEdit="1"/>
+          </p:cNvSpPr>
+          <p:nvPr>
+            <p:extLst>
+              <p:ext uri="{386F3935-93C4-4BCD-93E2-E3B085C9AB24}">
+                <p16:designElem xmlns:p16="http://schemas.microsoft.com/office/powerpoint/2015/main" val="1"/>
+              </p:ext>
+            </p:extLst>
+          </p:nvPr>
+        </p:nvSpPr>
+        <p:spPr>
+          <a:xfrm>
+            <a:off x="3" y="0"/>
+            <a:ext cx="9339206" cy="6858000"/>
+          </a:xfrm>
+          <a:prstGeom prst="rect">
+            <a:avLst/>
+          </a:prstGeom>
+          <a:gradFill>
+            <a:gsLst>
+              <a:gs pos="58000">
+                <a:schemeClr val="tx1"/>
+              </a:gs>
+              <a:gs pos="33000">
+                <a:schemeClr val="tx1">
+                  <a:alpha val="64000"/>
+                </a:schemeClr>
+              </a:gs>
+              <a:gs pos="0">
+                <a:schemeClr val="tx1">
+                  <a:alpha val="0"/>
+                </a:schemeClr>
+              </a:gs>
+              <a:gs pos="100000">
+                <a:schemeClr val="tx1"/>
+              </a:gs>
+            </a:gsLst>
+            <a:lin ang="10800000" scaled="0"/>
+          </a:gradFill>
+          <a:ln>
+            <a:noFill/>
+          </a:ln>
+        </p:spPr>
+        <p:style>
+          <a:lnRef idx="2">
+            <a:schemeClr val="accent1">
+              <a:shade val="50000"/>
+            </a:schemeClr>
+          </a:lnRef>
+          <a:fillRef idx="1">
+            <a:schemeClr val="accent1"/>
+          </a:fillRef>
+          <a:effectRef idx="0">
+            <a:schemeClr val="accent1"/>
+          </a:effectRef>
+          <a:fontRef idx="minor">
+            <a:schemeClr val="lt1"/>
+          </a:fontRef>
+        </p:style>
+        <p:txBody>
+          <a:bodyPr rtlCol="0" anchor="ctr"/>
+          <a:lstStyle/>
+          <a:p>
+            <a:pPr algn="ctr"/>
+            <a:endParaRPr lang="en-US" dirty="0"/>
+          </a:p>
+        </p:txBody>
+      </p:sp>
+      <p:sp>
+        <p:nvSpPr>
+          <p:cNvPr id="7" name="Title 6">
+            <a:extLst>
+              <a:ext uri="{FF2B5EF4-FFF2-40B4-BE49-F238E27FC236}">
+                <a16:creationId xmlns:a16="http://schemas.microsoft.com/office/drawing/2014/main" id="{065AE0F7-93B2-1A8E-F2A5-B1624E21DF6F}"/>
+              </a:ext>
+            </a:extLst>
+          </p:cNvPr>
+          <p:cNvSpPr>
+            <a:spLocks noGrp="1"/>
+          </p:cNvSpPr>
+          <p:nvPr>
+            <p:ph type="title"/>
+          </p:nvPr>
+        </p:nvSpPr>
+        <p:spPr>
+          <a:xfrm>
+            <a:off x="477981" y="1122363"/>
+            <a:ext cx="4023360" cy="3204134"/>
+          </a:xfrm>
+        </p:spPr>
+        <p:txBody>
+          <a:bodyPr vert="horz" lIns="91440" tIns="45720" rIns="91440" bIns="45720" rtlCol="0" anchor="b">
+            <a:normAutofit/>
+          </a:bodyPr>
+          <a:lstStyle/>
+          <a:p>
+            <a:r>
+              <a:rPr lang="en-US" sz="4400" dirty="0">
+                <a:solidFill>
+                  <a:schemeClr val="bg1"/>
+                </a:solidFill>
+              </a:rPr>
+              <a:t>Data Source </a:t>
+            </a:r>
+          </a:p>
+        </p:txBody>
+      </p:sp>
+      <p:sp>
+        <p:nvSpPr>
+          <p:cNvPr id="27" name="Rectangle 26">
+            <a:extLst>
+              <a:ext uri="{FF2B5EF4-FFF2-40B4-BE49-F238E27FC236}">
+                <a16:creationId xmlns:a16="http://schemas.microsoft.com/office/drawing/2014/main" id="{AF2F604E-43BE-4DC3-B983-E071523364F8}"/>
+              </a:ext>
+              <a:ext uri="{C183D7F6-B498-43B3-948B-1728B52AA6E4}">
+                <adec:decorative xmlns:adec="http://schemas.microsoft.com/office/drawing/2017/decorative" val="1"/>
+              </a:ext>
+            </a:extLst>
+          </p:cNvPr>
+          <p:cNvSpPr>
+            <a:spLocks noGrp="1" noRot="1" noChangeAspect="1" noMove="1" noResize="1" noEditPoints="1" noAdjustHandles="1" noChangeArrowheads="1" noChangeShapeType="1" noTextEdit="1"/>
+          </p:cNvSpPr>
+          <p:nvPr>
+            <p:extLst>
+              <p:ext uri="{386F3935-93C4-4BCD-93E2-E3B085C9AB24}">
+                <p16:designElem xmlns:p16="http://schemas.microsoft.com/office/powerpoint/2015/main" val="1"/>
+              </p:ext>
+            </p:extLst>
+          </p:nvPr>
+        </p:nvSpPr>
+        <p:spPr>
+          <a:xfrm rot="5400000">
+            <a:off x="759921" y="346791"/>
+            <a:ext cx="146304" cy="704088"/>
+          </a:xfrm>
+          <a:prstGeom prst="rect">
+            <a:avLst/>
+          </a:prstGeom>
+          <a:solidFill>
+            <a:schemeClr val="accent2"/>
+          </a:solidFill>
+          <a:ln>
+            <a:noFill/>
+          </a:ln>
+        </p:spPr>
+        <p:style>
+          <a:lnRef idx="2">
+            <a:schemeClr val="accent1">
+              <a:shade val="50000"/>
+            </a:schemeClr>
+          </a:lnRef>
+          <a:fillRef idx="1">
+            <a:schemeClr val="accent1"/>
+          </a:fillRef>
+          <a:effectRef idx="0">
+            <a:schemeClr val="accent1"/>
+          </a:effectRef>
+          <a:fontRef idx="minor">
+            <a:schemeClr val="lt1"/>
+          </a:fontRef>
+        </p:style>
+        <p:txBody>
+          <a:bodyPr rtlCol="0" anchor="ctr"/>
+          <a:lstStyle/>
+          <a:p>
+            <a:pPr algn="ctr"/>
+            <a:endParaRPr lang="en-US">
+              <a:solidFill>
+                <a:prstClr val="white"/>
+              </a:solidFill>
+              <a:latin typeface="Calibri" panose="020F0502020204030204"/>
+            </a:endParaRPr>
+          </a:p>
+        </p:txBody>
+      </p:sp>
+      <p:sp>
+        <p:nvSpPr>
+          <p:cNvPr id="29" name="Rectangle 28">
+            <a:extLst>
+              <a:ext uri="{FF2B5EF4-FFF2-40B4-BE49-F238E27FC236}">
+                <a16:creationId xmlns:a16="http://schemas.microsoft.com/office/drawing/2014/main" id="{08C9B587-E65E-4B52-B37C-ABEBB6E87928}"/>
+              </a:ext>
+              <a:ext uri="{C183D7F6-B498-43B3-948B-1728B52AA6E4}">
+                <adec:decorative xmlns:adec="http://schemas.microsoft.com/office/drawing/2017/decorative" val="1"/>
+              </a:ext>
+            </a:extLst>
+          </p:cNvPr>
+          <p:cNvSpPr>
+            <a:spLocks noGrp="1" noRot="1" noChangeAspect="1" noMove="1" noResize="1" noEditPoints="1" noAdjustHandles="1" noChangeArrowheads="1" noChangeShapeType="1" noTextEdit="1"/>
+          </p:cNvSpPr>
+          <p:nvPr>
+            <p:extLst>
+              <p:ext uri="{386F3935-93C4-4BCD-93E2-E3B085C9AB24}">
+                <p16:designElem xmlns:p16="http://schemas.microsoft.com/office/powerpoint/2015/main" val="1"/>
+              </p:ext>
+            </p:extLst>
+          </p:nvPr>
+        </p:nvSpPr>
+        <p:spPr>
+          <a:xfrm>
+            <a:off x="481029" y="4546920"/>
+            <a:ext cx="3977640" cy="18288"/>
+          </a:xfrm>
+          <a:prstGeom prst="rect">
+            <a:avLst/>
+          </a:prstGeom>
+          <a:solidFill>
+            <a:schemeClr val="tx1"/>
+          </a:solidFill>
+          <a:ln w="3175">
+            <a:noFill/>
+          </a:ln>
+          <a:effectLst/>
+        </p:spPr>
+        <p:style>
+          <a:lnRef idx="2">
+            <a:schemeClr val="accent1">
+              <a:shade val="50000"/>
+            </a:schemeClr>
+          </a:lnRef>
+          <a:fillRef idx="1">
+            <a:schemeClr val="accent1"/>
+          </a:fillRef>
+          <a:effectRef idx="0">
+            <a:schemeClr val="accent1"/>
+          </a:effectRef>
+          <a:fontRef idx="minor">
+            <a:schemeClr val="lt1"/>
+          </a:fontRef>
+        </p:style>
+        <p:txBody>
+          <a:bodyPr rtlCol="0" anchor="ctr"/>
+          <a:lstStyle/>
+          <a:p>
+            <a:pPr marL="0" marR="0" lvl="0" indent="0" algn="ctr" defTabSz="914400" rtl="0" eaLnBrk="1" fontAlgn="auto" latinLnBrk="0" hangingPunct="1">
+              <a:lnSpc>
+                <a:spcPct val="100000"/>
+              </a:lnSpc>
+              <a:spcBef>
+                <a:spcPts val="0"/>
+              </a:spcBef>
+              <a:spcAft>
+                <a:spcPts val="0"/>
+              </a:spcAft>
+              <a:buClrTx/>
+              <a:buSzTx/>
+              <a:buFontTx/>
+              <a:buNone/>
+              <a:tabLst/>
+              <a:defRPr/>
+            </a:pPr>
+            <a:endParaRPr kumimoji="0" lang="en-US" sz="1800" b="0" i="0" u="none" strike="noStrike" kern="1200" cap="none" spc="0" normalizeH="0" baseline="0" noProof="0">
+              <a:ln>
+                <a:noFill/>
+              </a:ln>
+              <a:solidFill>
+                <a:prstClr val="white"/>
+              </a:solidFill>
+              <a:effectLst/>
+              <a:uLnTx/>
+              <a:uFillTx/>
+              <a:latin typeface="Calibri" panose="020F0502020204030204"/>
+              <a:ea typeface="+mn-ea"/>
+              <a:cs typeface="+mn-cs"/>
+            </a:endParaRPr>
+          </a:p>
+        </p:txBody>
+      </p:sp>
+    </p:spTree>
+    <p:extLst>
+      <p:ext uri="{BB962C8B-B14F-4D97-AF65-F5344CB8AC3E}">
+        <p14:creationId xmlns:p14="http://schemas.microsoft.com/office/powerpoint/2010/main" val="1689816000"/>
+      </p:ext>
+    </p:extLst>
+  </p:cSld>
+  <p:clrMapOvr>
+    <a:masterClrMapping/>
+  </p:clrMapOvr>
+</p:sld>
+</file>
+
+<file path=ppt/slides/slide20.xml><?xml version="1.0" encoding="utf-8"?>
+<p:sld xmlns:a="http://schemas.openxmlformats.org/drawingml/2006/main" xmlns:r="http://schemas.openxmlformats.org/officeDocument/2006/relationships" xmlns:p="http://schemas.openxmlformats.org/presentationml/2006/main">
+  <p:cSld>
+    <p:spTree>
+      <p:nvGrpSpPr>
+        <p:cNvPr id="1" name=""/>
+        <p:cNvGrpSpPr/>
+        <p:nvPr/>
+      </p:nvGrpSpPr>
+      <p:grpSpPr>
+        <a:xfrm>
+          <a:off x="0" y="0"/>
+          <a:ext cx="0" cy="0"/>
+          <a:chOff x="0" y="0"/>
+          <a:chExt cx="0" cy="0"/>
+        </a:xfrm>
+      </p:grpSpPr>
+      <p:sp>
+        <p:nvSpPr>
+          <p:cNvPr id="4" name="TextBox 3">
+            <a:extLst>
+              <a:ext uri="{FF2B5EF4-FFF2-40B4-BE49-F238E27FC236}">
+                <a16:creationId xmlns:a16="http://schemas.microsoft.com/office/drawing/2014/main" id="{DC56EAB6-F612-3328-7775-864528108772}"/>
+              </a:ext>
+            </a:extLst>
+          </p:cNvPr>
+          <p:cNvSpPr txBox="1"/>
+          <p:nvPr/>
+        </p:nvSpPr>
+        <p:spPr>
+          <a:xfrm>
+            <a:off x="621437" y="71022"/>
+            <a:ext cx="5157926" cy="6324808"/>
+          </a:xfrm>
+          <a:prstGeom prst="rect">
+            <a:avLst/>
+          </a:prstGeom>
+          <a:noFill/>
+        </p:spPr>
+        <p:txBody>
+          <a:bodyPr wrap="square" rtlCol="0">
+            <a:spAutoFit/>
+          </a:bodyPr>
+          <a:lstStyle/>
+          <a:p>
+            <a:r>
+              <a:rPr lang="en-AU" b="1" dirty="0"/>
+              <a:t>Conclusions:</a:t>
+            </a:r>
+          </a:p>
+          <a:p>
+            <a:pPr algn="l">
+              <a:lnSpc>
+                <a:spcPct val="150000"/>
+              </a:lnSpc>
+              <a:buFont typeface="+mj-lt"/>
+              <a:buAutoNum type="arabicPeriod"/>
+            </a:pPr>
+            <a:r>
+              <a:rPr lang="en-AU" b="0" i="0" dirty="0">
+                <a:solidFill>
+                  <a:srgbClr val="1D1C1D"/>
+                </a:solidFill>
+                <a:effectLst/>
+                <a:latin typeface="Slack-Lato"/>
+              </a:rPr>
+              <a:t> No significant increase in proportion of tech workers self-reporting MH issues post-COVID-19</a:t>
+            </a:r>
+          </a:p>
+          <a:p>
+            <a:pPr algn="l">
+              <a:lnSpc>
+                <a:spcPct val="150000"/>
+              </a:lnSpc>
+              <a:buFont typeface="+mj-lt"/>
+              <a:buAutoNum type="arabicPeriod"/>
+            </a:pPr>
+            <a:r>
+              <a:rPr lang="en-AU" b="0" i="0" dirty="0">
+                <a:solidFill>
+                  <a:srgbClr val="1D1C1D"/>
+                </a:solidFill>
+                <a:effectLst/>
+                <a:latin typeface="Slack-Lato"/>
+              </a:rPr>
+              <a:t> More tech employees are offering MH wellness programs to employees post-COVID-19</a:t>
+            </a:r>
+          </a:p>
+          <a:p>
+            <a:pPr algn="l">
+              <a:lnSpc>
+                <a:spcPct val="150000"/>
+              </a:lnSpc>
+              <a:buFont typeface="+mj-lt"/>
+              <a:buAutoNum type="arabicPeriod"/>
+            </a:pPr>
+            <a:r>
+              <a:rPr lang="en-AU" b="0" i="0" dirty="0">
+                <a:solidFill>
+                  <a:srgbClr val="1D1C1D"/>
+                </a:solidFill>
+                <a:effectLst/>
+                <a:latin typeface="Slack-Lato"/>
+              </a:rPr>
+              <a:t> Surprisingly, majority of tech workers reporting MH issues were office based (but we couldn't compare post-COVID-19 due to data unavailability)</a:t>
+            </a:r>
+          </a:p>
+          <a:p>
+            <a:pPr algn="l">
+              <a:lnSpc>
+                <a:spcPct val="150000"/>
+              </a:lnSpc>
+              <a:buFont typeface="+mj-lt"/>
+              <a:buAutoNum type="arabicPeriod"/>
+            </a:pPr>
+            <a:r>
+              <a:rPr lang="en-AU" b="0" i="0" dirty="0">
+                <a:solidFill>
+                  <a:srgbClr val="1D1C1D"/>
+                </a:solidFill>
+                <a:effectLst/>
+                <a:latin typeface="Slack-Lato"/>
+              </a:rPr>
+              <a:t> Despite greater awareness and availability of MH programs, tech workers were no more comfortable in disclosing their issues to a supervisor pre- and post-COVID-19</a:t>
+            </a:r>
+          </a:p>
+          <a:p>
+            <a:pPr algn="l">
+              <a:lnSpc>
+                <a:spcPct val="150000"/>
+              </a:lnSpc>
+              <a:buFont typeface="+mj-lt"/>
+              <a:buAutoNum type="arabicPeriod"/>
+            </a:pPr>
+            <a:r>
+              <a:rPr lang="en-AU" b="0" i="0" dirty="0">
+                <a:solidFill>
+                  <a:srgbClr val="1D1C1D"/>
+                </a:solidFill>
+                <a:effectLst/>
+                <a:latin typeface="Slack-Lato"/>
+              </a:rPr>
+              <a:t> However, willingness to disclose to a co-worker did significantly improve post-COVID-19</a:t>
+            </a:r>
+          </a:p>
+          <a:p>
+            <a:endParaRPr lang="en-AU" dirty="0"/>
+          </a:p>
+          <a:p>
+            <a:endParaRPr lang="en-AU" dirty="0"/>
+          </a:p>
+        </p:txBody>
+      </p:sp>
+      <p:sp>
+        <p:nvSpPr>
+          <p:cNvPr id="2" name="TextBox 1">
+            <a:extLst>
+              <a:ext uri="{FF2B5EF4-FFF2-40B4-BE49-F238E27FC236}">
+                <a16:creationId xmlns:a16="http://schemas.microsoft.com/office/drawing/2014/main" id="{D034A3C1-5F4A-8397-29DF-6B77273E57AD}"/>
+              </a:ext>
+            </a:extLst>
+          </p:cNvPr>
+          <p:cNvSpPr txBox="1"/>
+          <p:nvPr/>
+        </p:nvSpPr>
+        <p:spPr>
+          <a:xfrm>
+            <a:off x="6002784" y="0"/>
+            <a:ext cx="5157926" cy="7432804"/>
+          </a:xfrm>
+          <a:prstGeom prst="rect">
+            <a:avLst/>
+          </a:prstGeom>
+          <a:noFill/>
+        </p:spPr>
+        <p:txBody>
+          <a:bodyPr wrap="square" rtlCol="0">
+            <a:spAutoFit/>
+          </a:bodyPr>
+          <a:lstStyle/>
+          <a:p>
+            <a:r>
+              <a:rPr lang="en-AU" b="1" dirty="0"/>
+              <a:t>Limitations:</a:t>
+            </a:r>
+          </a:p>
+          <a:p>
+            <a:pPr algn="l">
+              <a:lnSpc>
+                <a:spcPct val="150000"/>
+              </a:lnSpc>
+              <a:buFont typeface="+mj-lt"/>
+              <a:buAutoNum type="arabicPeriod"/>
+            </a:pPr>
+            <a:r>
+              <a:rPr lang="en-AU" b="0" i="0" dirty="0">
+                <a:solidFill>
+                  <a:srgbClr val="1D1C1D"/>
+                </a:solidFill>
+                <a:effectLst/>
+                <a:latin typeface="Slack-Lato"/>
+              </a:rPr>
+              <a:t> Divergence in questions and response options employed in surveys before and after COVID, making it inappropriate to utilize the chi-square test for comparing distribution variance.</a:t>
+            </a:r>
+          </a:p>
+          <a:p>
+            <a:pPr algn="l">
+              <a:lnSpc>
+                <a:spcPct val="150000"/>
+              </a:lnSpc>
+            </a:pPr>
+            <a:r>
+              <a:rPr lang="en-AU" b="0" i="0" dirty="0">
+                <a:solidFill>
+                  <a:srgbClr val="1D1C1D"/>
+                </a:solidFill>
+                <a:effectLst/>
+                <a:latin typeface="Slack-Lato"/>
+              </a:rPr>
+              <a:t>2. The way mental health among tech workers is determined relies on whether they sought help from a medical professional. However, COVID-19-related restrictions on selective medical services might introduce bias against those genuinely experiencing mental health issues.</a:t>
+            </a:r>
+          </a:p>
+          <a:p>
+            <a:pPr>
+              <a:lnSpc>
+                <a:spcPct val="150000"/>
+              </a:lnSpc>
+            </a:pPr>
+            <a:r>
+              <a:rPr lang="en-AU" dirty="0">
+                <a:solidFill>
+                  <a:srgbClr val="1D1C1D"/>
+                </a:solidFill>
+                <a:latin typeface="Slack-Lato"/>
+              </a:rPr>
+              <a:t>3. </a:t>
+            </a:r>
+            <a:r>
+              <a:rPr lang="en-AU" b="0" i="0" dirty="0">
+                <a:solidFill>
+                  <a:srgbClr val="1D1C1D"/>
+                </a:solidFill>
+                <a:effectLst/>
+                <a:latin typeface="Slack-Lato"/>
+              </a:rPr>
+              <a:t>Majority of respondents from USA with very different healthcare model to, e.g., AUS</a:t>
+            </a:r>
+          </a:p>
+          <a:p>
+            <a:pPr>
+              <a:lnSpc>
+                <a:spcPct val="150000"/>
+              </a:lnSpc>
+            </a:pPr>
+            <a:r>
+              <a:rPr lang="en-AU" dirty="0">
+                <a:solidFill>
+                  <a:srgbClr val="1D1C1D"/>
+                </a:solidFill>
+                <a:latin typeface="Slack-Lato"/>
+              </a:rPr>
+              <a:t>4. </a:t>
+            </a:r>
+            <a:r>
+              <a:rPr lang="en-AU" b="0" i="0" dirty="0">
+                <a:solidFill>
+                  <a:srgbClr val="1D1C1D"/>
+                </a:solidFill>
+                <a:effectLst/>
+                <a:latin typeface="Slack-Lato"/>
+              </a:rPr>
+              <a:t>Changes may also reflect processes, such as greater awareness of programs and policy changes, rather than being wholly attributable to COVID-19</a:t>
+            </a:r>
+          </a:p>
+          <a:p>
+            <a:pPr algn="l"/>
+            <a:endParaRPr lang="en-AU" b="0" i="0" dirty="0">
+              <a:solidFill>
+                <a:srgbClr val="1D1C1D"/>
+              </a:solidFill>
+              <a:effectLst/>
+              <a:latin typeface="Slack-Lato"/>
+            </a:endParaRPr>
+          </a:p>
+          <a:p>
+            <a:endParaRPr lang="en-AU" dirty="0"/>
+          </a:p>
+          <a:p>
+            <a:endParaRPr lang="en-AU" dirty="0"/>
+          </a:p>
+        </p:txBody>
+      </p:sp>
+    </p:spTree>
+    <p:extLst>
+      <p:ext uri="{BB962C8B-B14F-4D97-AF65-F5344CB8AC3E}">
+        <p14:creationId xmlns:p14="http://schemas.microsoft.com/office/powerpoint/2010/main" val="1411070680"/>
+      </p:ext>
+    </p:extLst>
+  </p:cSld>
+  <p:clrMapOvr>
+    <a:masterClrMapping/>
+  </p:clrMapOvr>
+</p:sld>
+</file>
+
+<file path=ppt/slides/slide21.xml><?xml version="1.0" encoding="utf-8"?>
+<p:sld xmlns:a="http://schemas.openxmlformats.org/drawingml/2006/main" xmlns:r="http://schemas.openxmlformats.org/officeDocument/2006/relationships" xmlns:p="http://schemas.openxmlformats.org/presentationml/2006/main">
+  <p:cSld>
+    <p:bg>
+      <p:bgPr>
+        <a:solidFill>
+          <a:schemeClr val="bg1"/>
+        </a:solidFill>
+        <a:effectLst/>
+      </p:bgPr>
+    </p:bg>
+    <p:spTree>
+      <p:nvGrpSpPr>
+        <p:cNvPr id="1" name=""/>
+        <p:cNvGrpSpPr/>
+        <p:nvPr/>
+      </p:nvGrpSpPr>
+      <p:grpSpPr>
+        <a:xfrm>
+          <a:off x="0" y="0"/>
+          <a:ext cx="0" cy="0"/>
+          <a:chOff x="0" y="0"/>
+          <a:chExt cx="0" cy="0"/>
+        </a:xfrm>
+      </p:grpSpPr>
+      <p:sp useBgFill="1">
+        <p:nvSpPr>
+          <p:cNvPr id="15" name="Rectangle 14">
+            <a:extLst>
+              <a:ext uri="{FF2B5EF4-FFF2-40B4-BE49-F238E27FC236}">
+                <a16:creationId xmlns:a16="http://schemas.microsoft.com/office/drawing/2014/main" id="{0671A8AE-40A1-4631-A6B8-581AFF065482}"/>
+              </a:ext>
+              <a:ext uri="{C183D7F6-B498-43B3-948B-1728B52AA6E4}">
+                <adec:decorative xmlns:adec="http://schemas.microsoft.com/office/drawing/2017/decorative" val="1"/>
+              </a:ext>
+            </a:extLst>
+          </p:cNvPr>
+          <p:cNvSpPr>
+            <a:spLocks noGrp="1" noRot="1" noChangeAspect="1" noMove="1" noResize="1" noEditPoints="1" noAdjustHandles="1" noChangeArrowheads="1" noChangeShapeType="1" noTextEdit="1"/>
+          </p:cNvSpPr>
+          <p:nvPr>
+            <p:extLst>
+              <p:ext uri="{386F3935-93C4-4BCD-93E2-E3B085C9AB24}">
+                <p16:designElem xmlns:p16="http://schemas.microsoft.com/office/powerpoint/2015/main" val="1"/>
+              </p:ext>
+            </p:extLst>
+          </p:nvPr>
+        </p:nvSpPr>
+        <p:spPr>
+          <a:xfrm>
+            <a:off x="0" y="0"/>
+            <a:ext cx="12192000" cy="6858000"/>
+          </a:xfrm>
+          <a:prstGeom prst="rect">
+            <a:avLst/>
+          </a:prstGeom>
+          <a:ln>
+            <a:noFill/>
+          </a:ln>
+        </p:spPr>
+        <p:style>
+          <a:lnRef idx="2">
+            <a:schemeClr val="accent1">
+              <a:shade val="50000"/>
+            </a:schemeClr>
+          </a:lnRef>
+          <a:fillRef idx="1">
+            <a:schemeClr val="accent1"/>
+          </a:fillRef>
+          <a:effectRef idx="0">
+            <a:schemeClr val="accent1"/>
+          </a:effectRef>
+          <a:fontRef idx="minor">
+            <a:schemeClr val="lt1"/>
+          </a:fontRef>
+        </p:style>
+        <p:txBody>
+          <a:bodyPr rtlCol="0" anchor="ctr"/>
+          <a:lstStyle/>
+          <a:p>
+            <a:pPr algn="ctr"/>
+            <a:endParaRPr lang="en-US"/>
+          </a:p>
+        </p:txBody>
+      </p:sp>
+      <p:pic>
+        <p:nvPicPr>
+          <p:cNvPr id="10" name="Picture 9" descr="A network of dots and lines&#10;&#10;Description automatically generated">
+            <a:extLst>
+              <a:ext uri="{FF2B5EF4-FFF2-40B4-BE49-F238E27FC236}">
+                <a16:creationId xmlns:a16="http://schemas.microsoft.com/office/drawing/2014/main" id="{E79F1182-75E5-C24E-759D-AC065F80698F}"/>
+              </a:ext>
+            </a:extLst>
+          </p:cNvPr>
+          <p:cNvPicPr>
+            <a:picLocks noChangeAspect="1"/>
+          </p:cNvPicPr>
+          <p:nvPr/>
+        </p:nvPicPr>
+        <p:blipFill rotWithShape="1">
+          <a:blip r:embed="rId3"/>
+          <a:srcRect t="28079" r="9089" b="-2"/>
+          <a:stretch/>
+        </p:blipFill>
+        <p:spPr>
+          <a:xfrm>
+            <a:off x="3523488" y="10"/>
+            <a:ext cx="8668512" cy="6857990"/>
+          </a:xfrm>
+          <a:prstGeom prst="rect">
+            <a:avLst/>
+          </a:prstGeom>
+        </p:spPr>
+      </p:pic>
+      <p:sp>
+        <p:nvSpPr>
+          <p:cNvPr id="17" name="Rectangle 16">
+            <a:extLst>
+              <a:ext uri="{FF2B5EF4-FFF2-40B4-BE49-F238E27FC236}">
+                <a16:creationId xmlns:a16="http://schemas.microsoft.com/office/drawing/2014/main" id="{AB58EF07-17C2-48CF-ABB0-EEF1F17CB8F0}"/>
+              </a:ext>
+              <a:ext uri="{C183D7F6-B498-43B3-948B-1728B52AA6E4}">
+                <adec:decorative xmlns:adec="http://schemas.microsoft.com/office/drawing/2017/decorative" val="1"/>
+              </a:ext>
+            </a:extLst>
+          </p:cNvPr>
+          <p:cNvSpPr>
+            <a:spLocks noGrp="1" noRot="1" noChangeAspect="1" noMove="1" noResize="1" noEditPoints="1" noAdjustHandles="1" noChangeArrowheads="1" noChangeShapeType="1" noTextEdit="1"/>
+          </p:cNvSpPr>
+          <p:nvPr>
+            <p:extLst>
+              <p:ext uri="{386F3935-93C4-4BCD-93E2-E3B085C9AB24}">
+                <p16:designElem xmlns:p16="http://schemas.microsoft.com/office/powerpoint/2015/main" val="1"/>
+              </p:ext>
+            </p:extLst>
+          </p:nvPr>
+        </p:nvSpPr>
+        <p:spPr>
+          <a:xfrm>
+            <a:off x="3" y="0"/>
+            <a:ext cx="9339206" cy="6858000"/>
+          </a:xfrm>
+          <a:prstGeom prst="rect">
+            <a:avLst/>
+          </a:prstGeom>
+          <a:gradFill>
+            <a:gsLst>
+              <a:gs pos="58000">
+                <a:schemeClr val="tx1"/>
+              </a:gs>
+              <a:gs pos="33000">
+                <a:schemeClr val="tx1">
+                  <a:alpha val="64000"/>
+                </a:schemeClr>
+              </a:gs>
+              <a:gs pos="0">
+                <a:schemeClr val="tx1">
+                  <a:alpha val="0"/>
+                </a:schemeClr>
+              </a:gs>
+              <a:gs pos="100000">
+                <a:schemeClr val="tx1"/>
+              </a:gs>
+            </a:gsLst>
+            <a:lin ang="10800000" scaled="0"/>
+          </a:gradFill>
+          <a:ln>
+            <a:noFill/>
+          </a:ln>
+        </p:spPr>
+        <p:style>
+          <a:lnRef idx="2">
+            <a:schemeClr val="accent1">
+              <a:shade val="50000"/>
+            </a:schemeClr>
+          </a:lnRef>
+          <a:fillRef idx="1">
+            <a:schemeClr val="accent1"/>
+          </a:fillRef>
+          <a:effectRef idx="0">
+            <a:schemeClr val="accent1"/>
+          </a:effectRef>
+          <a:fontRef idx="minor">
+            <a:schemeClr val="lt1"/>
+          </a:fontRef>
+        </p:style>
+        <p:txBody>
+          <a:bodyPr rtlCol="0" anchor="ctr"/>
+          <a:lstStyle/>
+          <a:p>
+            <a:pPr algn="ctr"/>
+            <a:endParaRPr lang="en-US" dirty="0"/>
+          </a:p>
+        </p:txBody>
+      </p:sp>
+      <p:sp>
+        <p:nvSpPr>
+          <p:cNvPr id="7" name="Title 6">
+            <a:extLst>
+              <a:ext uri="{FF2B5EF4-FFF2-40B4-BE49-F238E27FC236}">
+                <a16:creationId xmlns:a16="http://schemas.microsoft.com/office/drawing/2014/main" id="{065AE0F7-93B2-1A8E-F2A5-B1624E21DF6F}"/>
+              </a:ext>
+            </a:extLst>
+          </p:cNvPr>
+          <p:cNvSpPr>
+            <a:spLocks noGrp="1"/>
+          </p:cNvSpPr>
+          <p:nvPr>
+            <p:ph type="title"/>
+          </p:nvPr>
+        </p:nvSpPr>
+        <p:spPr>
+          <a:xfrm>
+            <a:off x="273794" y="0"/>
+            <a:ext cx="5052807" cy="3204134"/>
+          </a:xfrm>
+        </p:spPr>
+        <p:txBody>
+          <a:bodyPr vert="horz" lIns="91440" tIns="45720" rIns="91440" bIns="45720" rtlCol="0" anchor="b">
+            <a:normAutofit/>
+          </a:bodyPr>
+          <a:lstStyle/>
+          <a:p>
+            <a:r>
+              <a:rPr lang="en-US" sz="3700" dirty="0">
+                <a:solidFill>
+                  <a:schemeClr val="bg1"/>
+                </a:solidFill>
+              </a:rPr>
+              <a:t>Future Directions</a:t>
+            </a:r>
+          </a:p>
+        </p:txBody>
+      </p:sp>
+      <p:sp>
+        <p:nvSpPr>
+          <p:cNvPr id="19" name="Rectangle 18">
+            <a:extLst>
+              <a:ext uri="{FF2B5EF4-FFF2-40B4-BE49-F238E27FC236}">
+                <a16:creationId xmlns:a16="http://schemas.microsoft.com/office/drawing/2014/main" id="{AF2F604E-43BE-4DC3-B983-E071523364F8}"/>
+              </a:ext>
+              <a:ext uri="{C183D7F6-B498-43B3-948B-1728B52AA6E4}">
+                <adec:decorative xmlns:adec="http://schemas.microsoft.com/office/drawing/2017/decorative" val="1"/>
+              </a:ext>
+            </a:extLst>
+          </p:cNvPr>
+          <p:cNvSpPr>
+            <a:spLocks noGrp="1" noRot="1" noChangeAspect="1" noMove="1" noResize="1" noEditPoints="1" noAdjustHandles="1" noChangeArrowheads="1" noChangeShapeType="1" noTextEdit="1"/>
+          </p:cNvSpPr>
+          <p:nvPr>
+            <p:extLst>
+              <p:ext uri="{386F3935-93C4-4BCD-93E2-E3B085C9AB24}">
+                <p16:designElem xmlns:p16="http://schemas.microsoft.com/office/powerpoint/2015/main" val="1"/>
+              </p:ext>
+            </p:extLst>
+          </p:nvPr>
+        </p:nvSpPr>
+        <p:spPr>
+          <a:xfrm rot="5400000">
+            <a:off x="759921" y="346791"/>
+            <a:ext cx="146304" cy="704088"/>
+          </a:xfrm>
+          <a:prstGeom prst="rect">
+            <a:avLst/>
+          </a:prstGeom>
+          <a:solidFill>
+            <a:schemeClr val="accent2"/>
+          </a:solidFill>
+          <a:ln>
+            <a:noFill/>
+          </a:ln>
+        </p:spPr>
+        <p:style>
+          <a:lnRef idx="2">
+            <a:schemeClr val="accent1">
+              <a:shade val="50000"/>
+            </a:schemeClr>
+          </a:lnRef>
+          <a:fillRef idx="1">
+            <a:schemeClr val="accent1"/>
+          </a:fillRef>
+          <a:effectRef idx="0">
+            <a:schemeClr val="accent1"/>
+          </a:effectRef>
+          <a:fontRef idx="minor">
+            <a:schemeClr val="lt1"/>
+          </a:fontRef>
+        </p:style>
+        <p:txBody>
+          <a:bodyPr rtlCol="0" anchor="ctr"/>
+          <a:lstStyle/>
+          <a:p>
+            <a:pPr algn="ctr"/>
+            <a:endParaRPr lang="en-US">
+              <a:solidFill>
+                <a:prstClr val="white"/>
+              </a:solidFill>
+              <a:latin typeface="Calibri" panose="020F0502020204030204"/>
+            </a:endParaRPr>
+          </a:p>
+        </p:txBody>
+      </p:sp>
+      <p:sp>
+        <p:nvSpPr>
+          <p:cNvPr id="21" name="Rectangle 20">
+            <a:extLst>
+              <a:ext uri="{FF2B5EF4-FFF2-40B4-BE49-F238E27FC236}">
+                <a16:creationId xmlns:a16="http://schemas.microsoft.com/office/drawing/2014/main" id="{08C9B587-E65E-4B52-B37C-ABEBB6E87928}"/>
+              </a:ext>
+              <a:ext uri="{C183D7F6-B498-43B3-948B-1728B52AA6E4}">
+                <adec:decorative xmlns:adec="http://schemas.microsoft.com/office/drawing/2017/decorative" val="1"/>
+              </a:ext>
+            </a:extLst>
+          </p:cNvPr>
+          <p:cNvSpPr>
+            <a:spLocks noGrp="1" noRot="1" noChangeAspect="1" noMove="1" noResize="1" noEditPoints="1" noAdjustHandles="1" noChangeArrowheads="1" noChangeShapeType="1" noTextEdit="1"/>
+          </p:cNvSpPr>
+          <p:nvPr>
+            <p:extLst>
+              <p:ext uri="{386F3935-93C4-4BCD-93E2-E3B085C9AB24}">
+                <p16:designElem xmlns:p16="http://schemas.microsoft.com/office/powerpoint/2015/main" val="1"/>
+              </p:ext>
+            </p:extLst>
+          </p:nvPr>
+        </p:nvSpPr>
+        <p:spPr>
+          <a:xfrm>
+            <a:off x="481029" y="4546920"/>
+            <a:ext cx="3977640" cy="18288"/>
+          </a:xfrm>
+          <a:prstGeom prst="rect">
+            <a:avLst/>
+          </a:prstGeom>
+          <a:solidFill>
+            <a:schemeClr val="tx1"/>
+          </a:solidFill>
+          <a:ln w="3175">
+            <a:noFill/>
+          </a:ln>
+          <a:effectLst/>
+        </p:spPr>
+        <p:style>
+          <a:lnRef idx="2">
+            <a:schemeClr val="accent1">
+              <a:shade val="50000"/>
+            </a:schemeClr>
+          </a:lnRef>
+          <a:fillRef idx="1">
+            <a:schemeClr val="accent1"/>
+          </a:fillRef>
+          <a:effectRef idx="0">
+            <a:schemeClr val="accent1"/>
+          </a:effectRef>
+          <a:fontRef idx="minor">
+            <a:schemeClr val="lt1"/>
+          </a:fontRef>
+        </p:style>
+        <p:txBody>
+          <a:bodyPr rtlCol="0" anchor="ctr"/>
+          <a:lstStyle/>
+          <a:p>
+            <a:pPr marL="0" marR="0" lvl="0" indent="0" algn="ctr" defTabSz="914400" rtl="0" eaLnBrk="1" fontAlgn="auto" latinLnBrk="0" hangingPunct="1">
+              <a:lnSpc>
+                <a:spcPct val="100000"/>
+              </a:lnSpc>
+              <a:spcBef>
+                <a:spcPts val="0"/>
+              </a:spcBef>
+              <a:spcAft>
+                <a:spcPts val="0"/>
+              </a:spcAft>
+              <a:buClrTx/>
+              <a:buSzTx/>
+              <a:buFontTx/>
+              <a:buNone/>
+              <a:tabLst/>
+              <a:defRPr/>
+            </a:pPr>
+            <a:endParaRPr kumimoji="0" lang="en-US" sz="1800" b="0" i="0" u="none" strike="noStrike" kern="1200" cap="none" spc="0" normalizeH="0" baseline="0" noProof="0">
+              <a:ln>
+                <a:noFill/>
+              </a:ln>
+              <a:solidFill>
+                <a:prstClr val="white"/>
+              </a:solidFill>
+              <a:effectLst/>
+              <a:uLnTx/>
+              <a:uFillTx/>
+              <a:latin typeface="Calibri" panose="020F0502020204030204"/>
+              <a:ea typeface="+mn-ea"/>
+              <a:cs typeface="+mn-cs"/>
+            </a:endParaRPr>
+          </a:p>
+        </p:txBody>
+      </p:sp>
+    </p:spTree>
+    <p:extLst>
+      <p:ext uri="{BB962C8B-B14F-4D97-AF65-F5344CB8AC3E}">
+        <p14:creationId xmlns:p14="http://schemas.microsoft.com/office/powerpoint/2010/main" val="1593815460"/>
+      </p:ext>
+    </p:extLst>
+  </p:cSld>
+  <p:clrMapOvr>
+    <a:masterClrMapping/>
+  </p:clrMapOvr>
+</p:sld>
+</file>
+
+<file path=ppt/slides/slide22.xml><?xml version="1.0" encoding="utf-8"?>
+<p:sld xmlns:a="http://schemas.openxmlformats.org/drawingml/2006/main" xmlns:r="http://schemas.openxmlformats.org/officeDocument/2006/relationships" xmlns:p="http://schemas.openxmlformats.org/presentationml/2006/main">
+  <p:cSld>
+    <p:spTree>
+      <p:nvGrpSpPr>
+        <p:cNvPr id="1" name=""/>
+        <p:cNvGrpSpPr/>
+        <p:nvPr/>
+      </p:nvGrpSpPr>
+      <p:grpSpPr>
+        <a:xfrm>
+          <a:off x="0" y="0"/>
+          <a:ext cx="0" cy="0"/>
+          <a:chOff x="0" y="0"/>
+          <a:chExt cx="0" cy="0"/>
+        </a:xfrm>
+      </p:grpSpPr>
+      <p:sp>
+        <p:nvSpPr>
+          <p:cNvPr id="4" name="TextBox 3">
+            <a:extLst>
+              <a:ext uri="{FF2B5EF4-FFF2-40B4-BE49-F238E27FC236}">
+                <a16:creationId xmlns:a16="http://schemas.microsoft.com/office/drawing/2014/main" id="{DC56EAB6-F612-3328-7775-864528108772}"/>
+              </a:ext>
+            </a:extLst>
+          </p:cNvPr>
+          <p:cNvSpPr txBox="1"/>
+          <p:nvPr/>
+        </p:nvSpPr>
+        <p:spPr>
+          <a:xfrm>
+            <a:off x="3036162" y="612559"/>
+            <a:ext cx="5459768" cy="5509200"/>
+          </a:xfrm>
+          <a:prstGeom prst="rect">
+            <a:avLst/>
+          </a:prstGeom>
+          <a:noFill/>
+        </p:spPr>
+        <p:txBody>
+          <a:bodyPr wrap="square" rtlCol="0">
+            <a:spAutoFit/>
+          </a:bodyPr>
+          <a:lstStyle/>
+          <a:p>
+            <a:r>
+              <a:rPr lang="en-AU" sz="2800" b="1" dirty="0"/>
+              <a:t>Future Directions:</a:t>
+            </a:r>
+          </a:p>
+          <a:p>
+            <a:r>
+              <a:rPr lang="en-AU" sz="2400" b="0" i="0" dirty="0">
+                <a:solidFill>
+                  <a:srgbClr val="1D1C1D"/>
+                </a:solidFill>
+                <a:effectLst/>
+                <a:latin typeface="Slack-Lato"/>
+              </a:rPr>
+              <a:t>1. Time series analysis could help to identify whether COVID-19, or another factor (e.g., local industrial policies), influences the proportions of tech workers reporting MH issues.</a:t>
+            </a:r>
+          </a:p>
+          <a:p>
+            <a:r>
+              <a:rPr lang="en-AU" sz="2400" b="0" i="0" dirty="0">
+                <a:solidFill>
+                  <a:srgbClr val="1D1C1D"/>
+                </a:solidFill>
+                <a:effectLst/>
+                <a:latin typeface="Slack-Lato"/>
+              </a:rPr>
+              <a:t>2. Using a dimensional approach to determine MH issues (e.g., scores on a MH screener) would provide greater statistical power.</a:t>
+            </a:r>
+          </a:p>
+          <a:p>
+            <a:r>
+              <a:rPr lang="en-AU" sz="2400" dirty="0">
+                <a:solidFill>
+                  <a:srgbClr val="1D1C1D"/>
+                </a:solidFill>
+                <a:latin typeface="Slack-Lato"/>
+              </a:rPr>
+              <a:t>3. Development of a standardised data dictionary for comparison from previous years.  </a:t>
+            </a:r>
+            <a:endParaRPr lang="en-AU" sz="2400" b="0" i="0" dirty="0">
+              <a:solidFill>
+                <a:srgbClr val="1D1C1D"/>
+              </a:solidFill>
+              <a:effectLst/>
+              <a:latin typeface="Slack-Lato"/>
+            </a:endParaRPr>
+          </a:p>
+          <a:p>
+            <a:endParaRPr lang="en-AU" dirty="0"/>
+          </a:p>
+          <a:p>
+            <a:endParaRPr lang="en-AU" dirty="0"/>
+          </a:p>
+        </p:txBody>
+      </p:sp>
+    </p:spTree>
+    <p:extLst>
+      <p:ext uri="{BB962C8B-B14F-4D97-AF65-F5344CB8AC3E}">
+        <p14:creationId xmlns:p14="http://schemas.microsoft.com/office/powerpoint/2010/main" val="770550646"/>
+      </p:ext>
+    </p:extLst>
+  </p:cSld>
+  <p:clrMapOvr>
+    <a:masterClrMapping/>
+  </p:clrMapOvr>
+</p:sld>
+</file>
+
+<file path=ppt/slides/slide3.xml><?xml version="1.0" encoding="utf-8"?>
+<p:sld xmlns:a="http://schemas.openxmlformats.org/drawingml/2006/main" xmlns:r="http://schemas.openxmlformats.org/officeDocument/2006/relationships" xmlns:p="http://schemas.openxmlformats.org/presentationml/2006/main">
+  <p:cSld>
+    <p:spTree>
+      <p:nvGrpSpPr>
+        <p:cNvPr id="1" name=""/>
+        <p:cNvGrpSpPr/>
+        <p:nvPr/>
+      </p:nvGrpSpPr>
+      <p:grpSpPr>
+        <a:xfrm>
+          <a:off x="0" y="0"/>
+          <a:ext cx="0" cy="0"/>
+          <a:chOff x="0" y="0"/>
+          <a:chExt cx="0" cy="0"/>
+        </a:xfrm>
+      </p:grpSpPr>
+      <p:sp>
+        <p:nvSpPr>
+          <p:cNvPr id="4" name="TextBox 3">
+            <a:extLst>
+              <a:ext uri="{FF2B5EF4-FFF2-40B4-BE49-F238E27FC236}">
+                <a16:creationId xmlns:a16="http://schemas.microsoft.com/office/drawing/2014/main" id="{304EB87E-97F4-FB2F-D53F-AD9D46C4F7B7}"/>
+              </a:ext>
+            </a:extLst>
+          </p:cNvPr>
+          <p:cNvSpPr txBox="1"/>
+          <p:nvPr/>
+        </p:nvSpPr>
+        <p:spPr>
+          <a:xfrm>
+            <a:off x="2867487" y="1145219"/>
+            <a:ext cx="6622742" cy="5078313"/>
+          </a:xfrm>
+          <a:prstGeom prst="rect">
+            <a:avLst/>
+          </a:prstGeom>
+          <a:noFill/>
+        </p:spPr>
+        <p:txBody>
+          <a:bodyPr wrap="square" rtlCol="0">
+            <a:spAutoFit/>
+          </a:bodyPr>
+          <a:lstStyle/>
+          <a:p>
+            <a:r>
+              <a:rPr lang="en-AU" b="1" dirty="0"/>
+              <a:t>Methods/Approach:</a:t>
+            </a:r>
+          </a:p>
+          <a:p>
+            <a:pPr marL="285750" indent="-285750">
+              <a:buFontTx/>
+              <a:buChar char="-"/>
+            </a:pPr>
+            <a:r>
+              <a:rPr lang="en-AU" dirty="0"/>
+              <a:t>Initial import from .csv file into Pandas Data frame for each individual year.</a:t>
+            </a:r>
+          </a:p>
+          <a:p>
+            <a:pPr marL="285750" indent="-285750">
+              <a:buFontTx/>
+              <a:buChar char="-"/>
+            </a:pPr>
+            <a:r>
+              <a:rPr lang="en-AU" dirty="0"/>
+              <a:t>Each specific columns were selected via filter which would answer our hypothesis questions. </a:t>
+            </a:r>
+          </a:p>
+          <a:p>
+            <a:pPr marL="285750" indent="-285750">
+              <a:buFontTx/>
+              <a:buChar char="-"/>
+            </a:pPr>
+            <a:r>
+              <a:rPr lang="en-AU" dirty="0"/>
+              <a:t>2014 data was completely different in data structure, so this was analysed separately. 1259 respondents were in this dataset.</a:t>
+            </a:r>
+          </a:p>
+          <a:p>
+            <a:pPr marL="285750" indent="-285750">
+              <a:buFontTx/>
+              <a:buChar char="-"/>
+            </a:pPr>
+            <a:r>
+              <a:rPr lang="en-AU" dirty="0"/>
+              <a:t>2020 to 2022 was merged as these datasets were similar in structure and could be analysed as one dataset. This merged dataset had initially 475 respondents, but this was filtered down to “current” Tech Workers which reduced down to 255 responses.</a:t>
+            </a:r>
+          </a:p>
+          <a:p>
+            <a:pPr marL="285750" indent="-285750">
+              <a:buFontTx/>
+              <a:buChar char="-"/>
+            </a:pPr>
+            <a:r>
+              <a:rPr lang="en-AU" dirty="0"/>
+              <a:t>Proportion based approach was used as there was different responses pre and post covid, this data was then compared statistically using Chi2 analysis.</a:t>
+            </a:r>
+          </a:p>
+          <a:p>
+            <a:endParaRPr lang="en-AU" dirty="0"/>
+          </a:p>
+          <a:p>
+            <a:endParaRPr lang="en-AU" dirty="0"/>
+          </a:p>
+        </p:txBody>
+      </p:sp>
+    </p:spTree>
+    <p:extLst>
+      <p:ext uri="{BB962C8B-B14F-4D97-AF65-F5344CB8AC3E}">
+        <p14:creationId xmlns:p14="http://schemas.microsoft.com/office/powerpoint/2010/main" val="574592012"/>
+      </p:ext>
+    </p:extLst>
+  </p:cSld>
+  <p:clrMapOvr>
+    <a:masterClrMapping/>
+  </p:clrMapOvr>
+</p:sld>
+</file>
+
+<file path=ppt/slides/slide4.xml><?xml version="1.0" encoding="utf-8"?>
+<p:sld xmlns:a="http://schemas.openxmlformats.org/drawingml/2006/main" xmlns:r="http://schemas.openxmlformats.org/officeDocument/2006/relationships" xmlns:p="http://schemas.openxmlformats.org/presentationml/2006/main">
+  <p:cSld>
+    <p:bg>
+      <p:bgPr>
+        <a:solidFill>
+          <a:schemeClr val="bg1"/>
+        </a:solidFill>
+        <a:effectLst/>
+      </p:bgPr>
+    </p:bg>
+    <p:spTree>
+      <p:nvGrpSpPr>
+        <p:cNvPr id="1" name=""/>
+        <p:cNvGrpSpPr/>
+        <p:nvPr/>
+      </p:nvGrpSpPr>
+      <p:grpSpPr>
+        <a:xfrm>
+          <a:off x="0" y="0"/>
+          <a:ext cx="0" cy="0"/>
+          <a:chOff x="0" y="0"/>
+          <a:chExt cx="0" cy="0"/>
+        </a:xfrm>
+      </p:grpSpPr>
+      <p:sp useBgFill="1">
+        <p:nvSpPr>
+          <p:cNvPr id="23" name="Rectangle 22">
+            <a:extLst>
+              <a:ext uri="{FF2B5EF4-FFF2-40B4-BE49-F238E27FC236}">
+                <a16:creationId xmlns:a16="http://schemas.microsoft.com/office/drawing/2014/main" id="{0671A8AE-40A1-4631-A6B8-581AFF065482}"/>
+              </a:ext>
+              <a:ext uri="{C183D7F6-B498-43B3-948B-1728B52AA6E4}">
+                <adec:decorative xmlns:adec="http://schemas.microsoft.com/office/drawing/2017/decorative" val="1"/>
+              </a:ext>
+            </a:extLst>
+          </p:cNvPr>
+          <p:cNvSpPr>
+            <a:spLocks noGrp="1" noRot="1" noChangeAspect="1" noMove="1" noResize="1" noEditPoints="1" noAdjustHandles="1" noChangeArrowheads="1" noChangeShapeType="1" noTextEdit="1"/>
+          </p:cNvSpPr>
+          <p:nvPr>
+            <p:extLst>
+              <p:ext uri="{386F3935-93C4-4BCD-93E2-E3B085C9AB24}">
+                <p16:designElem xmlns:p16="http://schemas.microsoft.com/office/powerpoint/2015/main" val="1"/>
+              </p:ext>
+            </p:extLst>
+          </p:nvPr>
+        </p:nvSpPr>
+        <p:spPr>
+          <a:xfrm>
+            <a:off x="0" y="0"/>
+            <a:ext cx="12192000" cy="6858000"/>
+          </a:xfrm>
+          <a:prstGeom prst="rect">
+            <a:avLst/>
+          </a:prstGeom>
+          <a:ln>
+            <a:noFill/>
+          </a:ln>
+        </p:spPr>
+        <p:style>
+          <a:lnRef idx="2">
+            <a:schemeClr val="accent1">
+              <a:shade val="50000"/>
+            </a:schemeClr>
+          </a:lnRef>
+          <a:fillRef idx="1">
+            <a:schemeClr val="accent1"/>
+          </a:fillRef>
+          <a:effectRef idx="0">
+            <a:schemeClr val="accent1"/>
+          </a:effectRef>
+          <a:fontRef idx="minor">
+            <a:schemeClr val="lt1"/>
+          </a:fontRef>
+        </p:style>
+        <p:txBody>
+          <a:bodyPr rtlCol="0" anchor="ctr"/>
+          <a:lstStyle/>
+          <a:p>
+            <a:pPr algn="ctr"/>
+            <a:endParaRPr lang="en-US"/>
+          </a:p>
+        </p:txBody>
+      </p:sp>
+      <p:pic>
+        <p:nvPicPr>
+          <p:cNvPr id="10" name="Picture 9" descr="A network of dots and lines&#10;&#10;Description automatically generated">
+            <a:extLst>
+              <a:ext uri="{FF2B5EF4-FFF2-40B4-BE49-F238E27FC236}">
+                <a16:creationId xmlns:a16="http://schemas.microsoft.com/office/drawing/2014/main" id="{E79F1182-75E5-C24E-759D-AC065F80698F}"/>
+              </a:ext>
+            </a:extLst>
+          </p:cNvPr>
+          <p:cNvPicPr>
+            <a:picLocks noChangeAspect="1"/>
+          </p:cNvPicPr>
+          <p:nvPr/>
+        </p:nvPicPr>
+        <p:blipFill rotWithShape="1">
+          <a:blip r:embed="rId3"/>
+          <a:srcRect t="28079" r="9089" b="-2"/>
+          <a:stretch/>
+        </p:blipFill>
+        <p:spPr>
+          <a:xfrm>
+            <a:off x="3523488" y="10"/>
+            <a:ext cx="8668512" cy="6857990"/>
+          </a:xfrm>
+          <a:prstGeom prst="rect">
+            <a:avLst/>
+          </a:prstGeom>
+        </p:spPr>
+      </p:pic>
+      <p:sp>
+        <p:nvSpPr>
+          <p:cNvPr id="25" name="Rectangle 24">
+            <a:extLst>
+              <a:ext uri="{FF2B5EF4-FFF2-40B4-BE49-F238E27FC236}">
+                <a16:creationId xmlns:a16="http://schemas.microsoft.com/office/drawing/2014/main" id="{AB58EF07-17C2-48CF-ABB0-EEF1F17CB8F0}"/>
+              </a:ext>
+              <a:ext uri="{C183D7F6-B498-43B3-948B-1728B52AA6E4}">
+                <adec:decorative xmlns:adec="http://schemas.microsoft.com/office/drawing/2017/decorative" val="1"/>
+              </a:ext>
+            </a:extLst>
+          </p:cNvPr>
+          <p:cNvSpPr>
+            <a:spLocks noGrp="1" noRot="1" noChangeAspect="1" noMove="1" noResize="1" noEditPoints="1" noAdjustHandles="1" noChangeArrowheads="1" noChangeShapeType="1" noTextEdit="1"/>
+          </p:cNvSpPr>
+          <p:nvPr>
+            <p:extLst>
+              <p:ext uri="{386F3935-93C4-4BCD-93E2-E3B085C9AB24}">
+                <p16:designElem xmlns:p16="http://schemas.microsoft.com/office/powerpoint/2015/main" val="1"/>
+              </p:ext>
+            </p:extLst>
+          </p:nvPr>
+        </p:nvSpPr>
+        <p:spPr>
+          <a:xfrm>
+            <a:off x="3" y="0"/>
+            <a:ext cx="9339206" cy="6858000"/>
+          </a:xfrm>
+          <a:prstGeom prst="rect">
+            <a:avLst/>
+          </a:prstGeom>
+          <a:gradFill>
+            <a:gsLst>
+              <a:gs pos="58000">
+                <a:schemeClr val="tx1"/>
+              </a:gs>
+              <a:gs pos="33000">
+                <a:schemeClr val="tx1">
+                  <a:alpha val="64000"/>
+                </a:schemeClr>
+              </a:gs>
+              <a:gs pos="0">
+                <a:schemeClr val="tx1">
+                  <a:alpha val="0"/>
+                </a:schemeClr>
+              </a:gs>
+              <a:gs pos="100000">
+                <a:schemeClr val="tx1"/>
+              </a:gs>
+            </a:gsLst>
+            <a:lin ang="10800000" scaled="0"/>
+          </a:gradFill>
+          <a:ln>
+            <a:noFill/>
+          </a:ln>
+        </p:spPr>
+        <p:style>
+          <a:lnRef idx="2">
+            <a:schemeClr val="accent1">
+              <a:shade val="50000"/>
+            </a:schemeClr>
+          </a:lnRef>
+          <a:fillRef idx="1">
+            <a:schemeClr val="accent1"/>
+          </a:fillRef>
+          <a:effectRef idx="0">
+            <a:schemeClr val="accent1"/>
+          </a:effectRef>
+          <a:fontRef idx="minor">
+            <a:schemeClr val="lt1"/>
+          </a:fontRef>
+        </p:style>
+        <p:txBody>
+          <a:bodyPr rtlCol="0" anchor="ctr"/>
+          <a:lstStyle/>
+          <a:p>
+            <a:pPr algn="ctr"/>
+            <a:endParaRPr lang="en-US" dirty="0"/>
+          </a:p>
+        </p:txBody>
+      </p:sp>
+      <p:sp>
+        <p:nvSpPr>
+          <p:cNvPr id="7" name="Title 6">
+            <a:extLst>
+              <a:ext uri="{FF2B5EF4-FFF2-40B4-BE49-F238E27FC236}">
+                <a16:creationId xmlns:a16="http://schemas.microsoft.com/office/drawing/2014/main" id="{065AE0F7-93B2-1A8E-F2A5-B1624E21DF6F}"/>
+              </a:ext>
+            </a:extLst>
+          </p:cNvPr>
+          <p:cNvSpPr>
+            <a:spLocks noGrp="1"/>
+          </p:cNvSpPr>
+          <p:nvPr>
+            <p:ph type="title"/>
+          </p:nvPr>
+        </p:nvSpPr>
+        <p:spPr>
+          <a:xfrm>
+            <a:off x="477981" y="1260630"/>
+            <a:ext cx="5221483" cy="3882613"/>
+          </a:xfrm>
+        </p:spPr>
+        <p:txBody>
+          <a:bodyPr vert="horz" lIns="91440" tIns="45720" rIns="91440" bIns="45720" rtlCol="0" anchor="b">
+            <a:noAutofit/>
+          </a:bodyPr>
+          <a:lstStyle/>
+          <a:p>
+            <a:pPr algn="l">
+              <a:buFont typeface="+mj-lt"/>
+              <a:buAutoNum type="arabicPeriod"/>
+            </a:pPr>
+            <a:r>
+              <a:rPr lang="en-AU" sz="4400" b="0" i="0" dirty="0">
+                <a:solidFill>
+                  <a:schemeClr val="bg1"/>
+                </a:solidFill>
+                <a:effectLst/>
+                <a:latin typeface="-apple-system"/>
+              </a:rPr>
+              <a:t>What is the self-reported prevalence of mental health conditions amongst tech industry workers.</a:t>
+            </a:r>
+          </a:p>
+        </p:txBody>
+      </p:sp>
+      <p:sp>
+        <p:nvSpPr>
+          <p:cNvPr id="27" name="Rectangle 26">
+            <a:extLst>
+              <a:ext uri="{FF2B5EF4-FFF2-40B4-BE49-F238E27FC236}">
+                <a16:creationId xmlns:a16="http://schemas.microsoft.com/office/drawing/2014/main" id="{AF2F604E-43BE-4DC3-B983-E071523364F8}"/>
+              </a:ext>
+              <a:ext uri="{C183D7F6-B498-43B3-948B-1728B52AA6E4}">
+                <adec:decorative xmlns:adec="http://schemas.microsoft.com/office/drawing/2017/decorative" val="1"/>
+              </a:ext>
+            </a:extLst>
+          </p:cNvPr>
+          <p:cNvSpPr>
+            <a:spLocks noGrp="1" noRot="1" noChangeAspect="1" noMove="1" noResize="1" noEditPoints="1" noAdjustHandles="1" noChangeArrowheads="1" noChangeShapeType="1" noTextEdit="1"/>
+          </p:cNvSpPr>
+          <p:nvPr>
+            <p:extLst>
+              <p:ext uri="{386F3935-93C4-4BCD-93E2-E3B085C9AB24}">
+                <p16:designElem xmlns:p16="http://schemas.microsoft.com/office/powerpoint/2015/main" val="1"/>
+              </p:ext>
+            </p:extLst>
+          </p:nvPr>
+        </p:nvSpPr>
+        <p:spPr>
+          <a:xfrm rot="5400000">
+            <a:off x="759921" y="346791"/>
+            <a:ext cx="146304" cy="704088"/>
+          </a:xfrm>
+          <a:prstGeom prst="rect">
+            <a:avLst/>
+          </a:prstGeom>
+          <a:solidFill>
+            <a:schemeClr val="accent2"/>
+          </a:solidFill>
+          <a:ln>
+            <a:noFill/>
+          </a:ln>
+        </p:spPr>
+        <p:style>
+          <a:lnRef idx="2">
+            <a:schemeClr val="accent1">
+              <a:shade val="50000"/>
+            </a:schemeClr>
+          </a:lnRef>
+          <a:fillRef idx="1">
+            <a:schemeClr val="accent1"/>
+          </a:fillRef>
+          <a:effectRef idx="0">
+            <a:schemeClr val="accent1"/>
+          </a:effectRef>
+          <a:fontRef idx="minor">
+            <a:schemeClr val="lt1"/>
+          </a:fontRef>
+        </p:style>
+        <p:txBody>
+          <a:bodyPr rtlCol="0" anchor="ctr"/>
+          <a:lstStyle/>
+          <a:p>
+            <a:pPr algn="ctr"/>
+            <a:endParaRPr lang="en-US">
+              <a:solidFill>
+                <a:prstClr val="white"/>
+              </a:solidFill>
+              <a:latin typeface="Calibri" panose="020F0502020204030204"/>
+            </a:endParaRPr>
+          </a:p>
+        </p:txBody>
+      </p:sp>
+      <p:sp>
+        <p:nvSpPr>
+          <p:cNvPr id="29" name="Rectangle 28">
+            <a:extLst>
+              <a:ext uri="{FF2B5EF4-FFF2-40B4-BE49-F238E27FC236}">
+                <a16:creationId xmlns:a16="http://schemas.microsoft.com/office/drawing/2014/main" id="{08C9B587-E65E-4B52-B37C-ABEBB6E87928}"/>
+              </a:ext>
+              <a:ext uri="{C183D7F6-B498-43B3-948B-1728B52AA6E4}">
+                <adec:decorative xmlns:adec="http://schemas.microsoft.com/office/drawing/2017/decorative" val="1"/>
+              </a:ext>
+            </a:extLst>
+          </p:cNvPr>
+          <p:cNvSpPr>
+            <a:spLocks noGrp="1" noRot="1" noChangeAspect="1" noMove="1" noResize="1" noEditPoints="1" noAdjustHandles="1" noChangeArrowheads="1" noChangeShapeType="1" noTextEdit="1"/>
+          </p:cNvSpPr>
+          <p:nvPr>
+            <p:extLst>
+              <p:ext uri="{386F3935-93C4-4BCD-93E2-E3B085C9AB24}">
+                <p16:designElem xmlns:p16="http://schemas.microsoft.com/office/powerpoint/2015/main" val="1"/>
+              </p:ext>
+            </p:extLst>
+          </p:nvPr>
+        </p:nvSpPr>
+        <p:spPr>
+          <a:xfrm>
+            <a:off x="481029" y="4546920"/>
+            <a:ext cx="3977640" cy="18288"/>
+          </a:xfrm>
+          <a:prstGeom prst="rect">
+            <a:avLst/>
+          </a:prstGeom>
+          <a:solidFill>
+            <a:schemeClr val="tx1"/>
+          </a:solidFill>
+          <a:ln w="3175">
+            <a:noFill/>
+          </a:ln>
+          <a:effectLst/>
+        </p:spPr>
+        <p:style>
+          <a:lnRef idx="2">
+            <a:schemeClr val="accent1">
+              <a:shade val="50000"/>
+            </a:schemeClr>
+          </a:lnRef>
+          <a:fillRef idx="1">
+            <a:schemeClr val="accent1"/>
+          </a:fillRef>
+          <a:effectRef idx="0">
+            <a:schemeClr val="accent1"/>
+          </a:effectRef>
+          <a:fontRef idx="minor">
+            <a:schemeClr val="lt1"/>
+          </a:fontRef>
+        </p:style>
+        <p:txBody>
+          <a:bodyPr rtlCol="0" anchor="ctr"/>
+          <a:lstStyle/>
+          <a:p>
+            <a:pPr marL="0" marR="0" lvl="0" indent="0" algn="ctr" defTabSz="914400" rtl="0" eaLnBrk="1" fontAlgn="auto" latinLnBrk="0" hangingPunct="1">
+              <a:lnSpc>
+                <a:spcPct val="100000"/>
+              </a:lnSpc>
+              <a:spcBef>
+                <a:spcPts val="0"/>
+              </a:spcBef>
+              <a:spcAft>
+                <a:spcPts val="0"/>
+              </a:spcAft>
+              <a:buClrTx/>
+              <a:buSzTx/>
+              <a:buFontTx/>
+              <a:buNone/>
+              <a:tabLst/>
+              <a:defRPr/>
+            </a:pPr>
+            <a:endParaRPr kumimoji="0" lang="en-US" sz="1800" b="0" i="0" u="none" strike="noStrike" kern="1200" cap="none" spc="0" normalizeH="0" baseline="0" noProof="0">
+              <a:ln>
+                <a:noFill/>
+              </a:ln>
+              <a:solidFill>
+                <a:prstClr val="white"/>
+              </a:solidFill>
+              <a:effectLst/>
+              <a:uLnTx/>
+              <a:uFillTx/>
+              <a:latin typeface="Calibri" panose="020F0502020204030204"/>
+              <a:ea typeface="+mn-ea"/>
+              <a:cs typeface="+mn-cs"/>
+            </a:endParaRPr>
+          </a:p>
+        </p:txBody>
+      </p:sp>
+    </p:spTree>
+    <p:extLst>
+      <p:ext uri="{BB962C8B-B14F-4D97-AF65-F5344CB8AC3E}">
+        <p14:creationId xmlns:p14="http://schemas.microsoft.com/office/powerpoint/2010/main" val="387146428"/>
+      </p:ext>
+    </p:extLst>
+  </p:cSld>
+  <p:clrMapOvr>
+    <a:masterClrMapping/>
+  </p:clrMapOvr>
+</p:sld>
+</file>
+
+<file path=ppt/slides/slide5.xml><?xml version="1.0" encoding="utf-8"?>
+<p:sld xmlns:a="http://schemas.openxmlformats.org/drawingml/2006/main" xmlns:r="http://schemas.openxmlformats.org/officeDocument/2006/relationships" xmlns:p="http://schemas.openxmlformats.org/presentationml/2006/main">
+  <p:cSld>
+    <p:spTree>
+      <p:nvGrpSpPr>
+        <p:cNvPr id="1" name=""/>
+        <p:cNvGrpSpPr/>
+        <p:nvPr/>
+      </p:nvGrpSpPr>
+      <p:grpSpPr>
+        <a:xfrm>
+          <a:off x="0" y="0"/>
+          <a:ext cx="0" cy="0"/>
+          <a:chOff x="0" y="0"/>
+          <a:chExt cx="0" cy="0"/>
+        </a:xfrm>
+      </p:grpSpPr>
+      <p:sp>
+        <p:nvSpPr>
+          <p:cNvPr id="3" name="Text Placeholder 2">
+            <a:extLst>
+              <a:ext uri="{FF2B5EF4-FFF2-40B4-BE49-F238E27FC236}">
+                <a16:creationId xmlns:a16="http://schemas.microsoft.com/office/drawing/2014/main" id="{244C3115-AEE6-1F21-2DFF-E29C0CF38048}"/>
+              </a:ext>
+            </a:extLst>
+          </p:cNvPr>
+          <p:cNvSpPr>
+            <a:spLocks noGrp="1"/>
+          </p:cNvSpPr>
+          <p:nvPr>
+            <p:ph type="body" idx="1"/>
+          </p:nvPr>
+        </p:nvSpPr>
+        <p:spPr>
+          <a:xfrm>
+            <a:off x="836612" y="559374"/>
+            <a:ext cx="5157787" cy="414337"/>
+          </a:xfrm>
+        </p:spPr>
+        <p:txBody>
+          <a:bodyPr>
+            <a:normAutofit lnSpcReduction="10000"/>
+          </a:bodyPr>
+          <a:lstStyle/>
+          <a:p>
+            <a:r>
+              <a:rPr lang="en-AU" dirty="0"/>
+              <a:t>Pre-Pandemic, 2014:</a:t>
+            </a:r>
+          </a:p>
+        </p:txBody>
+      </p:sp>
+      <p:sp>
+        <p:nvSpPr>
+          <p:cNvPr id="6" name="Text Placeholder 5">
+            <a:extLst>
+              <a:ext uri="{FF2B5EF4-FFF2-40B4-BE49-F238E27FC236}">
+                <a16:creationId xmlns:a16="http://schemas.microsoft.com/office/drawing/2014/main" id="{0FC6038A-C89F-D1DF-BB6B-44040D7C6A5E}"/>
+              </a:ext>
+            </a:extLst>
+          </p:cNvPr>
+          <p:cNvSpPr>
+            <a:spLocks noGrp="1"/>
+          </p:cNvSpPr>
+          <p:nvPr>
+            <p:ph type="body" sz="quarter" idx="3"/>
+          </p:nvPr>
+        </p:nvSpPr>
+        <p:spPr>
+          <a:xfrm>
+            <a:off x="6718955" y="559373"/>
+            <a:ext cx="5183188" cy="414337"/>
+          </a:xfrm>
+        </p:spPr>
+        <p:txBody>
+          <a:bodyPr>
+            <a:normAutofit lnSpcReduction="10000"/>
+          </a:bodyPr>
+          <a:lstStyle/>
+          <a:p>
+            <a:r>
+              <a:rPr lang="en-AU" dirty="0"/>
+              <a:t>Post-Pandemic, 2020-2022:</a:t>
+            </a:r>
+          </a:p>
+        </p:txBody>
+      </p:sp>
+      <p:sp>
+        <p:nvSpPr>
+          <p:cNvPr id="11" name="TextBox 10">
+            <a:extLst>
+              <a:ext uri="{FF2B5EF4-FFF2-40B4-BE49-F238E27FC236}">
+                <a16:creationId xmlns:a16="http://schemas.microsoft.com/office/drawing/2014/main" id="{BE267002-32FE-9C35-9E4F-48A439861A83}"/>
+              </a:ext>
+            </a:extLst>
+          </p:cNvPr>
+          <p:cNvSpPr txBox="1"/>
+          <p:nvPr/>
+        </p:nvSpPr>
+        <p:spPr>
+          <a:xfrm>
+            <a:off x="8931458" y="6069729"/>
+            <a:ext cx="2970685" cy="646331"/>
+          </a:xfrm>
+          <a:prstGeom prst="rect">
+            <a:avLst/>
+          </a:prstGeom>
+          <a:noFill/>
+        </p:spPr>
+        <p:txBody>
+          <a:bodyPr wrap="none" rtlCol="0">
+            <a:spAutoFit/>
+          </a:bodyPr>
+          <a:lstStyle/>
+          <a:p>
+            <a:r>
+              <a:rPr lang="en-AU" dirty="0"/>
+              <a:t>No significant difference:</a:t>
+            </a:r>
+          </a:p>
+          <a:p>
+            <a:r>
+              <a:rPr lang="en-AU" dirty="0"/>
+              <a:t>Chi2 = 0.15, </a:t>
+            </a:r>
+            <a:r>
+              <a:rPr lang="en-AU" dirty="0" err="1"/>
+              <a:t>df</a:t>
+            </a:r>
+            <a:r>
+              <a:rPr lang="en-AU" dirty="0"/>
+              <a:t> = 1, p = 0.696</a:t>
+            </a:r>
+          </a:p>
+        </p:txBody>
+      </p:sp>
+      <p:pic>
+        <p:nvPicPr>
+          <p:cNvPr id="1032" name="Picture 8">
+            <a:extLst>
+              <a:ext uri="{FF2B5EF4-FFF2-40B4-BE49-F238E27FC236}">
+                <a16:creationId xmlns:a16="http://schemas.microsoft.com/office/drawing/2014/main" id="{A3AFCE2C-1833-19E0-C150-EDE8C8952FEF}"/>
+              </a:ext>
+            </a:extLst>
+          </p:cNvPr>
+          <p:cNvPicPr>
+            <a:picLocks noChangeAspect="1" noChangeArrowheads="1"/>
+          </p:cNvPicPr>
+          <p:nvPr/>
+        </p:nvPicPr>
+        <p:blipFill rotWithShape="1">
+          <a:blip r:embed="rId3">
+            <a:extLst>
+              <a:ext uri="{28A0092B-C50C-407E-A947-70E740481C1C}">
+                <a14:useLocalDpi xmlns:a14="http://schemas.microsoft.com/office/drawing/2010/main" val="0"/>
+              </a:ext>
+            </a:extLst>
+          </a:blip>
+          <a:srcRect t="6571"/>
+          <a:stretch/>
+        </p:blipFill>
+        <p:spPr bwMode="auto">
+          <a:xfrm>
+            <a:off x="164123" y="1038186"/>
+            <a:ext cx="5591907" cy="4857576"/>
+          </a:xfrm>
+          <a:prstGeom prst="rect">
+            <a:avLst/>
+          </a:prstGeom>
+          <a:noFill/>
+          <a:extLst>
+            <a:ext uri="{909E8E84-426E-40DD-AFC4-6F175D3DCCD1}">
+              <a14:hiddenFill xmlns:a14="http://schemas.microsoft.com/office/drawing/2010/main">
+                <a:solidFill>
+                  <a:srgbClr val="FFFFFF"/>
+                </a:solidFill>
+              </a14:hiddenFill>
+            </a:ext>
+          </a:extLst>
+        </p:spPr>
+      </p:pic>
+      <p:pic>
+        <p:nvPicPr>
+          <p:cNvPr id="1034" name="Picture 10">
+            <a:extLst>
+              <a:ext uri="{FF2B5EF4-FFF2-40B4-BE49-F238E27FC236}">
+                <a16:creationId xmlns:a16="http://schemas.microsoft.com/office/drawing/2014/main" id="{3C6C163C-FD04-DC76-7B0F-4EAB3E408182}"/>
+              </a:ext>
+            </a:extLst>
+          </p:cNvPr>
+          <p:cNvPicPr>
+            <a:picLocks noChangeAspect="1" noChangeArrowheads="1"/>
+          </p:cNvPicPr>
+          <p:nvPr/>
+        </p:nvPicPr>
+        <p:blipFill rotWithShape="1">
+          <a:blip r:embed="rId4">
+            <a:extLst>
+              <a:ext uri="{28A0092B-C50C-407E-A947-70E740481C1C}">
+                <a14:useLocalDpi xmlns:a14="http://schemas.microsoft.com/office/drawing/2010/main" val="0"/>
+              </a:ext>
+            </a:extLst>
+          </a:blip>
+          <a:srcRect t="7601"/>
+          <a:stretch/>
+        </p:blipFill>
+        <p:spPr bwMode="auto">
+          <a:xfrm>
+            <a:off x="5103726" y="1038186"/>
+            <a:ext cx="7253346" cy="4781627"/>
+          </a:xfrm>
+          <a:prstGeom prst="rect">
+            <a:avLst/>
+          </a:prstGeom>
+          <a:noFill/>
+          <a:extLst>
+            <a:ext uri="{909E8E84-426E-40DD-AFC4-6F175D3DCCD1}">
+              <a14:hiddenFill xmlns:a14="http://schemas.microsoft.com/office/drawing/2010/main">
+                <a:solidFill>
+                  <a:srgbClr val="FFFFFF"/>
+                </a:solidFill>
+              </a14:hiddenFill>
+            </a:ext>
+          </a:extLst>
+        </p:spPr>
+      </p:pic>
+    </p:spTree>
+    <p:extLst>
+      <p:ext uri="{BB962C8B-B14F-4D97-AF65-F5344CB8AC3E}">
+        <p14:creationId xmlns:p14="http://schemas.microsoft.com/office/powerpoint/2010/main" val="2525409316"/>
+      </p:ext>
+    </p:extLst>
+  </p:cSld>
+  <p:clrMapOvr>
+    <a:masterClrMapping/>
+  </p:clrMapOvr>
+</p:sld>
+</file>
+
+<file path=ppt/slides/slide6.xml><?xml version="1.0" encoding="utf-8"?>
+<p:sld xmlns:a="http://schemas.openxmlformats.org/drawingml/2006/main" xmlns:r="http://schemas.openxmlformats.org/officeDocument/2006/relationships" xmlns:p="http://schemas.openxmlformats.org/presentationml/2006/main">
+  <p:cSld>
+    <p:bg>
+      <p:bgPr>
+        <a:solidFill>
+          <a:schemeClr val="bg1"/>
+        </a:solidFill>
+        <a:effectLst/>
+      </p:bgPr>
+    </p:bg>
+    <p:spTree>
+      <p:nvGrpSpPr>
+        <p:cNvPr id="1" name=""/>
+        <p:cNvGrpSpPr/>
+        <p:nvPr/>
+      </p:nvGrpSpPr>
+      <p:grpSpPr>
+        <a:xfrm>
+          <a:off x="0" y="0"/>
+          <a:ext cx="0" cy="0"/>
+          <a:chOff x="0" y="0"/>
+          <a:chExt cx="0" cy="0"/>
+        </a:xfrm>
+      </p:grpSpPr>
+      <p:sp useBgFill="1">
+        <p:nvSpPr>
+          <p:cNvPr id="15" name="Rectangle 14">
+            <a:extLst>
+              <a:ext uri="{FF2B5EF4-FFF2-40B4-BE49-F238E27FC236}">
+                <a16:creationId xmlns:a16="http://schemas.microsoft.com/office/drawing/2014/main" id="{0671A8AE-40A1-4631-A6B8-581AFF065482}"/>
+              </a:ext>
+              <a:ext uri="{C183D7F6-B498-43B3-948B-1728B52AA6E4}">
+                <adec:decorative xmlns:adec="http://schemas.microsoft.com/office/drawing/2017/decorative" val="1"/>
+              </a:ext>
+            </a:extLst>
+          </p:cNvPr>
+          <p:cNvSpPr>
+            <a:spLocks noGrp="1" noRot="1" noChangeAspect="1" noMove="1" noResize="1" noEditPoints="1" noAdjustHandles="1" noChangeArrowheads="1" noChangeShapeType="1" noTextEdit="1"/>
+          </p:cNvSpPr>
+          <p:nvPr>
+            <p:extLst>
+              <p:ext uri="{386F3935-93C4-4BCD-93E2-E3B085C9AB24}">
+                <p16:designElem xmlns:p16="http://schemas.microsoft.com/office/powerpoint/2015/main" val="1"/>
+              </p:ext>
+            </p:extLst>
+          </p:nvPr>
+        </p:nvSpPr>
+        <p:spPr>
+          <a:xfrm>
+            <a:off x="0" y="0"/>
+            <a:ext cx="12192000" cy="6858000"/>
+          </a:xfrm>
+          <a:prstGeom prst="rect">
+            <a:avLst/>
+          </a:prstGeom>
+          <a:ln>
+            <a:noFill/>
+          </a:ln>
+        </p:spPr>
+        <p:style>
+          <a:lnRef idx="2">
+            <a:schemeClr val="accent1">
+              <a:shade val="50000"/>
+            </a:schemeClr>
+          </a:lnRef>
+          <a:fillRef idx="1">
+            <a:schemeClr val="accent1"/>
+          </a:fillRef>
+          <a:effectRef idx="0">
+            <a:schemeClr val="accent1"/>
+          </a:effectRef>
+          <a:fontRef idx="minor">
+            <a:schemeClr val="lt1"/>
+          </a:fontRef>
+        </p:style>
+        <p:txBody>
+          <a:bodyPr rtlCol="0" anchor="ctr"/>
+          <a:lstStyle/>
+          <a:p>
+            <a:pPr algn="ctr"/>
+            <a:endParaRPr lang="en-US"/>
+          </a:p>
+        </p:txBody>
+      </p:sp>
+      <p:pic>
+        <p:nvPicPr>
+          <p:cNvPr id="10" name="Picture 9" descr="A network of dots and lines&#10;&#10;Description automatically generated">
+            <a:extLst>
+              <a:ext uri="{FF2B5EF4-FFF2-40B4-BE49-F238E27FC236}">
+                <a16:creationId xmlns:a16="http://schemas.microsoft.com/office/drawing/2014/main" id="{E79F1182-75E5-C24E-759D-AC065F80698F}"/>
+              </a:ext>
+            </a:extLst>
+          </p:cNvPr>
+          <p:cNvPicPr>
+            <a:picLocks noChangeAspect="1"/>
+          </p:cNvPicPr>
+          <p:nvPr/>
+        </p:nvPicPr>
+        <p:blipFill rotWithShape="1">
+          <a:blip r:embed="rId3"/>
+          <a:srcRect t="28079" r="9089" b="-2"/>
+          <a:stretch/>
+        </p:blipFill>
+        <p:spPr>
+          <a:xfrm>
+            <a:off x="3409025" y="10"/>
+            <a:ext cx="8782975" cy="6857990"/>
+          </a:xfrm>
+          <a:prstGeom prst="rect">
+            <a:avLst/>
+          </a:prstGeom>
+        </p:spPr>
+      </p:pic>
+      <p:sp>
+        <p:nvSpPr>
+          <p:cNvPr id="17" name="Rectangle 16">
+            <a:extLst>
+              <a:ext uri="{FF2B5EF4-FFF2-40B4-BE49-F238E27FC236}">
+                <a16:creationId xmlns:a16="http://schemas.microsoft.com/office/drawing/2014/main" id="{AB58EF07-17C2-48CF-ABB0-EEF1F17CB8F0}"/>
+              </a:ext>
+              <a:ext uri="{C183D7F6-B498-43B3-948B-1728B52AA6E4}">
+                <adec:decorative xmlns:adec="http://schemas.microsoft.com/office/drawing/2017/decorative" val="1"/>
+              </a:ext>
+            </a:extLst>
+          </p:cNvPr>
+          <p:cNvSpPr>
+            <a:spLocks noGrp="1" noRot="1" noChangeAspect="1" noMove="1" noResize="1" noEditPoints="1" noAdjustHandles="1" noChangeArrowheads="1" noChangeShapeType="1" noTextEdit="1"/>
+          </p:cNvSpPr>
+          <p:nvPr>
+            <p:extLst>
+              <p:ext uri="{386F3935-93C4-4BCD-93E2-E3B085C9AB24}">
+                <p16:designElem xmlns:p16="http://schemas.microsoft.com/office/powerpoint/2015/main" val="1"/>
+              </p:ext>
+            </p:extLst>
+          </p:nvPr>
+        </p:nvSpPr>
+        <p:spPr>
+          <a:xfrm>
+            <a:off x="3" y="0"/>
+            <a:ext cx="9339206" cy="6858000"/>
+          </a:xfrm>
+          <a:prstGeom prst="rect">
+            <a:avLst/>
+          </a:prstGeom>
+          <a:gradFill>
+            <a:gsLst>
+              <a:gs pos="58000">
+                <a:schemeClr val="tx1"/>
+              </a:gs>
+              <a:gs pos="33000">
+                <a:schemeClr val="tx1">
+                  <a:alpha val="64000"/>
+                </a:schemeClr>
+              </a:gs>
+              <a:gs pos="0">
+                <a:schemeClr val="tx1">
+                  <a:alpha val="0"/>
+                </a:schemeClr>
+              </a:gs>
+              <a:gs pos="100000">
+                <a:schemeClr val="tx1"/>
+              </a:gs>
+            </a:gsLst>
+            <a:lin ang="10800000" scaled="0"/>
+          </a:gradFill>
+          <a:ln>
+            <a:noFill/>
+          </a:ln>
+        </p:spPr>
+        <p:style>
+          <a:lnRef idx="2">
+            <a:schemeClr val="accent1">
+              <a:shade val="50000"/>
+            </a:schemeClr>
+          </a:lnRef>
+          <a:fillRef idx="1">
+            <a:schemeClr val="accent1"/>
+          </a:fillRef>
+          <a:effectRef idx="0">
+            <a:schemeClr val="accent1"/>
+          </a:effectRef>
+          <a:fontRef idx="minor">
+            <a:schemeClr val="lt1"/>
+          </a:fontRef>
+        </p:style>
+        <p:txBody>
+          <a:bodyPr rtlCol="0" anchor="ctr"/>
+          <a:lstStyle/>
+          <a:p>
+            <a:pPr algn="ctr"/>
+            <a:endParaRPr lang="en-US" dirty="0"/>
+          </a:p>
+        </p:txBody>
+      </p:sp>
+      <p:sp>
+        <p:nvSpPr>
+          <p:cNvPr id="7" name="Title 6">
+            <a:extLst>
+              <a:ext uri="{FF2B5EF4-FFF2-40B4-BE49-F238E27FC236}">
+                <a16:creationId xmlns:a16="http://schemas.microsoft.com/office/drawing/2014/main" id="{065AE0F7-93B2-1A8E-F2A5-B1624E21DF6F}"/>
+              </a:ext>
+            </a:extLst>
+          </p:cNvPr>
+          <p:cNvSpPr>
+            <a:spLocks noGrp="1"/>
+          </p:cNvSpPr>
+          <p:nvPr>
+            <p:ph type="title"/>
+          </p:nvPr>
+        </p:nvSpPr>
+        <p:spPr>
+          <a:xfrm>
+            <a:off x="406960" y="447659"/>
+            <a:ext cx="4023360" cy="3204134"/>
+          </a:xfrm>
+        </p:spPr>
+        <p:txBody>
+          <a:bodyPr vert="horz" lIns="91440" tIns="45720" rIns="91440" bIns="45720" rtlCol="0" anchor="b">
+            <a:normAutofit/>
+          </a:bodyPr>
+          <a:lstStyle/>
+          <a:p>
+            <a:pPr algn="l"/>
+            <a:r>
+              <a:rPr lang="en-AU" sz="4400" b="0" i="0" dirty="0">
+                <a:solidFill>
+                  <a:schemeClr val="bg1"/>
+                </a:solidFill>
+                <a:effectLst/>
+                <a:latin typeface="-apple-system"/>
+              </a:rPr>
+              <a:t>2. How does this compare within different countries?</a:t>
+            </a:r>
+          </a:p>
+        </p:txBody>
+      </p:sp>
+      <p:sp>
+        <p:nvSpPr>
+          <p:cNvPr id="19" name="Rectangle 18">
+            <a:extLst>
+              <a:ext uri="{FF2B5EF4-FFF2-40B4-BE49-F238E27FC236}">
+                <a16:creationId xmlns:a16="http://schemas.microsoft.com/office/drawing/2014/main" id="{AF2F604E-43BE-4DC3-B983-E071523364F8}"/>
+              </a:ext>
+              <a:ext uri="{C183D7F6-B498-43B3-948B-1728B52AA6E4}">
+                <adec:decorative xmlns:adec="http://schemas.microsoft.com/office/drawing/2017/decorative" val="1"/>
+              </a:ext>
+            </a:extLst>
+          </p:cNvPr>
+          <p:cNvSpPr>
+            <a:spLocks noGrp="1" noRot="1" noChangeAspect="1" noMove="1" noResize="1" noEditPoints="1" noAdjustHandles="1" noChangeArrowheads="1" noChangeShapeType="1" noTextEdit="1"/>
+          </p:cNvSpPr>
+          <p:nvPr>
+            <p:extLst>
+              <p:ext uri="{386F3935-93C4-4BCD-93E2-E3B085C9AB24}">
+                <p16:designElem xmlns:p16="http://schemas.microsoft.com/office/powerpoint/2015/main" val="1"/>
+              </p:ext>
+            </p:extLst>
+          </p:nvPr>
+        </p:nvSpPr>
+        <p:spPr>
+          <a:xfrm rot="5400000">
+            <a:off x="759921" y="346791"/>
+            <a:ext cx="146304" cy="704088"/>
+          </a:xfrm>
+          <a:prstGeom prst="rect">
+            <a:avLst/>
+          </a:prstGeom>
+          <a:solidFill>
+            <a:schemeClr val="accent2"/>
+          </a:solidFill>
+          <a:ln>
+            <a:noFill/>
+          </a:ln>
+        </p:spPr>
+        <p:style>
+          <a:lnRef idx="2">
+            <a:schemeClr val="accent1">
+              <a:shade val="50000"/>
+            </a:schemeClr>
+          </a:lnRef>
+          <a:fillRef idx="1">
+            <a:schemeClr val="accent1"/>
+          </a:fillRef>
+          <a:effectRef idx="0">
+            <a:schemeClr val="accent1"/>
+          </a:effectRef>
+          <a:fontRef idx="minor">
+            <a:schemeClr val="lt1"/>
+          </a:fontRef>
+        </p:style>
+        <p:txBody>
+          <a:bodyPr rtlCol="0" anchor="ctr"/>
+          <a:lstStyle/>
+          <a:p>
+            <a:pPr algn="ctr"/>
+            <a:endParaRPr lang="en-US">
+              <a:solidFill>
+                <a:prstClr val="white"/>
+              </a:solidFill>
+              <a:latin typeface="Calibri" panose="020F0502020204030204"/>
+            </a:endParaRPr>
+          </a:p>
+        </p:txBody>
+      </p:sp>
+      <p:sp>
+        <p:nvSpPr>
+          <p:cNvPr id="21" name="Rectangle 20">
+            <a:extLst>
+              <a:ext uri="{FF2B5EF4-FFF2-40B4-BE49-F238E27FC236}">
+                <a16:creationId xmlns:a16="http://schemas.microsoft.com/office/drawing/2014/main" id="{08C9B587-E65E-4B52-B37C-ABEBB6E87928}"/>
+              </a:ext>
+              <a:ext uri="{C183D7F6-B498-43B3-948B-1728B52AA6E4}">
+                <adec:decorative xmlns:adec="http://schemas.microsoft.com/office/drawing/2017/decorative" val="1"/>
+              </a:ext>
+            </a:extLst>
+          </p:cNvPr>
+          <p:cNvSpPr>
+            <a:spLocks noGrp="1" noRot="1" noChangeAspect="1" noMove="1" noResize="1" noEditPoints="1" noAdjustHandles="1" noChangeArrowheads="1" noChangeShapeType="1" noTextEdit="1"/>
+          </p:cNvSpPr>
+          <p:nvPr>
+            <p:extLst>
+              <p:ext uri="{386F3935-93C4-4BCD-93E2-E3B085C9AB24}">
+                <p16:designElem xmlns:p16="http://schemas.microsoft.com/office/powerpoint/2015/main" val="1"/>
+              </p:ext>
+            </p:extLst>
+          </p:nvPr>
+        </p:nvSpPr>
+        <p:spPr>
+          <a:xfrm>
+            <a:off x="481029" y="4546920"/>
+            <a:ext cx="3977640" cy="18288"/>
+          </a:xfrm>
+          <a:prstGeom prst="rect">
+            <a:avLst/>
+          </a:prstGeom>
+          <a:solidFill>
+            <a:schemeClr val="tx1"/>
+          </a:solidFill>
+          <a:ln w="3175">
+            <a:noFill/>
+          </a:ln>
+          <a:effectLst/>
+        </p:spPr>
+        <p:style>
+          <a:lnRef idx="2">
+            <a:schemeClr val="accent1">
+              <a:shade val="50000"/>
+            </a:schemeClr>
+          </a:lnRef>
+          <a:fillRef idx="1">
+            <a:schemeClr val="accent1"/>
+          </a:fillRef>
+          <a:effectRef idx="0">
+            <a:schemeClr val="accent1"/>
+          </a:effectRef>
+          <a:fontRef idx="minor">
+            <a:schemeClr val="lt1"/>
+          </a:fontRef>
+        </p:style>
+        <p:txBody>
+          <a:bodyPr rtlCol="0" anchor="ctr"/>
+          <a:lstStyle/>
+          <a:p>
+            <a:pPr marL="0" marR="0" lvl="0" indent="0" algn="ctr" defTabSz="914400" rtl="0" eaLnBrk="1" fontAlgn="auto" latinLnBrk="0" hangingPunct="1">
+              <a:lnSpc>
+                <a:spcPct val="100000"/>
+              </a:lnSpc>
+              <a:spcBef>
+                <a:spcPts val="0"/>
+              </a:spcBef>
+              <a:spcAft>
+                <a:spcPts val="0"/>
+              </a:spcAft>
+              <a:buClrTx/>
+              <a:buSzTx/>
+              <a:buFontTx/>
+              <a:buNone/>
+              <a:tabLst/>
+              <a:defRPr/>
+            </a:pPr>
+            <a:endParaRPr kumimoji="0" lang="en-US" sz="1800" b="0" i="0" u="none" strike="noStrike" kern="1200" cap="none" spc="0" normalizeH="0" baseline="0" noProof="0">
+              <a:ln>
+                <a:noFill/>
+              </a:ln>
+              <a:solidFill>
+                <a:prstClr val="white"/>
+              </a:solidFill>
+              <a:effectLst/>
+              <a:uLnTx/>
+              <a:uFillTx/>
+              <a:latin typeface="Calibri" panose="020F0502020204030204"/>
+              <a:ea typeface="+mn-ea"/>
+              <a:cs typeface="+mn-cs"/>
+            </a:endParaRPr>
+          </a:p>
+        </p:txBody>
+      </p:sp>
+    </p:spTree>
+    <p:extLst>
+      <p:ext uri="{BB962C8B-B14F-4D97-AF65-F5344CB8AC3E}">
         <p14:creationId xmlns:p14="http://schemas.microsoft.com/office/powerpoint/2010/main" val="2878743044"/>
       </p:ext>
     </p:extLst>
@@ -8262,7 +11276,7 @@
 </p:sld>
 </file>
 
-<file path=ppt/slides/slide6.xml><?xml version="1.0" encoding="utf-8"?>
+<file path=ppt/slides/slide7.xml><?xml version="1.0" encoding="utf-8"?>
 <p:sld xmlns:a="http://schemas.openxmlformats.org/drawingml/2006/main" xmlns:r="http://schemas.openxmlformats.org/officeDocument/2006/relationships" xmlns:p="http://schemas.openxmlformats.org/presentationml/2006/main">
   <p:cSld>
     <p:spTree>
@@ -8294,7 +11308,7 @@
           <p:nvPr/>
         </p:nvPicPr>
         <p:blipFill rotWithShape="1">
-          <a:blip r:embed="rId2">
+          <a:blip r:embed="rId3">
             <a:extLst>
               <a:ext uri="{28A0092B-C50C-407E-A947-70E740481C1C}">
                 <a14:useLocalDpi xmlns:a14="http://schemas.microsoft.com/office/drawing/2010/main" val="0"/>
@@ -8537,7 +11551,7 @@
 </p:sld>
 </file>
 
-<file path=ppt/slides/slide7.xml><?xml version="1.0" encoding="utf-8"?>
+<file path=ppt/slides/slide8.xml><?xml version="1.0" encoding="utf-8"?>
 <p:sld xmlns:a="http://schemas.openxmlformats.org/drawingml/2006/main" xmlns:r="http://schemas.openxmlformats.org/officeDocument/2006/relationships" xmlns:p="http://schemas.openxmlformats.org/presentationml/2006/main">
   <p:cSld>
     <p:spTree>
@@ -8769,7 +11783,7 @@
           <p:nvPr/>
         </p:nvPicPr>
         <p:blipFill rotWithShape="1">
-          <a:blip r:embed="rId2">
+          <a:blip r:embed="rId3">
             <a:extLst>
               <a:ext uri="{28A0092B-C50C-407E-A947-70E740481C1C}">
                 <a14:useLocalDpi xmlns:a14="http://schemas.microsoft.com/office/drawing/2010/main" val="0"/>
@@ -8812,7 +11826,7 @@
 </p:sld>
 </file>
 
-<file path=ppt/slides/slide8.xml><?xml version="1.0" encoding="utf-8"?>
+<file path=ppt/slides/slide9.xml><?xml version="1.0" encoding="utf-8"?>
 <p:sld xmlns:a="http://schemas.openxmlformats.org/drawingml/2006/main" xmlns:r="http://schemas.openxmlformats.org/officeDocument/2006/relationships" xmlns:p="http://schemas.openxmlformats.org/presentationml/2006/main">
   <p:cSld>
     <p:bg>
@@ -8918,8 +11932,8 @@
         </p:blipFill>
         <p:spPr>
           <a:xfrm>
-            <a:off x="3523488" y="10"/>
-            <a:ext cx="8668512" cy="6857990"/>
+            <a:off x="4101482" y="10"/>
+            <a:ext cx="8090517" cy="6857990"/>
           </a:xfrm>
           <a:prstGeom prst="rect">
             <a:avLst/>
@@ -9025,23 +12039,26 @@
         </p:nvSpPr>
         <p:spPr>
           <a:xfrm>
-            <a:off x="477981" y="1122363"/>
+            <a:off x="398082" y="1823698"/>
             <a:ext cx="4023360" cy="3204134"/>
           </a:xfrm>
         </p:spPr>
         <p:txBody>
           <a:bodyPr vert="horz" lIns="91440" tIns="45720" rIns="91440" bIns="45720" rtlCol="0" anchor="b">
-            <a:normAutofit/>
+            <a:noAutofit/>
           </a:bodyPr>
           <a:lstStyle/>
           <a:p>
-            <a:r>
-              <a:rPr lang="en-US" sz="4400" dirty="0">
+            <a:pPr algn="l"/>
+            <a:r>
+              <a:rPr lang="en-AU" sz="4400" b="0" i="0" dirty="0">
                 <a:solidFill>
                   <a:schemeClr val="bg1"/>
                 </a:solidFill>
+                <a:effectLst/>
+                <a:latin typeface="-apple-system"/>
               </a:rPr>
-              <a:t>Proportion of tech companies providing mental health wellness programs</a:t>
+              <a:t>3. What is the proportion of tech employers that offer wellness programs?</a:t>
             </a:r>
           </a:p>
         </p:txBody>
@@ -9211,245 +12228,6 @@
     <p:extLst>
       <p:ext uri="{BB962C8B-B14F-4D97-AF65-F5344CB8AC3E}">
         <p14:creationId xmlns:p14="http://schemas.microsoft.com/office/powerpoint/2010/main" val="3443517326"/>
-      </p:ext>
-    </p:extLst>
-  </p:cSld>
-  <p:clrMapOvr>
-    <a:masterClrMapping/>
-  </p:clrMapOvr>
-</p:sld>
-</file>
-
-<file path=ppt/slides/slide9.xml><?xml version="1.0" encoding="utf-8"?>
-<p:sld xmlns:a="http://schemas.openxmlformats.org/drawingml/2006/main" xmlns:r="http://schemas.openxmlformats.org/officeDocument/2006/relationships" xmlns:p="http://schemas.openxmlformats.org/presentationml/2006/main">
-  <p:cSld>
-    <p:spTree>
-      <p:nvGrpSpPr>
-        <p:cNvPr id="1" name=""/>
-        <p:cNvGrpSpPr/>
-        <p:nvPr/>
-      </p:nvGrpSpPr>
-      <p:grpSpPr>
-        <a:xfrm>
-          <a:off x="0" y="0"/>
-          <a:ext cx="0" cy="0"/>
-          <a:chOff x="0" y="0"/>
-          <a:chExt cx="0" cy="0"/>
-        </a:xfrm>
-      </p:grpSpPr>
-      <p:pic>
-        <p:nvPicPr>
-          <p:cNvPr id="4104" name="Picture 8">
-            <a:extLst>
-              <a:ext uri="{FF2B5EF4-FFF2-40B4-BE49-F238E27FC236}">
-                <a16:creationId xmlns:a16="http://schemas.microsoft.com/office/drawing/2014/main" id="{BB235E3E-AF1A-94DC-2ECF-452373BE3D27}"/>
-              </a:ext>
-            </a:extLst>
-          </p:cNvPr>
-          <p:cNvPicPr>
-            <a:picLocks noChangeAspect="1" noChangeArrowheads="1"/>
-          </p:cNvPicPr>
-          <p:nvPr/>
-        </p:nvPicPr>
-        <p:blipFill rotWithShape="1">
-          <a:blip r:embed="rId3">
-            <a:extLst>
-              <a:ext uri="{28A0092B-C50C-407E-A947-70E740481C1C}">
-                <a14:useLocalDpi xmlns:a14="http://schemas.microsoft.com/office/drawing/2010/main" val="0"/>
-              </a:ext>
-            </a:extLst>
-          </a:blip>
-          <a:srcRect l="25804" t="8156" r="14087"/>
-          <a:stretch/>
-        </p:blipFill>
-        <p:spPr bwMode="auto">
-          <a:xfrm>
-            <a:off x="6270513" y="1098031"/>
-            <a:ext cx="5921487" cy="5294863"/>
-          </a:xfrm>
-          <a:prstGeom prst="rect">
-            <a:avLst/>
-          </a:prstGeom>
-          <a:noFill/>
-          <a:extLst>
-            <a:ext uri="{909E8E84-426E-40DD-AFC4-6F175D3DCCD1}">
-              <a14:hiddenFill xmlns:a14="http://schemas.microsoft.com/office/drawing/2010/main">
-                <a:solidFill>
-                  <a:srgbClr val="FFFFFF"/>
-                </a:solidFill>
-              </a14:hiddenFill>
-            </a:ext>
-          </a:extLst>
-        </p:spPr>
-      </p:pic>
-      <p:sp>
-        <p:nvSpPr>
-          <p:cNvPr id="3" name="Text Placeholder 2">
-            <a:extLst>
-              <a:ext uri="{FF2B5EF4-FFF2-40B4-BE49-F238E27FC236}">
-                <a16:creationId xmlns:a16="http://schemas.microsoft.com/office/drawing/2014/main" id="{244C3115-AEE6-1F21-2DFF-E29C0CF38048}"/>
-              </a:ext>
-            </a:extLst>
-          </p:cNvPr>
-          <p:cNvSpPr>
-            <a:spLocks noGrp="1"/>
-          </p:cNvSpPr>
-          <p:nvPr>
-            <p:ph type="body" idx="1"/>
-          </p:nvPr>
-        </p:nvSpPr>
-        <p:spPr>
-          <a:xfrm>
-            <a:off x="836612" y="559374"/>
-            <a:ext cx="5157787" cy="414337"/>
-          </a:xfrm>
-        </p:spPr>
-        <p:txBody>
-          <a:bodyPr>
-            <a:normAutofit lnSpcReduction="10000"/>
-          </a:bodyPr>
-          <a:lstStyle/>
-          <a:p>
-            <a:r>
-              <a:rPr lang="en-AU" dirty="0"/>
-              <a:t>Pre-Pandemic, 2014:</a:t>
-            </a:r>
-          </a:p>
-        </p:txBody>
-      </p:sp>
-      <p:sp>
-        <p:nvSpPr>
-          <p:cNvPr id="6" name="Text Placeholder 5">
-            <a:extLst>
-              <a:ext uri="{FF2B5EF4-FFF2-40B4-BE49-F238E27FC236}">
-                <a16:creationId xmlns:a16="http://schemas.microsoft.com/office/drawing/2014/main" id="{0FC6038A-C89F-D1DF-BB6B-44040D7C6A5E}"/>
-              </a:ext>
-            </a:extLst>
-          </p:cNvPr>
-          <p:cNvSpPr>
-            <a:spLocks noGrp="1"/>
-          </p:cNvSpPr>
-          <p:nvPr>
-            <p:ph type="body" sz="quarter" idx="3"/>
-          </p:nvPr>
-        </p:nvSpPr>
-        <p:spPr>
-          <a:xfrm>
-            <a:off x="6718955" y="559373"/>
-            <a:ext cx="5183188" cy="414337"/>
-          </a:xfrm>
-        </p:spPr>
-        <p:txBody>
-          <a:bodyPr>
-            <a:normAutofit lnSpcReduction="10000"/>
-          </a:bodyPr>
-          <a:lstStyle/>
-          <a:p>
-            <a:r>
-              <a:rPr lang="en-AU" dirty="0"/>
-              <a:t>Post-Pandemic, 2020-2022:</a:t>
-            </a:r>
-          </a:p>
-        </p:txBody>
-      </p:sp>
-      <p:sp>
-        <p:nvSpPr>
-          <p:cNvPr id="11" name="TextBox 10">
-            <a:extLst>
-              <a:ext uri="{FF2B5EF4-FFF2-40B4-BE49-F238E27FC236}">
-                <a16:creationId xmlns:a16="http://schemas.microsoft.com/office/drawing/2014/main" id="{BE267002-32FE-9C35-9E4F-48A439861A83}"/>
-              </a:ext>
-            </a:extLst>
-          </p:cNvPr>
-          <p:cNvSpPr txBox="1"/>
-          <p:nvPr/>
-        </p:nvSpPr>
-        <p:spPr>
-          <a:xfrm>
-            <a:off x="8931458" y="6069729"/>
-            <a:ext cx="3094117" cy="646331"/>
-          </a:xfrm>
-          <a:prstGeom prst="rect">
-            <a:avLst/>
-          </a:prstGeom>
-          <a:noFill/>
-        </p:spPr>
-        <p:txBody>
-          <a:bodyPr wrap="none" rtlCol="0">
-            <a:spAutoFit/>
-          </a:bodyPr>
-          <a:lstStyle/>
-          <a:p>
-            <a:r>
-              <a:rPr lang="en-AU" dirty="0"/>
-              <a:t>Significant difference:</a:t>
-            </a:r>
-          </a:p>
-          <a:p>
-            <a:r>
-              <a:rPr lang="en-AU" dirty="0"/>
-              <a:t>Chi2 = 72.29, </a:t>
-            </a:r>
-            <a:r>
-              <a:rPr lang="en-AU" dirty="0" err="1"/>
-              <a:t>df</a:t>
-            </a:r>
-            <a:r>
-              <a:rPr lang="en-AU" dirty="0"/>
-              <a:t> = 2, p &lt; 0.001</a:t>
-            </a:r>
-          </a:p>
-        </p:txBody>
-      </p:sp>
-      <p:pic>
-        <p:nvPicPr>
-          <p:cNvPr id="4102" name="Picture 6">
-            <a:extLst>
-              <a:ext uri="{FF2B5EF4-FFF2-40B4-BE49-F238E27FC236}">
-                <a16:creationId xmlns:a16="http://schemas.microsoft.com/office/drawing/2014/main" id="{7457EE00-834D-E74E-4623-E22E2A8A8850}"/>
-              </a:ext>
-            </a:extLst>
-          </p:cNvPr>
-          <p:cNvPicPr>
-            <a:picLocks noChangeAspect="1" noChangeArrowheads="1"/>
-          </p:cNvPicPr>
-          <p:nvPr/>
-        </p:nvPicPr>
-        <p:blipFill rotWithShape="1">
-          <a:blip r:embed="rId4">
-            <a:extLst>
-              <a:ext uri="{28A0092B-C50C-407E-A947-70E740481C1C}">
-                <a14:useLocalDpi xmlns:a14="http://schemas.microsoft.com/office/drawing/2010/main" val="0"/>
-              </a:ext>
-            </a:extLst>
-          </a:blip>
-          <a:srcRect l="24128" t="11965" r="12531" b="3932"/>
-          <a:stretch/>
-        </p:blipFill>
-        <p:spPr bwMode="auto">
-          <a:xfrm>
-            <a:off x="526638" y="1238557"/>
-            <a:ext cx="5577450" cy="4831172"/>
-          </a:xfrm>
-          <a:prstGeom prst="rect">
-            <a:avLst/>
-          </a:prstGeom>
-          <a:noFill/>
-          <a:extLst>
-            <a:ext uri="{909E8E84-426E-40DD-AFC4-6F175D3DCCD1}">
-              <a14:hiddenFill xmlns:a14="http://schemas.microsoft.com/office/drawing/2010/main">
-                <a:solidFill>
-                  <a:srgbClr val="FFFFFF"/>
-                </a:solidFill>
-              </a14:hiddenFill>
-            </a:ext>
-          </a:extLst>
-        </p:spPr>
-      </p:pic>
-    </p:spTree>
-    <p:extLst>
-      <p:ext uri="{BB962C8B-B14F-4D97-AF65-F5344CB8AC3E}">
-        <p14:creationId xmlns:p14="http://schemas.microsoft.com/office/powerpoint/2010/main" val="1626630908"/>
       </p:ext>
     </p:extLst>
   </p:cSld>
